--- a/Documents/ECEN 404/Virtual Project Showcase.pptx
+++ b/Documents/ECEN 404/Virtual Project Showcase.pptx
@@ -27,6 +27,7 @@
     <p:sldId id="271" r:id="rId23"/>
     <p:sldId id="272" r:id="rId24"/>
     <p:sldId id="273" r:id="rId25"/>
+    <p:sldId id="274" r:id="rId26"/>
   </p:sldIdLst>
   <p:sldSz cy="6858000" cx="9144000"/>
   <p:notesSz cx="6858000" cy="9144000"/>
@@ -831,7 +832,7 @@
   <p:cSld>
     <p:spTree>
       <p:nvGrpSpPr>
-        <p:cNvPr id="157" name="Shape 157"/>
+        <p:cNvPr id="191" name="Shape 191"/>
         <p:cNvGrpSpPr/>
         <p:nvPr/>
       </p:nvGrpSpPr>
@@ -845,7 +846,7 @@
       </p:grpSpPr>
       <p:sp>
         <p:nvSpPr>
-          <p:cNvPr id="158" name="Google Shape;158;g316fb8574b2_0_0:notes"/>
+          <p:cNvPr id="192" name="Google Shape;192;g31ab49de854_0_8:notes"/>
           <p:cNvSpPr/>
           <p:nvPr>
             <p:ph idx="2" type="sldImg"/>
@@ -880,7 +881,7 @@
       </p:sp>
       <p:sp>
         <p:nvSpPr>
-          <p:cNvPr id="159" name="Google Shape;159;g316fb8574b2_0_0:notes"/>
+          <p:cNvPr id="193" name="Google Shape;193;g31ab49de854_0_8:notes"/>
           <p:cNvSpPr txBox="1"/>
           <p:nvPr>
             <p:ph idx="1" type="body"/>
@@ -930,7 +931,7 @@
   <p:cSld>
     <p:spTree>
       <p:nvGrpSpPr>
-        <p:cNvPr id="163" name="Shape 163"/>
+        <p:cNvPr id="197" name="Shape 197"/>
         <p:cNvGrpSpPr/>
         <p:nvPr/>
       </p:nvGrpSpPr>
@@ -944,7 +945,7 @@
       </p:grpSpPr>
       <p:sp>
         <p:nvSpPr>
-          <p:cNvPr id="164" name="Google Shape;164;g316fb8574b2_0_5:notes"/>
+          <p:cNvPr id="198" name="Google Shape;198;g31ab49de854_0_18:notes"/>
           <p:cNvSpPr/>
           <p:nvPr>
             <p:ph idx="2" type="sldImg"/>
@@ -979,7 +980,7 @@
       </p:sp>
       <p:sp>
         <p:nvSpPr>
-          <p:cNvPr id="165" name="Google Shape;165;g316fb8574b2_0_5:notes"/>
+          <p:cNvPr id="199" name="Google Shape;199;g31ab49de854_0_18:notes"/>
           <p:cNvSpPr txBox="1"/>
           <p:nvPr>
             <p:ph idx="1" type="body"/>
@@ -1029,7 +1030,7 @@
   <p:cSld>
     <p:spTree>
       <p:nvGrpSpPr>
-        <p:cNvPr id="169" name="Shape 169"/>
+        <p:cNvPr id="205" name="Shape 205"/>
         <p:cNvGrpSpPr/>
         <p:nvPr/>
       </p:nvGrpSpPr>
@@ -1043,7 +1044,7 @@
       </p:grpSpPr>
       <p:sp>
         <p:nvSpPr>
-          <p:cNvPr id="170" name="Google Shape;170;g316fb8574b2_0_10:notes"/>
+          <p:cNvPr id="206" name="Google Shape;206;g31ab49de854_0_25:notes"/>
           <p:cNvSpPr/>
           <p:nvPr>
             <p:ph idx="2" type="sldImg"/>
@@ -1078,7 +1079,7 @@
       </p:sp>
       <p:sp>
         <p:nvSpPr>
-          <p:cNvPr id="171" name="Google Shape;171;g316fb8574b2_0_10:notes"/>
+          <p:cNvPr id="207" name="Google Shape;207;g31ab49de854_0_25:notes"/>
           <p:cNvSpPr txBox="1"/>
           <p:nvPr>
             <p:ph idx="1" type="body"/>
@@ -1128,7 +1129,7 @@
   <p:cSld>
     <p:spTree>
       <p:nvGrpSpPr>
-        <p:cNvPr id="177" name="Shape 177"/>
+        <p:cNvPr id="213" name="Shape 213"/>
         <p:cNvGrpSpPr/>
         <p:nvPr/>
       </p:nvGrpSpPr>
@@ -1142,106 +1143,7 @@
       </p:grpSpPr>
       <p:sp>
         <p:nvSpPr>
-          <p:cNvPr id="178" name="Google Shape;178;g316fb8574b2_0_15:notes"/>
-          <p:cNvSpPr/>
-          <p:nvPr>
-            <p:ph idx="2" type="sldImg"/>
-          </p:nvPr>
-        </p:nvSpPr>
-        <p:spPr>
-          <a:xfrm>
-            <a:off x="1143300" y="685800"/>
-            <a:ext cx="4572000" cy="3429000"/>
-          </a:xfrm>
-          <a:custGeom>
-            <a:rect b="b" l="l" r="r" t="t"/>
-            <a:pathLst>
-              <a:path extrusionOk="0" h="120000" w="120000">
-                <a:moveTo>
-                  <a:pt x="0" y="0"/>
-                </a:moveTo>
-                <a:lnTo>
-                  <a:pt x="120000" y="0"/>
-                </a:lnTo>
-                <a:lnTo>
-                  <a:pt x="120000" y="120000"/>
-                </a:lnTo>
-                <a:lnTo>
-                  <a:pt x="0" y="120000"/>
-                </a:lnTo>
-                <a:close/>
-              </a:path>
-            </a:pathLst>
-          </a:custGeom>
-        </p:spPr>
-      </p:sp>
-      <p:sp>
-        <p:nvSpPr>
-          <p:cNvPr id="179" name="Google Shape;179;g316fb8574b2_0_15:notes"/>
-          <p:cNvSpPr txBox="1"/>
-          <p:nvPr>
-            <p:ph idx="1" type="body"/>
-          </p:nvPr>
-        </p:nvSpPr>
-        <p:spPr>
-          <a:xfrm>
-            <a:off x="685800" y="4343400"/>
-            <a:ext cx="5486400" cy="4114800"/>
-          </a:xfrm>
-          <a:prstGeom prst="rect">
-            <a:avLst/>
-          </a:prstGeom>
-        </p:spPr>
-        <p:txBody>
-          <a:bodyPr anchorCtr="0" anchor="t" bIns="91425" lIns="91425" spcFirstLastPara="1" rIns="91425" wrap="square" tIns="91425">
-            <a:noAutofit/>
-          </a:bodyPr>
-          <a:lstStyle/>
-          <a:p>
-            <a:pPr indent="0" lvl="0" marL="0" rtl="0" algn="l">
-              <a:spcBef>
-                <a:spcPts val="0"/>
-              </a:spcBef>
-              <a:spcAft>
-                <a:spcPts val="0"/>
-              </a:spcAft>
-              <a:buNone/>
-            </a:pPr>
-            <a:r>
-              <a:t/>
-            </a:r>
-            <a:endParaRPr/>
-          </a:p>
-        </p:txBody>
-      </p:sp>
-    </p:spTree>
-  </p:cSld>
-  <p:clrMapOvr>
-    <a:masterClrMapping/>
-  </p:clrMapOvr>
-</p:notes>
-</file>
-
-<file path=ppt/notesSlides/notesSlide14.xml><?xml version="1.0" encoding="utf-8"?>
-<p:notes xmlns:a="http://schemas.openxmlformats.org/drawingml/2006/main" xmlns:r="http://schemas.openxmlformats.org/officeDocument/2006/relationships" xmlns:mc="http://schemas.openxmlformats.org/markup-compatibility/2006" xmlns:mv="urn:schemas-microsoft-com:mac:vml" xmlns:p="http://schemas.openxmlformats.org/presentationml/2006/main" xmlns:c="http://schemas.openxmlformats.org/drawingml/2006/chart" xmlns:dgm="http://schemas.openxmlformats.org/drawingml/2006/diagram" xmlns:o="urn:schemas-microsoft-com:office:office" xmlns:v="urn:schemas-microsoft-com:vml" xmlns:pvml="urn:schemas-microsoft-com:office:powerpoint" xmlns:com="http://schemas.openxmlformats.org/drawingml/2006/compatibility" xmlns:p14="http://schemas.microsoft.com/office/powerpoint/2010/main" xmlns:p15="http://schemas.microsoft.com/office/powerpoint/2012/main" xmlns:ahyp="http://schemas.microsoft.com/office/drawing/2018/hyperlinkcolor" showMasterPhAnim="0" showMasterSp="0">
-  <p:cSld>
-    <p:spTree>
-      <p:nvGrpSpPr>
-        <p:cNvPr id="185" name="Shape 185"/>
-        <p:cNvGrpSpPr/>
-        <p:nvPr/>
-      </p:nvGrpSpPr>
-      <p:grpSpPr>
-        <a:xfrm>
-          <a:off x="0" y="0"/>
-          <a:ext cx="0" cy="0"/>
-          <a:chOff x="0" y="0"/>
-          <a:chExt cx="0" cy="0"/>
-        </a:xfrm>
-      </p:grpSpPr>
-      <p:sp>
-        <p:nvSpPr>
-          <p:cNvPr id="186" name="Google Shape;186;g316fb8574b2_2_0:notes"/>
+          <p:cNvPr id="214" name="Google Shape;214;g316fb8574b2_2_0:notes"/>
           <p:cNvSpPr/>
           <p:nvPr>
             <p:ph idx="2" type="sldImg"/>
@@ -1276,7 +1178,7 @@
       </p:sp>
       <p:sp>
         <p:nvSpPr>
-          <p:cNvPr id="187" name="Google Shape;187;g316fb8574b2_2_0:notes"/>
+          <p:cNvPr id="215" name="Google Shape;215;g316fb8574b2_2_0:notes"/>
           <p:cNvSpPr txBox="1"/>
           <p:nvPr>
             <p:ph idx="1" type="body"/>
@@ -1315,7 +1217,7 @@
       </p:sp>
       <p:sp>
         <p:nvSpPr>
-          <p:cNvPr id="188" name="Google Shape;188;g316fb8574b2_2_0:notes"/>
+          <p:cNvPr id="216" name="Google Shape;216;g316fb8574b2_2_0:notes"/>
           <p:cNvSpPr txBox="1"/>
           <p:nvPr>
             <p:ph idx="12" type="sldNum"/>
@@ -1365,12 +1267,12 @@
 </p:notes>
 </file>
 
-<file path=ppt/notesSlides/notesSlide15.xml><?xml version="1.0" encoding="utf-8"?>
+<file path=ppt/notesSlides/notesSlide14.xml><?xml version="1.0" encoding="utf-8"?>
 <p:notes xmlns:a="http://schemas.openxmlformats.org/drawingml/2006/main" xmlns:r="http://schemas.openxmlformats.org/officeDocument/2006/relationships" xmlns:mc="http://schemas.openxmlformats.org/markup-compatibility/2006" xmlns:mv="urn:schemas-microsoft-com:mac:vml" xmlns:p="http://schemas.openxmlformats.org/presentationml/2006/main" xmlns:c="http://schemas.openxmlformats.org/drawingml/2006/chart" xmlns:dgm="http://schemas.openxmlformats.org/drawingml/2006/diagram" xmlns:o="urn:schemas-microsoft-com:office:office" xmlns:v="urn:schemas-microsoft-com:vml" xmlns:pvml="urn:schemas-microsoft-com:office:powerpoint" xmlns:com="http://schemas.openxmlformats.org/drawingml/2006/compatibility" xmlns:p14="http://schemas.microsoft.com/office/powerpoint/2010/main" xmlns:p15="http://schemas.microsoft.com/office/powerpoint/2012/main" xmlns:ahyp="http://schemas.microsoft.com/office/drawing/2018/hyperlinkcolor" showMasterPhAnim="0" showMasterSp="0">
   <p:cSld>
     <p:spTree>
       <p:nvGrpSpPr>
-        <p:cNvPr id="195" name="Shape 195"/>
+        <p:cNvPr id="223" name="Shape 223"/>
         <p:cNvGrpSpPr/>
         <p:nvPr/>
       </p:nvGrpSpPr>
@@ -1384,106 +1286,7 @@
       </p:grpSpPr>
       <p:sp>
         <p:nvSpPr>
-          <p:cNvPr id="196" name="Google Shape;196;g316fb8574b2_0_20:notes"/>
-          <p:cNvSpPr/>
-          <p:nvPr>
-            <p:ph idx="2" type="sldImg"/>
-          </p:nvPr>
-        </p:nvSpPr>
-        <p:spPr>
-          <a:xfrm>
-            <a:off x="1143300" y="685800"/>
-            <a:ext cx="4572000" cy="3429000"/>
-          </a:xfrm>
-          <a:custGeom>
-            <a:rect b="b" l="l" r="r" t="t"/>
-            <a:pathLst>
-              <a:path extrusionOk="0" h="120000" w="120000">
-                <a:moveTo>
-                  <a:pt x="0" y="0"/>
-                </a:moveTo>
-                <a:lnTo>
-                  <a:pt x="120000" y="0"/>
-                </a:lnTo>
-                <a:lnTo>
-                  <a:pt x="120000" y="120000"/>
-                </a:lnTo>
-                <a:lnTo>
-                  <a:pt x="0" y="120000"/>
-                </a:lnTo>
-                <a:close/>
-              </a:path>
-            </a:pathLst>
-          </a:custGeom>
-        </p:spPr>
-      </p:sp>
-      <p:sp>
-        <p:nvSpPr>
-          <p:cNvPr id="197" name="Google Shape;197;g316fb8574b2_0_20:notes"/>
-          <p:cNvSpPr txBox="1"/>
-          <p:nvPr>
-            <p:ph idx="1" type="body"/>
-          </p:nvPr>
-        </p:nvSpPr>
-        <p:spPr>
-          <a:xfrm>
-            <a:off x="685800" y="4343400"/>
-            <a:ext cx="5486400" cy="4114800"/>
-          </a:xfrm>
-          <a:prstGeom prst="rect">
-            <a:avLst/>
-          </a:prstGeom>
-        </p:spPr>
-        <p:txBody>
-          <a:bodyPr anchorCtr="0" anchor="t" bIns="91425" lIns="91425" spcFirstLastPara="1" rIns="91425" wrap="square" tIns="91425">
-            <a:noAutofit/>
-          </a:bodyPr>
-          <a:lstStyle/>
-          <a:p>
-            <a:pPr indent="0" lvl="0" marL="0" rtl="0" algn="l">
-              <a:spcBef>
-                <a:spcPts val="0"/>
-              </a:spcBef>
-              <a:spcAft>
-                <a:spcPts val="0"/>
-              </a:spcAft>
-              <a:buNone/>
-            </a:pPr>
-            <a:r>
-              <a:t/>
-            </a:r>
-            <a:endParaRPr/>
-          </a:p>
-        </p:txBody>
-      </p:sp>
-    </p:spTree>
-  </p:cSld>
-  <p:clrMapOvr>
-    <a:masterClrMapping/>
-  </p:clrMapOvr>
-</p:notes>
-</file>
-
-<file path=ppt/notesSlides/notesSlide16.xml><?xml version="1.0" encoding="utf-8"?>
-<p:notes xmlns:a="http://schemas.openxmlformats.org/drawingml/2006/main" xmlns:r="http://schemas.openxmlformats.org/officeDocument/2006/relationships" xmlns:mc="http://schemas.openxmlformats.org/markup-compatibility/2006" xmlns:mv="urn:schemas-microsoft-com:mac:vml" xmlns:p="http://schemas.openxmlformats.org/presentationml/2006/main" xmlns:c="http://schemas.openxmlformats.org/drawingml/2006/chart" xmlns:dgm="http://schemas.openxmlformats.org/drawingml/2006/diagram" xmlns:o="urn:schemas-microsoft-com:office:office" xmlns:v="urn:schemas-microsoft-com:vml" xmlns:pvml="urn:schemas-microsoft-com:office:powerpoint" xmlns:com="http://schemas.openxmlformats.org/drawingml/2006/compatibility" xmlns:p14="http://schemas.microsoft.com/office/powerpoint/2010/main" xmlns:p15="http://schemas.microsoft.com/office/powerpoint/2012/main" xmlns:ahyp="http://schemas.microsoft.com/office/drawing/2018/hyperlinkcolor" showMasterPhAnim="0" showMasterSp="0">
-  <p:cSld>
-    <p:spTree>
-      <p:nvGrpSpPr>
-        <p:cNvPr id="202" name="Shape 202"/>
-        <p:cNvGrpSpPr/>
-        <p:nvPr/>
-      </p:nvGrpSpPr>
-      <p:grpSpPr>
-        <a:xfrm>
-          <a:off x="0" y="0"/>
-          <a:ext cx="0" cy="0"/>
-          <a:chOff x="0" y="0"/>
-          <a:chExt cx="0" cy="0"/>
-        </a:xfrm>
-      </p:grpSpPr>
-      <p:sp>
-        <p:nvSpPr>
-          <p:cNvPr id="203" name="Google Shape;203;g316fb8574b2_0_249:notes"/>
+          <p:cNvPr id="224" name="Google Shape;224;g31ab49de854_0_376:notes"/>
           <p:cNvSpPr/>
           <p:nvPr>
             <p:ph idx="2" type="sldImg"/>
@@ -1518,7 +1321,7 @@
       </p:sp>
       <p:sp>
         <p:nvSpPr>
-          <p:cNvPr id="204" name="Google Shape;204;g316fb8574b2_0_249:notes"/>
+          <p:cNvPr id="225" name="Google Shape;225;g31ab49de854_0_376:notes"/>
           <p:cNvSpPr txBox="1"/>
           <p:nvPr>
             <p:ph idx="1" type="body"/>
@@ -1563,12 +1366,12 @@
 </p:notes>
 </file>
 
-<file path=ppt/notesSlides/notesSlide17.xml><?xml version="1.0" encoding="utf-8"?>
+<file path=ppt/notesSlides/notesSlide15.xml><?xml version="1.0" encoding="utf-8"?>
 <p:notes xmlns:a="http://schemas.openxmlformats.org/drawingml/2006/main" xmlns:r="http://schemas.openxmlformats.org/officeDocument/2006/relationships" xmlns:mc="http://schemas.openxmlformats.org/markup-compatibility/2006" xmlns:mv="urn:schemas-microsoft-com:mac:vml" xmlns:p="http://schemas.openxmlformats.org/presentationml/2006/main" xmlns:c="http://schemas.openxmlformats.org/drawingml/2006/chart" xmlns:dgm="http://schemas.openxmlformats.org/drawingml/2006/diagram" xmlns:o="urn:schemas-microsoft-com:office:office" xmlns:v="urn:schemas-microsoft-com:vml" xmlns:pvml="urn:schemas-microsoft-com:office:powerpoint" xmlns:com="http://schemas.openxmlformats.org/drawingml/2006/compatibility" xmlns:p14="http://schemas.microsoft.com/office/powerpoint/2010/main" xmlns:p15="http://schemas.microsoft.com/office/powerpoint/2012/main" xmlns:ahyp="http://schemas.microsoft.com/office/drawing/2018/hyperlinkcolor" showMasterPhAnim="0" showMasterSp="0">
   <p:cSld>
     <p:spTree>
       <p:nvGrpSpPr>
-        <p:cNvPr id="209" name="Shape 209"/>
+        <p:cNvPr id="231" name="Shape 231"/>
         <p:cNvGrpSpPr/>
         <p:nvPr/>
       </p:nvGrpSpPr>
@@ -1582,7 +1385,7 @@
       </p:grpSpPr>
       <p:sp>
         <p:nvSpPr>
-          <p:cNvPr id="210" name="Google Shape;210;g316fb8574b2_0_257:notes"/>
+          <p:cNvPr id="232" name="Google Shape;232;g31ab49de854_0_383:notes"/>
           <p:cNvSpPr/>
           <p:nvPr>
             <p:ph idx="2" type="sldImg"/>
@@ -1617,7 +1420,7 @@
       </p:sp>
       <p:sp>
         <p:nvSpPr>
-          <p:cNvPr id="211" name="Google Shape;211;g316fb8574b2_0_257:notes"/>
+          <p:cNvPr id="233" name="Google Shape;233;g31ab49de854_0_383:notes"/>
           <p:cNvSpPr txBox="1"/>
           <p:nvPr>
             <p:ph idx="1" type="body"/>
@@ -1662,12 +1465,12 @@
 </p:notes>
 </file>
 
-<file path=ppt/notesSlides/notesSlide18.xml><?xml version="1.0" encoding="utf-8"?>
+<file path=ppt/notesSlides/notesSlide16.xml><?xml version="1.0" encoding="utf-8"?>
 <p:notes xmlns:a="http://schemas.openxmlformats.org/drawingml/2006/main" xmlns:r="http://schemas.openxmlformats.org/officeDocument/2006/relationships" xmlns:mc="http://schemas.openxmlformats.org/markup-compatibility/2006" xmlns:mv="urn:schemas-microsoft-com:mac:vml" xmlns:p="http://schemas.openxmlformats.org/presentationml/2006/main" xmlns:c="http://schemas.openxmlformats.org/drawingml/2006/chart" xmlns:dgm="http://schemas.openxmlformats.org/drawingml/2006/diagram" xmlns:o="urn:schemas-microsoft-com:office:office" xmlns:v="urn:schemas-microsoft-com:vml" xmlns:pvml="urn:schemas-microsoft-com:office:powerpoint" xmlns:com="http://schemas.openxmlformats.org/drawingml/2006/compatibility" xmlns:p14="http://schemas.microsoft.com/office/powerpoint/2010/main" xmlns:p15="http://schemas.microsoft.com/office/powerpoint/2012/main" xmlns:ahyp="http://schemas.microsoft.com/office/drawing/2018/hyperlinkcolor" showMasterPhAnim="0" showMasterSp="0">
   <p:cSld>
     <p:spTree>
       <p:nvGrpSpPr>
-        <p:cNvPr id="216" name="Shape 216"/>
+        <p:cNvPr id="239" name="Shape 239"/>
         <p:cNvGrpSpPr/>
         <p:nvPr/>
       </p:nvGrpSpPr>
@@ -1681,7 +1484,7 @@
       </p:grpSpPr>
       <p:sp>
         <p:nvSpPr>
-          <p:cNvPr id="217" name="Google Shape;217;g316fb8574b2_0_25:notes"/>
+          <p:cNvPr id="240" name="Google Shape;240;g31ab49de854_0_390:notes"/>
           <p:cNvSpPr/>
           <p:nvPr>
             <p:ph idx="2" type="sldImg"/>
@@ -1689,7 +1492,7 @@
         </p:nvSpPr>
         <p:spPr>
           <a:xfrm>
-            <a:off x="1143300" y="685800"/>
+            <a:off x="1143309" y="685800"/>
             <a:ext cx="4572000" cy="3429000"/>
           </a:xfrm>
           <a:custGeom>
@@ -1716,7 +1519,7 @@
       </p:sp>
       <p:sp>
         <p:nvSpPr>
-          <p:cNvPr id="218" name="Google Shape;218;g316fb8574b2_0_25:notes"/>
+          <p:cNvPr id="241" name="Google Shape;241;g31ab49de854_0_390:notes"/>
           <p:cNvSpPr txBox="1"/>
           <p:nvPr>
             <p:ph idx="1" type="body"/>
@@ -1744,6 +1547,325 @@
               <a:spcAft>
                 <a:spcPts val="0"/>
               </a:spcAft>
+              <a:buNone/>
+            </a:pPr>
+            <a:r>
+              <a:t/>
+            </a:r>
+            <a:endParaRPr/>
+          </a:p>
+        </p:txBody>
+      </p:sp>
+    </p:spTree>
+  </p:cSld>
+  <p:clrMapOvr>
+    <a:masterClrMapping/>
+  </p:clrMapOvr>
+</p:notes>
+</file>
+
+<file path=ppt/notesSlides/notesSlide17.xml><?xml version="1.0" encoding="utf-8"?>
+<p:notes xmlns:a="http://schemas.openxmlformats.org/drawingml/2006/main" xmlns:r="http://schemas.openxmlformats.org/officeDocument/2006/relationships" xmlns:mc="http://schemas.openxmlformats.org/markup-compatibility/2006" xmlns:mv="urn:schemas-microsoft-com:mac:vml" xmlns:p="http://schemas.openxmlformats.org/presentationml/2006/main" xmlns:c="http://schemas.openxmlformats.org/drawingml/2006/chart" xmlns:dgm="http://schemas.openxmlformats.org/drawingml/2006/diagram" xmlns:o="urn:schemas-microsoft-com:office:office" xmlns:v="urn:schemas-microsoft-com:vml" xmlns:pvml="urn:schemas-microsoft-com:office:powerpoint" xmlns:com="http://schemas.openxmlformats.org/drawingml/2006/compatibility" xmlns:p14="http://schemas.microsoft.com/office/powerpoint/2010/main" xmlns:p15="http://schemas.microsoft.com/office/powerpoint/2012/main" xmlns:ahyp="http://schemas.microsoft.com/office/drawing/2018/hyperlinkcolor" showMasterPhAnim="0" showMasterSp="0">
+  <p:cSld>
+    <p:spTree>
+      <p:nvGrpSpPr>
+        <p:cNvPr id="246" name="Shape 246"/>
+        <p:cNvGrpSpPr/>
+        <p:nvPr/>
+      </p:nvGrpSpPr>
+      <p:grpSpPr>
+        <a:xfrm>
+          <a:off x="0" y="0"/>
+          <a:ext cx="0" cy="0"/>
+          <a:chOff x="0" y="0"/>
+          <a:chExt cx="0" cy="0"/>
+        </a:xfrm>
+      </p:grpSpPr>
+      <p:sp>
+        <p:nvSpPr>
+          <p:cNvPr id="247" name="Google Shape;247;g31ab49de854_0_397:notes"/>
+          <p:cNvSpPr/>
+          <p:nvPr>
+            <p:ph idx="2" type="sldImg"/>
+          </p:nvPr>
+        </p:nvSpPr>
+        <p:spPr>
+          <a:xfrm>
+            <a:off x="1143309" y="685800"/>
+            <a:ext cx="4572000" cy="3429000"/>
+          </a:xfrm>
+          <a:custGeom>
+            <a:rect b="b" l="l" r="r" t="t"/>
+            <a:pathLst>
+              <a:path extrusionOk="0" h="120000" w="120000">
+                <a:moveTo>
+                  <a:pt x="0" y="0"/>
+                </a:moveTo>
+                <a:lnTo>
+                  <a:pt x="120000" y="0"/>
+                </a:lnTo>
+                <a:lnTo>
+                  <a:pt x="120000" y="120000"/>
+                </a:lnTo>
+                <a:lnTo>
+                  <a:pt x="0" y="120000"/>
+                </a:lnTo>
+                <a:close/>
+              </a:path>
+            </a:pathLst>
+          </a:custGeom>
+        </p:spPr>
+      </p:sp>
+      <p:sp>
+        <p:nvSpPr>
+          <p:cNvPr id="248" name="Google Shape;248;g31ab49de854_0_397:notes"/>
+          <p:cNvSpPr txBox="1"/>
+          <p:nvPr>
+            <p:ph idx="1" type="body"/>
+          </p:nvPr>
+        </p:nvSpPr>
+        <p:spPr>
+          <a:xfrm>
+            <a:off x="685800" y="4343400"/>
+            <a:ext cx="5486400" cy="4114800"/>
+          </a:xfrm>
+          <a:prstGeom prst="rect">
+            <a:avLst/>
+          </a:prstGeom>
+        </p:spPr>
+        <p:txBody>
+          <a:bodyPr anchorCtr="0" anchor="t" bIns="91425" lIns="91425" spcFirstLastPara="1" rIns="91425" wrap="square" tIns="91425">
+            <a:noAutofit/>
+          </a:bodyPr>
+          <a:lstStyle/>
+          <a:p>
+            <a:pPr indent="0" lvl="0" marL="0" rtl="0" algn="l">
+              <a:spcBef>
+                <a:spcPts val="0"/>
+              </a:spcBef>
+              <a:spcAft>
+                <a:spcPts val="0"/>
+              </a:spcAft>
+              <a:buNone/>
+            </a:pPr>
+            <a:r>
+              <a:t/>
+            </a:r>
+            <a:endParaRPr/>
+          </a:p>
+        </p:txBody>
+      </p:sp>
+    </p:spTree>
+  </p:cSld>
+  <p:clrMapOvr>
+    <a:masterClrMapping/>
+  </p:clrMapOvr>
+</p:notes>
+</file>
+
+<file path=ppt/notesSlides/notesSlide18.xml><?xml version="1.0" encoding="utf-8"?>
+<p:notes xmlns:a="http://schemas.openxmlformats.org/drawingml/2006/main" xmlns:r="http://schemas.openxmlformats.org/officeDocument/2006/relationships" xmlns:mc="http://schemas.openxmlformats.org/markup-compatibility/2006" xmlns:mv="urn:schemas-microsoft-com:mac:vml" xmlns:p="http://schemas.openxmlformats.org/presentationml/2006/main" xmlns:c="http://schemas.openxmlformats.org/drawingml/2006/chart" xmlns:dgm="http://schemas.openxmlformats.org/drawingml/2006/diagram" xmlns:o="urn:schemas-microsoft-com:office:office" xmlns:v="urn:schemas-microsoft-com:vml" xmlns:pvml="urn:schemas-microsoft-com:office:powerpoint" xmlns:com="http://schemas.openxmlformats.org/drawingml/2006/compatibility" xmlns:p14="http://schemas.microsoft.com/office/powerpoint/2010/main" xmlns:p15="http://schemas.microsoft.com/office/powerpoint/2012/main" xmlns:ahyp="http://schemas.microsoft.com/office/drawing/2018/hyperlinkcolor" showMasterPhAnim="0" showMasterSp="0">
+  <p:cSld>
+    <p:spTree>
+      <p:nvGrpSpPr>
+        <p:cNvPr id="255" name="Shape 255"/>
+        <p:cNvGrpSpPr/>
+        <p:nvPr/>
+      </p:nvGrpSpPr>
+      <p:grpSpPr>
+        <a:xfrm>
+          <a:off x="0" y="0"/>
+          <a:ext cx="0" cy="0"/>
+          <a:chOff x="0" y="0"/>
+          <a:chExt cx="0" cy="0"/>
+        </a:xfrm>
+      </p:grpSpPr>
+      <p:sp>
+        <p:nvSpPr>
+          <p:cNvPr id="256" name="Google Shape;256;g31ab49de854_0_410:notes"/>
+          <p:cNvSpPr/>
+          <p:nvPr>
+            <p:ph idx="2" type="sldImg"/>
+          </p:nvPr>
+        </p:nvSpPr>
+        <p:spPr>
+          <a:xfrm>
+            <a:off x="1143309" y="685800"/>
+            <a:ext cx="4572000" cy="3429000"/>
+          </a:xfrm>
+          <a:custGeom>
+            <a:rect b="b" l="l" r="r" t="t"/>
+            <a:pathLst>
+              <a:path extrusionOk="0" h="120000" w="120000">
+                <a:moveTo>
+                  <a:pt x="0" y="0"/>
+                </a:moveTo>
+                <a:lnTo>
+                  <a:pt x="120000" y="0"/>
+                </a:lnTo>
+                <a:lnTo>
+                  <a:pt x="120000" y="120000"/>
+                </a:lnTo>
+                <a:lnTo>
+                  <a:pt x="0" y="120000"/>
+                </a:lnTo>
+                <a:close/>
+              </a:path>
+            </a:pathLst>
+          </a:custGeom>
+        </p:spPr>
+      </p:sp>
+      <p:sp>
+        <p:nvSpPr>
+          <p:cNvPr id="257" name="Google Shape;257;g31ab49de854_0_410:notes"/>
+          <p:cNvSpPr txBox="1"/>
+          <p:nvPr>
+            <p:ph idx="1" type="body"/>
+          </p:nvPr>
+        </p:nvSpPr>
+        <p:spPr>
+          <a:xfrm>
+            <a:off x="685800" y="4343400"/>
+            <a:ext cx="5486400" cy="4114800"/>
+          </a:xfrm>
+          <a:prstGeom prst="rect">
+            <a:avLst/>
+          </a:prstGeom>
+        </p:spPr>
+        <p:txBody>
+          <a:bodyPr anchorCtr="0" anchor="t" bIns="91425" lIns="91425" spcFirstLastPara="1" rIns="91425" wrap="square" tIns="91425">
+            <a:noAutofit/>
+          </a:bodyPr>
+          <a:lstStyle/>
+          <a:p>
+            <a:pPr indent="0" lvl="0" marL="0" rtl="0" algn="l">
+              <a:spcBef>
+                <a:spcPts val="0"/>
+              </a:spcBef>
+              <a:spcAft>
+                <a:spcPts val="0"/>
+              </a:spcAft>
+              <a:buNone/>
+            </a:pPr>
+            <a:r>
+              <a:t/>
+            </a:r>
+            <a:endParaRPr/>
+          </a:p>
+        </p:txBody>
+      </p:sp>
+    </p:spTree>
+  </p:cSld>
+  <p:clrMapOvr>
+    <a:masterClrMapping/>
+  </p:clrMapOvr>
+</p:notes>
+</file>
+
+<file path=ppt/notesSlides/notesSlide19.xml><?xml version="1.0" encoding="utf-8"?>
+<p:notes xmlns:a="http://schemas.openxmlformats.org/drawingml/2006/main" xmlns:r="http://schemas.openxmlformats.org/officeDocument/2006/relationships" xmlns:mc="http://schemas.openxmlformats.org/markup-compatibility/2006" xmlns:mv="urn:schemas-microsoft-com:mac:vml" xmlns:p="http://schemas.openxmlformats.org/presentationml/2006/main" xmlns:c="http://schemas.openxmlformats.org/drawingml/2006/chart" xmlns:dgm="http://schemas.openxmlformats.org/drawingml/2006/diagram" xmlns:o="urn:schemas-microsoft-com:office:office" xmlns:v="urn:schemas-microsoft-com:vml" xmlns:pvml="urn:schemas-microsoft-com:office:powerpoint" xmlns:com="http://schemas.openxmlformats.org/drawingml/2006/compatibility" xmlns:p14="http://schemas.microsoft.com/office/powerpoint/2010/main" xmlns:p15="http://schemas.microsoft.com/office/powerpoint/2012/main" xmlns:ahyp="http://schemas.microsoft.com/office/drawing/2018/hyperlinkcolor" showMasterPhAnim="0" showMasterSp="0">
+  <p:cSld>
+    <p:spTree>
+      <p:nvGrpSpPr>
+        <p:cNvPr id="262" name="Shape 262"/>
+        <p:cNvGrpSpPr/>
+        <p:nvPr/>
+      </p:nvGrpSpPr>
+      <p:grpSpPr>
+        <a:xfrm>
+          <a:off x="0" y="0"/>
+          <a:ext cx="0" cy="0"/>
+          <a:chOff x="0" y="0"/>
+          <a:chExt cx="0" cy="0"/>
+        </a:xfrm>
+      </p:grpSpPr>
+      <p:sp>
+        <p:nvSpPr>
+          <p:cNvPr id="263" name="Google Shape;263;g31ab49de854_0_327:notes"/>
+          <p:cNvSpPr/>
+          <p:nvPr>
+            <p:ph idx="2" type="sldImg"/>
+          </p:nvPr>
+        </p:nvSpPr>
+        <p:spPr>
+          <a:xfrm>
+            <a:off x="1143000" y="685800"/>
+            <a:ext cx="4572000" cy="3429000"/>
+          </a:xfrm>
+          <a:custGeom>
+            <a:rect b="b" l="l" r="r" t="t"/>
+            <a:pathLst>
+              <a:path extrusionOk="0" h="120000" w="120000">
+                <a:moveTo>
+                  <a:pt x="0" y="0"/>
+                </a:moveTo>
+                <a:lnTo>
+                  <a:pt x="120000" y="0"/>
+                </a:lnTo>
+                <a:lnTo>
+                  <a:pt x="120000" y="120000"/>
+                </a:lnTo>
+                <a:lnTo>
+                  <a:pt x="0" y="120000"/>
+                </a:lnTo>
+                <a:close/>
+              </a:path>
+            </a:pathLst>
+          </a:custGeom>
+          <a:noFill/>
+          <a:ln cap="flat" cmpd="sng" w="12700">
+            <a:solidFill>
+              <a:srgbClr val="000000"/>
+            </a:solidFill>
+            <a:prstDash val="solid"/>
+            <a:round/>
+            <a:headEnd len="sm" w="sm" type="none"/>
+            <a:tailEnd len="sm" w="sm" type="none"/>
+          </a:ln>
+        </p:spPr>
+      </p:sp>
+      <p:sp>
+        <p:nvSpPr>
+          <p:cNvPr id="264" name="Google Shape;264;g31ab49de854_0_327:notes"/>
+          <p:cNvSpPr txBox="1"/>
+          <p:nvPr>
+            <p:ph idx="1" type="body"/>
+          </p:nvPr>
+        </p:nvSpPr>
+        <p:spPr>
+          <a:xfrm>
+            <a:off x="685800" y="4343400"/>
+            <a:ext cx="5486400" cy="4114800"/>
+          </a:xfrm>
+          <a:prstGeom prst="rect">
+            <a:avLst/>
+          </a:prstGeom>
+          <a:noFill/>
+          <a:ln>
+            <a:noFill/>
+          </a:ln>
+        </p:spPr>
+        <p:txBody>
+          <a:bodyPr anchorCtr="0" anchor="t" bIns="91425" lIns="91425" spcFirstLastPara="1" rIns="91425" wrap="square" tIns="91425">
+            <a:noAutofit/>
+          </a:bodyPr>
+          <a:lstStyle/>
+          <a:p>
+            <a:pPr indent="0" lvl="0" marL="0" rtl="0" algn="l">
+              <a:lnSpc>
+                <a:spcPct val="100000"/>
+              </a:lnSpc>
+              <a:spcBef>
+                <a:spcPts val="0"/>
+              </a:spcBef>
+              <a:spcAft>
+                <a:spcPts val="0"/>
+              </a:spcAft>
+              <a:buClr>
+                <a:schemeClr val="dk1"/>
+              </a:buClr>
+              <a:buSzPts val="1200"/>
+              <a:buFont typeface="Calibri"/>
               <a:buNone/>
             </a:pPr>
             <a:r>
@@ -1897,52 +2019,7 @@
       </p:grpSpPr>
       <p:sp>
         <p:nvSpPr>
-          <p:cNvPr id="110" name="Google Shape;110;g316fb8574b2_0_137:notes"/>
-          <p:cNvSpPr/>
-          <p:nvPr>
-            <p:ph idx="2" type="sldImg"/>
-          </p:nvPr>
-        </p:nvSpPr>
-        <p:spPr>
-          <a:xfrm>
-            <a:off x="1143213" y="685800"/>
-            <a:ext cx="4572300" cy="3429000"/>
-          </a:xfrm>
-          <a:custGeom>
-            <a:rect b="b" l="l" r="r" t="t"/>
-            <a:pathLst>
-              <a:path extrusionOk="0" h="120000" w="120000">
-                <a:moveTo>
-                  <a:pt x="0" y="0"/>
-                </a:moveTo>
-                <a:lnTo>
-                  <a:pt x="120000" y="0"/>
-                </a:lnTo>
-                <a:lnTo>
-                  <a:pt x="120000" y="120000"/>
-                </a:lnTo>
-                <a:lnTo>
-                  <a:pt x="0" y="120000"/>
-                </a:lnTo>
-                <a:close/>
-              </a:path>
-            </a:pathLst>
-          </a:custGeom>
-          <a:noFill/>
-          <a:ln cap="flat" cmpd="sng" w="12700">
-            <a:solidFill>
-              <a:srgbClr val="000000"/>
-            </a:solidFill>
-            <a:prstDash val="solid"/>
-            <a:round/>
-            <a:headEnd len="sm" w="sm" type="none"/>
-            <a:tailEnd len="sm" w="sm" type="none"/>
-          </a:ln>
-        </p:spPr>
-      </p:sp>
-      <p:sp>
-        <p:nvSpPr>
-          <p:cNvPr id="111" name="Google Shape;111;g316fb8574b2_0_137:notes"/>
+          <p:cNvPr id="110" name="Google Shape;110;g31ab49de854_0_0:notes"/>
           <p:cNvSpPr txBox="1"/>
           <p:nvPr>
             <p:ph idx="1" type="body"/>
@@ -1987,228 +2064,9 @@
           </a:p>
         </p:txBody>
       </p:sp>
-    </p:spTree>
-  </p:cSld>
-  <p:clrMapOvr>
-    <a:masterClrMapping/>
-  </p:clrMapOvr>
-</p:notes>
-</file>
-
-<file path=ppt/notesSlides/notesSlide4.xml><?xml version="1.0" encoding="utf-8"?>
-<p:notes xmlns:a="http://schemas.openxmlformats.org/drawingml/2006/main" xmlns:r="http://schemas.openxmlformats.org/officeDocument/2006/relationships" xmlns:mc="http://schemas.openxmlformats.org/markup-compatibility/2006" xmlns:mv="urn:schemas-microsoft-com:mac:vml" xmlns:p="http://schemas.openxmlformats.org/presentationml/2006/main" xmlns:c="http://schemas.openxmlformats.org/drawingml/2006/chart" xmlns:dgm="http://schemas.openxmlformats.org/drawingml/2006/diagram" xmlns:o="urn:schemas-microsoft-com:office:office" xmlns:v="urn:schemas-microsoft-com:vml" xmlns:pvml="urn:schemas-microsoft-com:office:powerpoint" xmlns:com="http://schemas.openxmlformats.org/drawingml/2006/compatibility" xmlns:p14="http://schemas.microsoft.com/office/powerpoint/2010/main" xmlns:p15="http://schemas.microsoft.com/office/powerpoint/2012/main" xmlns:ahyp="http://schemas.microsoft.com/office/drawing/2018/hyperlinkcolor" showMasterPhAnim="0" showMasterSp="0">
-  <p:cSld>
-    <p:spTree>
-      <p:nvGrpSpPr>
-        <p:cNvPr id="116" name="Shape 116"/>
-        <p:cNvGrpSpPr/>
-        <p:nvPr/>
-      </p:nvGrpSpPr>
-      <p:grpSpPr>
-        <a:xfrm>
-          <a:off x="0" y="0"/>
-          <a:ext cx="0" cy="0"/>
-          <a:chOff x="0" y="0"/>
-          <a:chExt cx="0" cy="0"/>
-        </a:xfrm>
-      </p:grpSpPr>
       <p:sp>
         <p:nvSpPr>
-          <p:cNvPr id="117" name="Google Shape;117;g316fb8574b2_0_188:notes"/>
-          <p:cNvSpPr/>
-          <p:nvPr>
-            <p:ph idx="2" type="sldImg"/>
-          </p:nvPr>
-        </p:nvSpPr>
-        <p:spPr>
-          <a:xfrm>
-            <a:off x="1371600" y="1143000"/>
-            <a:ext cx="4114800" cy="3086100"/>
-          </a:xfrm>
-          <a:custGeom>
-            <a:rect b="b" l="l" r="r" t="t"/>
-            <a:pathLst>
-              <a:path extrusionOk="0" h="120000" w="120000">
-                <a:moveTo>
-                  <a:pt x="0" y="0"/>
-                </a:moveTo>
-                <a:lnTo>
-                  <a:pt x="120000" y="0"/>
-                </a:lnTo>
-                <a:lnTo>
-                  <a:pt x="120000" y="120000"/>
-                </a:lnTo>
-                <a:lnTo>
-                  <a:pt x="0" y="120000"/>
-                </a:lnTo>
-                <a:close/>
-              </a:path>
-            </a:pathLst>
-          </a:custGeom>
-        </p:spPr>
-      </p:sp>
-      <p:sp>
-        <p:nvSpPr>
-          <p:cNvPr id="118" name="Google Shape;118;g316fb8574b2_0_188:notes"/>
-          <p:cNvSpPr txBox="1"/>
-          <p:nvPr>
-            <p:ph idx="1" type="body"/>
-          </p:nvPr>
-        </p:nvSpPr>
-        <p:spPr>
-          <a:xfrm>
-            <a:off x="685800" y="4400550"/>
-            <a:ext cx="5486400" cy="3600600"/>
-          </a:xfrm>
-          <a:prstGeom prst="rect">
-            <a:avLst/>
-          </a:prstGeom>
-        </p:spPr>
-        <p:txBody>
-          <a:bodyPr anchorCtr="0" anchor="t" bIns="91425" lIns="91425" spcFirstLastPara="1" rIns="91425" wrap="square" tIns="91425">
-            <a:noAutofit/>
-          </a:bodyPr>
-          <a:lstStyle/>
-          <a:p>
-            <a:pPr indent="0" lvl="0" marL="0" rtl="0" algn="l">
-              <a:spcBef>
-                <a:spcPts val="0"/>
-              </a:spcBef>
-              <a:spcAft>
-                <a:spcPts val="0"/>
-              </a:spcAft>
-              <a:buNone/>
-            </a:pPr>
-            <a:r>
-              <a:t/>
-            </a:r>
-            <a:endParaRPr/>
-          </a:p>
-        </p:txBody>
-      </p:sp>
-      <p:sp>
-        <p:nvSpPr>
-          <p:cNvPr id="119" name="Google Shape;119;g316fb8574b2_0_188:notes"/>
-          <p:cNvSpPr txBox="1"/>
-          <p:nvPr>
-            <p:ph idx="12" type="sldNum"/>
-          </p:nvPr>
-        </p:nvSpPr>
-        <p:spPr>
-          <a:xfrm>
-            <a:off x="3884613" y="8685213"/>
-            <a:ext cx="2971800" cy="458700"/>
-          </a:xfrm>
-          <a:prstGeom prst="rect">
-            <a:avLst/>
-          </a:prstGeom>
-          <a:noFill/>
-          <a:ln>
-            <a:noFill/>
-          </a:ln>
-        </p:spPr>
-        <p:txBody>
-          <a:bodyPr anchorCtr="0" anchor="ctr" bIns="91425" lIns="91425" spcFirstLastPara="1" rIns="91425" wrap="square" tIns="91425">
-            <a:noAutofit/>
-          </a:bodyPr>
-          <a:lstStyle/>
-          <a:p>
-            <a:pPr indent="0" lvl="0" marL="0" rtl="0" algn="l">
-              <a:spcBef>
-                <a:spcPts val="0"/>
-              </a:spcBef>
-              <a:spcAft>
-                <a:spcPts val="0"/>
-              </a:spcAft>
-              <a:buClr>
-                <a:srgbClr val="000000"/>
-              </a:buClr>
-              <a:buFont typeface="Arial"/>
-              <a:buNone/>
-            </a:pPr>
-            <a:fld id="{00000000-1234-1234-1234-123412341234}" type="slidenum">
-              <a:rPr lang="en"/>
-              <a:t>‹#›</a:t>
-            </a:fld>
-            <a:endParaRPr/>
-          </a:p>
-        </p:txBody>
-      </p:sp>
-    </p:spTree>
-  </p:cSld>
-  <p:clrMapOvr>
-    <a:masterClrMapping/>
-  </p:clrMapOvr>
-</p:notes>
-</file>
-
-<file path=ppt/notesSlides/notesSlide5.xml><?xml version="1.0" encoding="utf-8"?>
-<p:notes xmlns:a="http://schemas.openxmlformats.org/drawingml/2006/main" xmlns:r="http://schemas.openxmlformats.org/officeDocument/2006/relationships" xmlns:mc="http://schemas.openxmlformats.org/markup-compatibility/2006" xmlns:mv="urn:schemas-microsoft-com:mac:vml" xmlns:p="http://schemas.openxmlformats.org/presentationml/2006/main" xmlns:c="http://schemas.openxmlformats.org/drawingml/2006/chart" xmlns:dgm="http://schemas.openxmlformats.org/drawingml/2006/diagram" xmlns:o="urn:schemas-microsoft-com:office:office" xmlns:v="urn:schemas-microsoft-com:vml" xmlns:pvml="urn:schemas-microsoft-com:office:powerpoint" xmlns:com="http://schemas.openxmlformats.org/drawingml/2006/compatibility" xmlns:p14="http://schemas.microsoft.com/office/powerpoint/2010/main" xmlns:p15="http://schemas.microsoft.com/office/powerpoint/2012/main" xmlns:ahyp="http://schemas.microsoft.com/office/drawing/2018/hyperlinkcolor" showMasterPhAnim="0" showMasterSp="0">
-  <p:cSld>
-    <p:spTree>
-      <p:nvGrpSpPr>
-        <p:cNvPr id="125" name="Shape 125"/>
-        <p:cNvGrpSpPr/>
-        <p:nvPr/>
-      </p:nvGrpSpPr>
-      <p:grpSpPr>
-        <a:xfrm>
-          <a:off x="0" y="0"/>
-          <a:ext cx="0" cy="0"/>
-          <a:chOff x="0" y="0"/>
-          <a:chExt cx="0" cy="0"/>
-        </a:xfrm>
-      </p:grpSpPr>
-      <p:sp>
-        <p:nvSpPr>
-          <p:cNvPr id="126" name="Google Shape;126;g314b77f9d96_0_134:notes"/>
-          <p:cNvSpPr txBox="1"/>
-          <p:nvPr>
-            <p:ph idx="1" type="body"/>
-          </p:nvPr>
-        </p:nvSpPr>
-        <p:spPr>
-          <a:xfrm>
-            <a:off x="685800" y="4343400"/>
-            <a:ext cx="5486400" cy="4114800"/>
-          </a:xfrm>
-          <a:prstGeom prst="rect">
-            <a:avLst/>
-          </a:prstGeom>
-          <a:noFill/>
-          <a:ln>
-            <a:noFill/>
-          </a:ln>
-        </p:spPr>
-        <p:txBody>
-          <a:bodyPr anchorCtr="0" anchor="t" bIns="45700" lIns="91425" spcFirstLastPara="1" rIns="91425" wrap="square" tIns="45700">
-            <a:noAutofit/>
-          </a:bodyPr>
-          <a:lstStyle/>
-          <a:p>
-            <a:pPr indent="0" lvl="0" marL="0" rtl="0" algn="l">
-              <a:lnSpc>
-                <a:spcPct val="100000"/>
-              </a:lnSpc>
-              <a:spcBef>
-                <a:spcPts val="0"/>
-              </a:spcBef>
-              <a:spcAft>
-                <a:spcPts val="0"/>
-              </a:spcAft>
-              <a:buSzPts val="1400"/>
-              <a:buNone/>
-            </a:pPr>
-            <a:r>
-              <a:t/>
-            </a:r>
-            <a:endParaRPr/>
-          </a:p>
-        </p:txBody>
-      </p:sp>
-      <p:sp>
-        <p:nvSpPr>
-          <p:cNvPr id="127" name="Google Shape;127;g314b77f9d96_0_134:notes"/>
+          <p:cNvPr id="111" name="Google Shape;111;g31ab49de854_0_0:notes"/>
           <p:cNvSpPr/>
           <p:nvPr>
             <p:ph idx="2" type="sldImg"/>
@@ -2259,12 +2117,12 @@
 </p:notes>
 </file>
 
-<file path=ppt/notesSlides/notesSlide6.xml><?xml version="1.0" encoding="utf-8"?>
+<file path=ppt/notesSlides/notesSlide4.xml><?xml version="1.0" encoding="utf-8"?>
 <p:notes xmlns:a="http://schemas.openxmlformats.org/drawingml/2006/main" xmlns:r="http://schemas.openxmlformats.org/officeDocument/2006/relationships" xmlns:mc="http://schemas.openxmlformats.org/markup-compatibility/2006" xmlns:mv="urn:schemas-microsoft-com:mac:vml" xmlns:p="http://schemas.openxmlformats.org/presentationml/2006/main" xmlns:c="http://schemas.openxmlformats.org/drawingml/2006/chart" xmlns:dgm="http://schemas.openxmlformats.org/drawingml/2006/diagram" xmlns:o="urn:schemas-microsoft-com:office:office" xmlns:v="urn:schemas-microsoft-com:vml" xmlns:pvml="urn:schemas-microsoft-com:office:powerpoint" xmlns:com="http://schemas.openxmlformats.org/drawingml/2006/compatibility" xmlns:p14="http://schemas.microsoft.com/office/powerpoint/2010/main" xmlns:p15="http://schemas.microsoft.com/office/powerpoint/2012/main" xmlns:ahyp="http://schemas.microsoft.com/office/drawing/2018/hyperlinkcolor" showMasterPhAnim="0" showMasterSp="0">
   <p:cSld>
     <p:spTree>
       <p:nvGrpSpPr>
-        <p:cNvPr id="131" name="Shape 131"/>
+        <p:cNvPr id="119" name="Shape 119"/>
         <p:cNvGrpSpPr/>
         <p:nvPr/>
       </p:nvGrpSpPr>
@@ -2278,7 +2136,7 @@
       </p:grpSpPr>
       <p:sp>
         <p:nvSpPr>
-          <p:cNvPr id="132" name="Google Shape;132;g314b77f9d96_0_74:notes"/>
+          <p:cNvPr id="120" name="Google Shape;120;g31ab49de854_0_78:notes"/>
           <p:cNvSpPr txBox="1"/>
           <p:nvPr>
             <p:ph idx="1" type="body"/>
@@ -2325,7 +2183,7 @@
       </p:sp>
       <p:sp>
         <p:nvSpPr>
-          <p:cNvPr id="133" name="Google Shape;133;g314b77f9d96_0_74:notes"/>
+          <p:cNvPr id="121" name="Google Shape;121;g31ab49de854_0_78:notes"/>
           <p:cNvSpPr/>
           <p:nvPr>
             <p:ph idx="2" type="sldImg"/>
@@ -2376,12 +2234,12 @@
 </p:notes>
 </file>
 
-<file path=ppt/notesSlides/notesSlide7.xml><?xml version="1.0" encoding="utf-8"?>
+<file path=ppt/notesSlides/notesSlide5.xml><?xml version="1.0" encoding="utf-8"?>
 <p:notes xmlns:a="http://schemas.openxmlformats.org/drawingml/2006/main" xmlns:r="http://schemas.openxmlformats.org/officeDocument/2006/relationships" xmlns:mc="http://schemas.openxmlformats.org/markup-compatibility/2006" xmlns:mv="urn:schemas-microsoft-com:mac:vml" xmlns:p="http://schemas.openxmlformats.org/presentationml/2006/main" xmlns:c="http://schemas.openxmlformats.org/drawingml/2006/chart" xmlns:dgm="http://schemas.openxmlformats.org/drawingml/2006/diagram" xmlns:o="urn:schemas-microsoft-com:office:office" xmlns:v="urn:schemas-microsoft-com:vml" xmlns:pvml="urn:schemas-microsoft-com:office:powerpoint" xmlns:com="http://schemas.openxmlformats.org/drawingml/2006/compatibility" xmlns:p14="http://schemas.microsoft.com/office/powerpoint/2010/main" xmlns:p15="http://schemas.microsoft.com/office/powerpoint/2012/main" xmlns:ahyp="http://schemas.microsoft.com/office/drawing/2018/hyperlinkcolor" showMasterPhAnim="0" showMasterSp="0">
   <p:cSld>
     <p:spTree>
       <p:nvGrpSpPr>
-        <p:cNvPr id="138" name="Shape 138"/>
+        <p:cNvPr id="127" name="Shape 127"/>
         <p:cNvGrpSpPr/>
         <p:nvPr/>
       </p:nvGrpSpPr>
@@ -2395,7 +2253,7 @@
       </p:grpSpPr>
       <p:sp>
         <p:nvSpPr>
-          <p:cNvPr id="139" name="Google Shape;139;g316fb8574b2_1_2:notes"/>
+          <p:cNvPr id="128" name="Google Shape;128;g316fb8574b2_0_137:notes"/>
           <p:cNvSpPr/>
           <p:nvPr>
             <p:ph idx="2" type="sldImg"/>
@@ -2403,8 +2261,125 @@
         </p:nvSpPr>
         <p:spPr>
           <a:xfrm>
-            <a:off x="1143309" y="685800"/>
-            <a:ext cx="4572000" cy="3429000"/>
+            <a:off x="1143213" y="685800"/>
+            <a:ext cx="4572300" cy="3429000"/>
+          </a:xfrm>
+          <a:custGeom>
+            <a:rect b="b" l="l" r="r" t="t"/>
+            <a:pathLst>
+              <a:path extrusionOk="0" h="120000" w="120000">
+                <a:moveTo>
+                  <a:pt x="0" y="0"/>
+                </a:moveTo>
+                <a:lnTo>
+                  <a:pt x="120000" y="0"/>
+                </a:lnTo>
+                <a:lnTo>
+                  <a:pt x="120000" y="120000"/>
+                </a:lnTo>
+                <a:lnTo>
+                  <a:pt x="0" y="120000"/>
+                </a:lnTo>
+                <a:close/>
+              </a:path>
+            </a:pathLst>
+          </a:custGeom>
+          <a:noFill/>
+          <a:ln cap="flat" cmpd="sng" w="12700">
+            <a:solidFill>
+              <a:srgbClr val="000000"/>
+            </a:solidFill>
+            <a:prstDash val="solid"/>
+            <a:round/>
+            <a:headEnd len="sm" w="sm" type="none"/>
+            <a:tailEnd len="sm" w="sm" type="none"/>
+          </a:ln>
+        </p:spPr>
+      </p:sp>
+      <p:sp>
+        <p:nvSpPr>
+          <p:cNvPr id="129" name="Google Shape;129;g316fb8574b2_0_137:notes"/>
+          <p:cNvSpPr txBox="1"/>
+          <p:nvPr>
+            <p:ph idx="1" type="body"/>
+          </p:nvPr>
+        </p:nvSpPr>
+        <p:spPr>
+          <a:xfrm>
+            <a:off x="685800" y="4343400"/>
+            <a:ext cx="5486400" cy="4114800"/>
+          </a:xfrm>
+          <a:prstGeom prst="rect">
+            <a:avLst/>
+          </a:prstGeom>
+          <a:noFill/>
+          <a:ln>
+            <a:noFill/>
+          </a:ln>
+        </p:spPr>
+        <p:txBody>
+          <a:bodyPr anchorCtr="0" anchor="t" bIns="45700" lIns="91425" spcFirstLastPara="1" rIns="91425" wrap="square" tIns="45700">
+            <a:noAutofit/>
+          </a:bodyPr>
+          <a:lstStyle/>
+          <a:p>
+            <a:pPr indent="0" lvl="0" marL="0" rtl="0" algn="l">
+              <a:lnSpc>
+                <a:spcPct val="100000"/>
+              </a:lnSpc>
+              <a:spcBef>
+                <a:spcPts val="0"/>
+              </a:spcBef>
+              <a:spcAft>
+                <a:spcPts val="0"/>
+              </a:spcAft>
+              <a:buSzPts val="1400"/>
+              <a:buNone/>
+            </a:pPr>
+            <a:r>
+              <a:t/>
+            </a:r>
+            <a:endParaRPr/>
+          </a:p>
+        </p:txBody>
+      </p:sp>
+    </p:spTree>
+  </p:cSld>
+  <p:clrMapOvr>
+    <a:masterClrMapping/>
+  </p:clrMapOvr>
+</p:notes>
+</file>
+
+<file path=ppt/notesSlides/notesSlide6.xml><?xml version="1.0" encoding="utf-8"?>
+<p:notes xmlns:a="http://schemas.openxmlformats.org/drawingml/2006/main" xmlns:r="http://schemas.openxmlformats.org/officeDocument/2006/relationships" xmlns:mc="http://schemas.openxmlformats.org/markup-compatibility/2006" xmlns:mv="urn:schemas-microsoft-com:mac:vml" xmlns:p="http://schemas.openxmlformats.org/presentationml/2006/main" xmlns:c="http://schemas.openxmlformats.org/drawingml/2006/chart" xmlns:dgm="http://schemas.openxmlformats.org/drawingml/2006/diagram" xmlns:o="urn:schemas-microsoft-com:office:office" xmlns:v="urn:schemas-microsoft-com:vml" xmlns:pvml="urn:schemas-microsoft-com:office:powerpoint" xmlns:com="http://schemas.openxmlformats.org/drawingml/2006/compatibility" xmlns:p14="http://schemas.microsoft.com/office/powerpoint/2010/main" xmlns:p15="http://schemas.microsoft.com/office/powerpoint/2012/main" xmlns:ahyp="http://schemas.microsoft.com/office/drawing/2018/hyperlinkcolor" showMasterPhAnim="0" showMasterSp="0">
+  <p:cSld>
+    <p:spTree>
+      <p:nvGrpSpPr>
+        <p:cNvPr id="134" name="Shape 134"/>
+        <p:cNvGrpSpPr/>
+        <p:nvPr/>
+      </p:nvGrpSpPr>
+      <p:grpSpPr>
+        <a:xfrm>
+          <a:off x="0" y="0"/>
+          <a:ext cx="0" cy="0"/>
+          <a:chOff x="0" y="0"/>
+          <a:chExt cx="0" cy="0"/>
+        </a:xfrm>
+      </p:grpSpPr>
+      <p:sp>
+        <p:nvSpPr>
+          <p:cNvPr id="135" name="Google Shape;135;g31ab49de854_0_151:notes"/>
+          <p:cNvSpPr/>
+          <p:nvPr>
+            <p:ph idx="2" type="sldImg"/>
+          </p:nvPr>
+        </p:nvSpPr>
+        <p:spPr>
+          <a:xfrm>
+            <a:off x="1371600" y="1143000"/>
+            <a:ext cx="4114800" cy="3086100"/>
           </a:xfrm>
           <a:custGeom>
             <a:rect b="b" l="l" r="r" t="t"/>
@@ -2430,7 +2405,7 @@
       </p:sp>
       <p:sp>
         <p:nvSpPr>
-          <p:cNvPr id="140" name="Google Shape;140;g316fb8574b2_1_2:notes"/>
+          <p:cNvPr id="136" name="Google Shape;136;g31ab49de854_0_151:notes"/>
           <p:cNvSpPr txBox="1"/>
           <p:nvPr>
             <p:ph idx="1" type="body"/>
@@ -2438,8 +2413,8 @@
         </p:nvSpPr>
         <p:spPr>
           <a:xfrm>
-            <a:off x="685800" y="4343400"/>
-            <a:ext cx="5486400" cy="4114800"/>
+            <a:off x="685800" y="4400550"/>
+            <a:ext cx="5486400" cy="3600600"/>
           </a:xfrm>
           <a:prstGeom prst="rect">
             <a:avLst/>
@@ -2467,6 +2442,54 @@
           </a:p>
         </p:txBody>
       </p:sp>
+      <p:sp>
+        <p:nvSpPr>
+          <p:cNvPr id="137" name="Google Shape;137;g31ab49de854_0_151:notes"/>
+          <p:cNvSpPr txBox="1"/>
+          <p:nvPr>
+            <p:ph idx="12" type="sldNum"/>
+          </p:nvPr>
+        </p:nvSpPr>
+        <p:spPr>
+          <a:xfrm>
+            <a:off x="3884613" y="8685213"/>
+            <a:ext cx="2971800" cy="458700"/>
+          </a:xfrm>
+          <a:prstGeom prst="rect">
+            <a:avLst/>
+          </a:prstGeom>
+          <a:noFill/>
+          <a:ln>
+            <a:noFill/>
+          </a:ln>
+        </p:spPr>
+        <p:txBody>
+          <a:bodyPr anchorCtr="0" anchor="ctr" bIns="91425" lIns="91425" spcFirstLastPara="1" rIns="91425" wrap="square" tIns="91425">
+            <a:noAutofit/>
+          </a:bodyPr>
+          <a:lstStyle/>
+          <a:p>
+            <a:pPr indent="0" lvl="0" marL="0" rtl="0" algn="l">
+              <a:spcBef>
+                <a:spcPts val="0"/>
+              </a:spcBef>
+              <a:spcAft>
+                <a:spcPts val="0"/>
+              </a:spcAft>
+              <a:buClr>
+                <a:srgbClr val="000000"/>
+              </a:buClr>
+              <a:buFont typeface="Arial"/>
+              <a:buNone/>
+            </a:pPr>
+            <a:fld id="{00000000-1234-1234-1234-123412341234}" type="slidenum">
+              <a:rPr lang="en"/>
+              <a:t>‹#›</a:t>
+            </a:fld>
+            <a:endParaRPr/>
+          </a:p>
+        </p:txBody>
+      </p:sp>
     </p:spTree>
   </p:cSld>
   <p:clrMapOvr>
@@ -2475,12 +2498,12 @@
 </p:notes>
 </file>
 
-<file path=ppt/notesSlides/notesSlide8.xml><?xml version="1.0" encoding="utf-8"?>
+<file path=ppt/notesSlides/notesSlide7.xml><?xml version="1.0" encoding="utf-8"?>
 <p:notes xmlns:a="http://schemas.openxmlformats.org/drawingml/2006/main" xmlns:r="http://schemas.openxmlformats.org/officeDocument/2006/relationships" xmlns:mc="http://schemas.openxmlformats.org/markup-compatibility/2006" xmlns:mv="urn:schemas-microsoft-com:mac:vml" xmlns:p="http://schemas.openxmlformats.org/presentationml/2006/main" xmlns:c="http://schemas.openxmlformats.org/drawingml/2006/chart" xmlns:dgm="http://schemas.openxmlformats.org/drawingml/2006/diagram" xmlns:o="urn:schemas-microsoft-com:office:office" xmlns:v="urn:schemas-microsoft-com:vml" xmlns:pvml="urn:schemas-microsoft-com:office:powerpoint" xmlns:com="http://schemas.openxmlformats.org/drawingml/2006/compatibility" xmlns:p14="http://schemas.microsoft.com/office/powerpoint/2010/main" xmlns:p15="http://schemas.microsoft.com/office/powerpoint/2012/main" xmlns:ahyp="http://schemas.microsoft.com/office/drawing/2018/hyperlinkcolor" showMasterPhAnim="0" showMasterSp="0">
   <p:cSld>
     <p:spTree>
       <p:nvGrpSpPr>
-        <p:cNvPr id="144" name="Shape 144"/>
+        <p:cNvPr id="143" name="Shape 143"/>
         <p:cNvGrpSpPr/>
         <p:nvPr/>
       </p:nvGrpSpPr>
@@ -2494,7 +2517,7 @@
       </p:grpSpPr>
       <p:sp>
         <p:nvSpPr>
-          <p:cNvPr id="145" name="Google Shape;145;g318d33bbe67_0_0:notes"/>
+          <p:cNvPr id="144" name="Google Shape;144;g31ab49de854_0_204:notes"/>
           <p:cNvSpPr/>
           <p:nvPr>
             <p:ph idx="2" type="sldImg"/>
@@ -2502,8 +2525,8 @@
         </p:nvSpPr>
         <p:spPr>
           <a:xfrm>
-            <a:off x="1143309" y="685800"/>
-            <a:ext cx="4572000" cy="3429000"/>
+            <a:off x="1371600" y="1143000"/>
+            <a:ext cx="4114800" cy="3086100"/>
           </a:xfrm>
           <a:custGeom>
             <a:rect b="b" l="l" r="r" t="t"/>
@@ -2529,7 +2552,119 @@
       </p:sp>
       <p:sp>
         <p:nvSpPr>
-          <p:cNvPr id="146" name="Google Shape;146;g318d33bbe67_0_0:notes"/>
+          <p:cNvPr id="145" name="Google Shape;145;g31ab49de854_0_204:notes"/>
+          <p:cNvSpPr txBox="1"/>
+          <p:nvPr>
+            <p:ph idx="1" type="body"/>
+          </p:nvPr>
+        </p:nvSpPr>
+        <p:spPr>
+          <a:xfrm>
+            <a:off x="685800" y="4400550"/>
+            <a:ext cx="5486400" cy="3600600"/>
+          </a:xfrm>
+          <a:prstGeom prst="rect">
+            <a:avLst/>
+          </a:prstGeom>
+        </p:spPr>
+        <p:txBody>
+          <a:bodyPr anchorCtr="0" anchor="t" bIns="91425" lIns="91425" spcFirstLastPara="1" rIns="91425" wrap="square" tIns="91425">
+            <a:noAutofit/>
+          </a:bodyPr>
+          <a:lstStyle/>
+          <a:p>
+            <a:pPr indent="0" lvl="0" marL="0" rtl="0" algn="l">
+              <a:spcBef>
+                <a:spcPts val="0"/>
+              </a:spcBef>
+              <a:spcAft>
+                <a:spcPts val="0"/>
+              </a:spcAft>
+              <a:buNone/>
+            </a:pPr>
+            <a:r>
+              <a:t/>
+            </a:r>
+            <a:endParaRPr/>
+          </a:p>
+        </p:txBody>
+      </p:sp>
+      <p:sp>
+        <p:nvSpPr>
+          <p:cNvPr id="146" name="Google Shape;146;g31ab49de854_0_204:notes"/>
+          <p:cNvSpPr txBox="1"/>
+          <p:nvPr>
+            <p:ph idx="12" type="sldNum"/>
+          </p:nvPr>
+        </p:nvSpPr>
+        <p:spPr>
+          <a:xfrm>
+            <a:off x="3884613" y="8685213"/>
+            <a:ext cx="2971800" cy="458700"/>
+          </a:xfrm>
+          <a:prstGeom prst="rect">
+            <a:avLst/>
+          </a:prstGeom>
+          <a:noFill/>
+          <a:ln>
+            <a:noFill/>
+          </a:ln>
+        </p:spPr>
+        <p:txBody>
+          <a:bodyPr anchorCtr="0" anchor="ctr" bIns="91425" lIns="91425" spcFirstLastPara="1" rIns="91425" wrap="square" tIns="91425">
+            <a:noAutofit/>
+          </a:bodyPr>
+          <a:lstStyle/>
+          <a:p>
+            <a:pPr indent="0" lvl="0" marL="0" rtl="0" algn="l">
+              <a:spcBef>
+                <a:spcPts val="0"/>
+              </a:spcBef>
+              <a:spcAft>
+                <a:spcPts val="0"/>
+              </a:spcAft>
+              <a:buClr>
+                <a:srgbClr val="000000"/>
+              </a:buClr>
+              <a:buFont typeface="Arial"/>
+              <a:buNone/>
+            </a:pPr>
+            <a:fld id="{00000000-1234-1234-1234-123412341234}" type="slidenum">
+              <a:rPr lang="en"/>
+              <a:t>‹#›</a:t>
+            </a:fld>
+            <a:endParaRPr/>
+          </a:p>
+        </p:txBody>
+      </p:sp>
+    </p:spTree>
+  </p:cSld>
+  <p:clrMapOvr>
+    <a:masterClrMapping/>
+  </p:clrMapOvr>
+</p:notes>
+</file>
+
+<file path=ppt/notesSlides/notesSlide8.xml><?xml version="1.0" encoding="utf-8"?>
+<p:notes xmlns:a="http://schemas.openxmlformats.org/drawingml/2006/main" xmlns:r="http://schemas.openxmlformats.org/officeDocument/2006/relationships" xmlns:mc="http://schemas.openxmlformats.org/markup-compatibility/2006" xmlns:mv="urn:schemas-microsoft-com:mac:vml" xmlns:p="http://schemas.openxmlformats.org/presentationml/2006/main" xmlns:c="http://schemas.openxmlformats.org/drawingml/2006/chart" xmlns:dgm="http://schemas.openxmlformats.org/drawingml/2006/diagram" xmlns:o="urn:schemas-microsoft-com:office:office" xmlns:v="urn:schemas-microsoft-com:vml" xmlns:pvml="urn:schemas-microsoft-com:office:powerpoint" xmlns:com="http://schemas.openxmlformats.org/drawingml/2006/compatibility" xmlns:p14="http://schemas.microsoft.com/office/powerpoint/2010/main" xmlns:p15="http://schemas.microsoft.com/office/powerpoint/2012/main" xmlns:ahyp="http://schemas.microsoft.com/office/drawing/2018/hyperlinkcolor" showMasterPhAnim="0" showMasterSp="0">
+  <p:cSld>
+    <p:spTree>
+      <p:nvGrpSpPr>
+        <p:cNvPr id="164" name="Shape 164"/>
+        <p:cNvGrpSpPr/>
+        <p:nvPr/>
+      </p:nvGrpSpPr>
+      <p:grpSpPr>
+        <a:xfrm>
+          <a:off x="0" y="0"/>
+          <a:ext cx="0" cy="0"/>
+          <a:chOff x="0" y="0"/>
+          <a:chExt cx="0" cy="0"/>
+        </a:xfrm>
+      </p:grpSpPr>
+      <p:sp>
+        <p:nvSpPr>
+          <p:cNvPr id="165" name="Google Shape;165;g31ab49de854_0_89:notes"/>
           <p:cNvSpPr txBox="1"/>
           <p:nvPr>
             <p:ph idx="1" type="body"/>
@@ -2543,6 +2678,10 @@
           <a:prstGeom prst="rect">
             <a:avLst/>
           </a:prstGeom>
+          <a:noFill/>
+          <a:ln>
+            <a:noFill/>
+          </a:ln>
         </p:spPr>
         <p:txBody>
           <a:bodyPr anchorCtr="0" anchor="t" bIns="91425" lIns="91425" spcFirstLastPara="1" rIns="91425" wrap="square" tIns="91425">
@@ -2551,12 +2690,20 @@
           <a:lstStyle/>
           <a:p>
             <a:pPr indent="0" lvl="0" marL="0" rtl="0" algn="l">
-              <a:spcBef>
-                <a:spcPts val="0"/>
-              </a:spcBef>
-              <a:spcAft>
-                <a:spcPts val="0"/>
-              </a:spcAft>
+              <a:lnSpc>
+                <a:spcPct val="100000"/>
+              </a:lnSpc>
+              <a:spcBef>
+                <a:spcPts val="0"/>
+              </a:spcBef>
+              <a:spcAft>
+                <a:spcPts val="0"/>
+              </a:spcAft>
+              <a:buClr>
+                <a:schemeClr val="dk1"/>
+              </a:buClr>
+              <a:buSzPts val="1100"/>
+              <a:buFont typeface="Calibri"/>
               <a:buNone/>
             </a:pPr>
             <a:r>
@@ -2565,6 +2712,51 @@
             <a:endParaRPr/>
           </a:p>
         </p:txBody>
+      </p:sp>
+      <p:sp>
+        <p:nvSpPr>
+          <p:cNvPr id="166" name="Google Shape;166;g31ab49de854_0_89:notes"/>
+          <p:cNvSpPr/>
+          <p:nvPr>
+            <p:ph idx="2" type="sldImg"/>
+          </p:nvPr>
+        </p:nvSpPr>
+        <p:spPr>
+          <a:xfrm>
+            <a:off x="1143000" y="685800"/>
+            <a:ext cx="4572000" cy="3429000"/>
+          </a:xfrm>
+          <a:custGeom>
+            <a:rect b="b" l="l" r="r" t="t"/>
+            <a:pathLst>
+              <a:path extrusionOk="0" h="120000" w="120000">
+                <a:moveTo>
+                  <a:pt x="0" y="0"/>
+                </a:moveTo>
+                <a:lnTo>
+                  <a:pt x="120000" y="0"/>
+                </a:lnTo>
+                <a:lnTo>
+                  <a:pt x="120000" y="120000"/>
+                </a:lnTo>
+                <a:lnTo>
+                  <a:pt x="0" y="120000"/>
+                </a:lnTo>
+                <a:close/>
+              </a:path>
+            </a:pathLst>
+          </a:custGeom>
+          <a:noFill/>
+          <a:ln cap="flat" cmpd="sng" w="9525">
+            <a:solidFill>
+              <a:srgbClr val="000000"/>
+            </a:solidFill>
+            <a:prstDash val="solid"/>
+            <a:round/>
+            <a:headEnd len="sm" w="sm" type="none"/>
+            <a:tailEnd len="sm" w="sm" type="none"/>
+          </a:ln>
+        </p:spPr>
       </p:sp>
     </p:spTree>
   </p:cSld>
@@ -2579,7 +2771,7 @@
   <p:cSld>
     <p:spTree>
       <p:nvGrpSpPr>
-        <p:cNvPr id="151" name="Shape 151"/>
+        <p:cNvPr id="182" name="Shape 182"/>
         <p:cNvGrpSpPr/>
         <p:nvPr/>
       </p:nvGrpSpPr>
@@ -2593,7 +2785,7 @@
       </p:grpSpPr>
       <p:sp>
         <p:nvSpPr>
-          <p:cNvPr id="152" name="Google Shape;152;g318d33bbe67_0_15:notes"/>
+          <p:cNvPr id="183" name="Google Shape;183;g31ab49de854_0_274:notes"/>
           <p:cNvSpPr/>
           <p:nvPr>
             <p:ph idx="2" type="sldImg"/>
@@ -2601,8 +2793,8 @@
         </p:nvSpPr>
         <p:spPr>
           <a:xfrm>
-            <a:off x="1143309" y="685800"/>
-            <a:ext cx="4572000" cy="3429000"/>
+            <a:off x="1371600" y="1143000"/>
+            <a:ext cx="4114800" cy="3086100"/>
           </a:xfrm>
           <a:custGeom>
             <a:rect b="b" l="l" r="r" t="t"/>
@@ -2628,7 +2820,7 @@
       </p:sp>
       <p:sp>
         <p:nvSpPr>
-          <p:cNvPr id="153" name="Google Shape;153;g318d33bbe67_0_15:notes"/>
+          <p:cNvPr id="184" name="Google Shape;184;g31ab49de854_0_274:notes"/>
           <p:cNvSpPr txBox="1"/>
           <p:nvPr>
             <p:ph idx="1" type="body"/>
@@ -2636,8 +2828,8 @@
         </p:nvSpPr>
         <p:spPr>
           <a:xfrm>
-            <a:off x="685800" y="4343400"/>
-            <a:ext cx="5486400" cy="4114800"/>
+            <a:off x="685800" y="4400550"/>
+            <a:ext cx="5486400" cy="3600600"/>
           </a:xfrm>
           <a:prstGeom prst="rect">
             <a:avLst/>
@@ -2661,6 +2853,54 @@
             <a:r>
               <a:t/>
             </a:r>
+            <a:endParaRPr/>
+          </a:p>
+        </p:txBody>
+      </p:sp>
+      <p:sp>
+        <p:nvSpPr>
+          <p:cNvPr id="185" name="Google Shape;185;g31ab49de854_0_274:notes"/>
+          <p:cNvSpPr txBox="1"/>
+          <p:nvPr>
+            <p:ph idx="12" type="sldNum"/>
+          </p:nvPr>
+        </p:nvSpPr>
+        <p:spPr>
+          <a:xfrm>
+            <a:off x="3884613" y="8685213"/>
+            <a:ext cx="2971800" cy="458700"/>
+          </a:xfrm>
+          <a:prstGeom prst="rect">
+            <a:avLst/>
+          </a:prstGeom>
+          <a:noFill/>
+          <a:ln>
+            <a:noFill/>
+          </a:ln>
+        </p:spPr>
+        <p:txBody>
+          <a:bodyPr anchorCtr="0" anchor="ctr" bIns="91425" lIns="91425" spcFirstLastPara="1" rIns="91425" wrap="square" tIns="91425">
+            <a:noAutofit/>
+          </a:bodyPr>
+          <a:lstStyle/>
+          <a:p>
+            <a:pPr indent="0" lvl="0" marL="0" rtl="0" algn="l">
+              <a:spcBef>
+                <a:spcPts val="0"/>
+              </a:spcBef>
+              <a:spcAft>
+                <a:spcPts val="0"/>
+              </a:spcAft>
+              <a:buClr>
+                <a:srgbClr val="000000"/>
+              </a:buClr>
+              <a:buFont typeface="Arial"/>
+              <a:buNone/>
+            </a:pPr>
+            <a:fld id="{00000000-1234-1234-1234-123412341234}" type="slidenum">
+              <a:rPr lang="en"/>
+              <a:t>‹#›</a:t>
+            </a:fld>
             <a:endParaRPr/>
           </a:p>
         </p:txBody>
@@ -15710,7 +15950,7 @@
   <p:cSld>
     <p:spTree>
       <p:nvGrpSpPr>
-        <p:cNvPr id="160" name="Shape 160"/>
+        <p:cNvPr id="194" name="Shape 194"/>
         <p:cNvGrpSpPr/>
         <p:nvPr/>
       </p:nvGrpSpPr>
@@ -15724,7 +15964,7 @@
       </p:grpSpPr>
       <p:sp>
         <p:nvSpPr>
-          <p:cNvPr id="161" name="Google Shape;161;p29"/>
+          <p:cNvPr id="195" name="Google Shape;195;p29"/>
           <p:cNvSpPr txBox="1"/>
           <p:nvPr>
             <p:ph type="title"/>
@@ -15764,7 +16004,7 @@
       </p:sp>
       <p:sp>
         <p:nvSpPr>
-          <p:cNvPr id="162" name="Google Shape;162;p29"/>
+          <p:cNvPr id="196" name="Google Shape;196;p29"/>
           <p:cNvSpPr txBox="1"/>
           <p:nvPr>
             <p:ph idx="1" type="body"/>
@@ -15864,11 +16104,7 @@
             </a:pPr>
             <a:r>
               <a:rPr lang="en" sz="2216"/>
-              <a:t>Verified</a:t>
-            </a:r>
-            <a:r>
-              <a:rPr lang="en" sz="2216"/>
-              <a:t> stable connection to device for at least 30 minutes</a:t>
+              <a:t>Verified stable connection to device for at least 30 minutes</a:t>
             </a:r>
             <a:endParaRPr sz="2216"/>
           </a:p>
@@ -15910,11 +16146,7 @@
             </a:pPr>
             <a:r>
               <a:rPr lang="en" sz="2216"/>
-              <a:t>App can </a:t>
-            </a:r>
-            <a:r>
-              <a:rPr lang="en" sz="2216"/>
-              <a:t>disconnect from device and reconnect immediately</a:t>
+              <a:t>App can disconnect from device and reconnect immediately</a:t>
             </a:r>
             <a:endParaRPr sz="2216"/>
           </a:p>
@@ -15956,19 +16188,7 @@
             </a:pPr>
             <a:r>
               <a:rPr lang="en" sz="2216"/>
-              <a:t>Verified</a:t>
-            </a:r>
-            <a:r>
-              <a:rPr lang="en" sz="2216"/>
-              <a:t> app sending/</a:t>
-            </a:r>
-            <a:r>
-              <a:rPr lang="en" sz="2216"/>
-              <a:t>receiving</a:t>
-            </a:r>
-            <a:r>
-              <a:rPr lang="en" sz="2216"/>
-              <a:t> messages through VSCode terminal and system functionality</a:t>
+              <a:t>Verified app sending/receiving messages through VSCode terminal and system functionality</a:t>
             </a:r>
             <a:endParaRPr sz="1316"/>
           </a:p>
@@ -16010,19 +16230,7 @@
             </a:pPr>
             <a:r>
               <a:rPr lang="en" sz="2216"/>
-              <a:t>App </a:t>
-            </a:r>
-            <a:r>
-              <a:rPr lang="en" sz="2216"/>
-              <a:t>constantly</a:t>
-            </a:r>
-            <a:r>
-              <a:rPr lang="en" sz="2216"/>
-              <a:t> connects within 1.5 </a:t>
-            </a:r>
-            <a:r>
-              <a:rPr lang="en" sz="2216"/>
-              <a:t>second</a:t>
+              <a:t>App constantly connects within 1.5 second</a:t>
             </a:r>
             <a:endParaRPr sz="2216"/>
           </a:p>
@@ -16064,11 +16272,7 @@
             </a:pPr>
             <a:r>
               <a:rPr lang="en" sz="2216"/>
-              <a:t>Data is sent to the app </a:t>
-            </a:r>
-            <a:r>
-              <a:rPr lang="en" sz="2216"/>
-              <a:t>within 0.25 seconds after requesting</a:t>
+              <a:t>Data is sent to the app within 0.25 seconds after requesting</a:t>
             </a:r>
             <a:endParaRPr sz="2216"/>
           </a:p>
@@ -16110,15 +16314,7 @@
             </a:pPr>
             <a:r>
               <a:rPr lang="en" sz="2216"/>
-              <a:t>App has been installed and operated on multiple devices with </a:t>
-            </a:r>
-            <a:r>
-              <a:rPr lang="en" sz="2216"/>
-              <a:t>various</a:t>
-            </a:r>
-            <a:r>
-              <a:rPr lang="en" sz="2216"/>
-              <a:t> software anywhere from 2 years of age to 10 years of age</a:t>
+              <a:t>App has been installed and operated on multiple devices with various software anywhere from 2 years of age to 10 years of age</a:t>
             </a:r>
             <a:endParaRPr sz="2216"/>
           </a:p>
@@ -16156,23 +16352,7 @@
             </a:pPr>
             <a:r>
               <a:rPr lang="en" sz="2181"/>
-              <a:t>In </a:t>
-            </a:r>
-            <a:r>
-              <a:rPr lang="en" sz="2181"/>
-              <a:t>performing</a:t>
-            </a:r>
-            <a:r>
-              <a:rPr lang="en" sz="2181"/>
-              <a:t> this demo the app shows stable connection in an </a:t>
-            </a:r>
-            <a:r>
-              <a:rPr lang="en" sz="2181"/>
-              <a:t>environment</a:t>
-            </a:r>
-            <a:r>
-              <a:rPr lang="en" sz="2181"/>
-              <a:t> with abundant BL traffic</a:t>
+              <a:t>In performing this demo the app shows stable connection in an environment with abundant BL traffic</a:t>
             </a:r>
             <a:endParaRPr sz="2181"/>
           </a:p>
@@ -16191,7 +16371,7 @@
   <p:cSld>
     <p:spTree>
       <p:nvGrpSpPr>
-        <p:cNvPr id="166" name="Shape 166"/>
+        <p:cNvPr id="200" name="Shape 200"/>
         <p:cNvGrpSpPr/>
         <p:nvPr/>
       </p:nvGrpSpPr>
@@ -16205,7 +16385,7 @@
       </p:grpSpPr>
       <p:sp>
         <p:nvSpPr>
-          <p:cNvPr id="167" name="Google Shape;167;p30"/>
+          <p:cNvPr id="201" name="Google Shape;201;p30"/>
           <p:cNvSpPr txBox="1"/>
           <p:nvPr>
             <p:ph type="title"/>
@@ -16237,11 +16417,7 @@
             </a:pPr>
             <a:r>
               <a:rPr lang="en"/>
-              <a:t>Waveform Generator </a:t>
-            </a:r>
-            <a:r>
-              <a:rPr lang="en"/>
-              <a:t>Validation</a:t>
+              <a:t>Multimeter/Oscilloscope Validation</a:t>
             </a:r>
             <a:endParaRPr/>
           </a:p>
@@ -16249,317 +16425,7 @@
       </p:sp>
       <p:sp>
         <p:nvSpPr>
-          <p:cNvPr id="168" name="Google Shape;168;p30"/>
-          <p:cNvSpPr txBox="1"/>
-          <p:nvPr>
-            <p:ph idx="1" type="body"/>
-          </p:nvPr>
-        </p:nvSpPr>
-        <p:spPr>
-          <a:xfrm>
-            <a:off x="457200" y="2049270"/>
-            <a:ext cx="8229600" cy="4077300"/>
-          </a:xfrm>
-          <a:prstGeom prst="rect">
-            <a:avLst/>
-          </a:prstGeom>
-        </p:spPr>
-        <p:txBody>
-          <a:bodyPr anchorCtr="0" anchor="t" bIns="45700" lIns="91425" spcFirstLastPara="1" rIns="91425" wrap="square" tIns="45700">
-            <a:normAutofit fontScale="92500" lnSpcReduction="20000"/>
-          </a:bodyPr>
-          <a:lstStyle/>
-          <a:p>
-            <a:pPr indent="-334327" lvl="0" marL="457200" rtl="0" algn="l">
-              <a:spcBef>
-                <a:spcPts val="360"/>
-              </a:spcBef>
-              <a:spcAft>
-                <a:spcPts val="0"/>
-              </a:spcAft>
-              <a:buSzPct val="75000"/>
-              <a:buChar char="•"/>
-            </a:pPr>
-            <a:r>
-              <a:rPr b="1" lang="en" sz="2400"/>
-              <a:t>Discovery</a:t>
-            </a:r>
-            <a:r>
-              <a:rPr lang="en" sz="2500"/>
-              <a:t>:</a:t>
-            </a:r>
-            <a:r>
-              <a:rPr lang="en" sz="1100"/>
-              <a:t> </a:t>
-            </a:r>
-            <a:endParaRPr sz="2181"/>
-          </a:p>
-          <a:p>
-            <a:pPr indent="-334327" lvl="1" marL="914400" rtl="0" algn="l">
-              <a:spcBef>
-                <a:spcPts val="0"/>
-              </a:spcBef>
-              <a:spcAft>
-                <a:spcPts val="0"/>
-              </a:spcAft>
-              <a:buSzPct val="81219"/>
-              <a:buChar char="–"/>
-            </a:pPr>
-            <a:r>
-              <a:rPr lang="en" sz="2216"/>
-              <a:t>Devices are discovered within 4 seconds</a:t>
-            </a:r>
-            <a:endParaRPr sz="2216"/>
-          </a:p>
-          <a:p>
-            <a:pPr indent="-334327" lvl="0" marL="457200" rtl="0" algn="l">
-              <a:spcBef>
-                <a:spcPts val="0"/>
-              </a:spcBef>
-              <a:spcAft>
-                <a:spcPts val="0"/>
-              </a:spcAft>
-              <a:buSzPct val="75000"/>
-              <a:buChar char="•"/>
-            </a:pPr>
-            <a:r>
-              <a:rPr b="1" lang="en" sz="2400"/>
-              <a:t>Connection</a:t>
-            </a:r>
-            <a:r>
-              <a:rPr lang="en" sz="2400"/>
-              <a:t>:</a:t>
-            </a:r>
-            <a:r>
-              <a:rPr lang="en" sz="1100"/>
-              <a:t> </a:t>
-            </a:r>
-            <a:endParaRPr sz="1100"/>
-          </a:p>
-          <a:p>
-            <a:pPr indent="-334327" lvl="1" marL="914400" rtl="0" algn="l">
-              <a:spcBef>
-                <a:spcPts val="0"/>
-              </a:spcBef>
-              <a:spcAft>
-                <a:spcPts val="0"/>
-              </a:spcAft>
-              <a:buSzPct val="81219"/>
-              <a:buChar char="–"/>
-            </a:pPr>
-            <a:r>
-              <a:rPr lang="en" sz="2216"/>
-              <a:t>App receives data from each of the waveforms that can be shown on VScode</a:t>
-            </a:r>
-            <a:endParaRPr sz="2216"/>
-          </a:p>
-          <a:p>
-            <a:pPr indent="-358775" lvl="1" marL="914400" rtl="0" algn="l">
-              <a:spcBef>
-                <a:spcPts val="0"/>
-              </a:spcBef>
-              <a:spcAft>
-                <a:spcPts val="0"/>
-              </a:spcAft>
-              <a:buSzPct val="100000"/>
-              <a:buChar char="–"/>
-            </a:pPr>
-            <a:r>
-              <a:rPr lang="en" sz="2216"/>
-              <a:t>Can Switch between each waveform shape without any disruptions</a:t>
-            </a:r>
-            <a:endParaRPr sz="2216"/>
-          </a:p>
-          <a:p>
-            <a:pPr indent="-334327" lvl="0" marL="457200" rtl="0" algn="l">
-              <a:spcBef>
-                <a:spcPts val="0"/>
-              </a:spcBef>
-              <a:spcAft>
-                <a:spcPts val="0"/>
-              </a:spcAft>
-              <a:buSzPct val="75000"/>
-              <a:buChar char="•"/>
-            </a:pPr>
-            <a:r>
-              <a:rPr b="1" lang="en" sz="2400"/>
-              <a:t>Characteristics</a:t>
-            </a:r>
-            <a:r>
-              <a:rPr lang="en" sz="2400"/>
-              <a:t>:</a:t>
-            </a:r>
-            <a:r>
-              <a:rPr lang="en" sz="1100"/>
-              <a:t> </a:t>
-            </a:r>
-            <a:endParaRPr sz="1100"/>
-          </a:p>
-          <a:p>
-            <a:pPr indent="-334327" lvl="1" marL="914400" rtl="0" algn="l">
-              <a:spcBef>
-                <a:spcPts val="0"/>
-              </a:spcBef>
-              <a:spcAft>
-                <a:spcPts val="0"/>
-              </a:spcAft>
-              <a:buSzPct val="81219"/>
-              <a:buChar char="–"/>
-            </a:pPr>
-            <a:r>
-              <a:rPr lang="en" sz="2216"/>
-              <a:t>Verify that the waveform characteristics are corresponding with each lab</a:t>
-            </a:r>
-            <a:endParaRPr sz="2216"/>
-          </a:p>
-          <a:p>
-            <a:pPr indent="-358775" lvl="2" marL="1371600" rtl="0" algn="l">
-              <a:spcBef>
-                <a:spcPts val="0"/>
-              </a:spcBef>
-              <a:spcAft>
-                <a:spcPts val="0"/>
-              </a:spcAft>
-              <a:buSzPct val="100000"/>
-              <a:buChar char="•"/>
-            </a:pPr>
-            <a:r>
-              <a:rPr lang="en" sz="2216"/>
-              <a:t>Frequency and amplitude</a:t>
-            </a:r>
-            <a:endParaRPr sz="2216"/>
-          </a:p>
-          <a:p>
-            <a:pPr indent="-334327" lvl="0" marL="457200" rtl="0" algn="l">
-              <a:spcBef>
-                <a:spcPts val="0"/>
-              </a:spcBef>
-              <a:spcAft>
-                <a:spcPts val="0"/>
-              </a:spcAft>
-              <a:buSzPct val="75000"/>
-              <a:buChar char="•"/>
-            </a:pPr>
-            <a:r>
-              <a:rPr b="1" lang="en" sz="2400"/>
-              <a:t>Noise</a:t>
-            </a:r>
-            <a:r>
-              <a:rPr lang="en" sz="2400"/>
-              <a:t>:</a:t>
-            </a:r>
-            <a:r>
-              <a:rPr lang="en" sz="1100"/>
-              <a:t> </a:t>
-            </a:r>
-            <a:endParaRPr sz="1100"/>
-          </a:p>
-          <a:p>
-            <a:pPr indent="-334327" lvl="1" marL="914400" rtl="0" algn="l">
-              <a:spcBef>
-                <a:spcPts val="0"/>
-              </a:spcBef>
-              <a:spcAft>
-                <a:spcPts val="0"/>
-              </a:spcAft>
-              <a:buSzPct val="81219"/>
-              <a:buChar char="–"/>
-            </a:pPr>
-            <a:r>
-              <a:rPr lang="en" sz="2216"/>
-              <a:t>Verify that waveshapes are easy to read and measure</a:t>
-            </a:r>
-            <a:endParaRPr sz="2216"/>
-          </a:p>
-          <a:p>
-            <a:pPr indent="0" lvl="0" marL="457200" rtl="0" algn="l">
-              <a:spcBef>
-                <a:spcPts val="360"/>
-              </a:spcBef>
-              <a:spcAft>
-                <a:spcPts val="0"/>
-              </a:spcAft>
-              <a:buNone/>
-            </a:pPr>
-            <a:r>
-              <a:t/>
-            </a:r>
-            <a:endParaRPr/>
-          </a:p>
-        </p:txBody>
-      </p:sp>
-    </p:spTree>
-  </p:cSld>
-  <p:clrMapOvr>
-    <a:masterClrMapping/>
-  </p:clrMapOvr>
-</p:sld>
-</file>
-
-<file path=ppt/slides/slide12.xml><?xml version="1.0" encoding="utf-8"?>
-<p:sld xmlns:a="http://schemas.openxmlformats.org/drawingml/2006/main" xmlns:r="http://schemas.openxmlformats.org/officeDocument/2006/relationships" xmlns:mc="http://schemas.openxmlformats.org/markup-compatibility/2006" xmlns:mv="urn:schemas-microsoft-com:mac:vml" xmlns:p="http://schemas.openxmlformats.org/presentationml/2006/main" xmlns:c="http://schemas.openxmlformats.org/drawingml/2006/chart" xmlns:dgm="http://schemas.openxmlformats.org/drawingml/2006/diagram" xmlns:o="urn:schemas-microsoft-com:office:office" xmlns:v="urn:schemas-microsoft-com:vml" xmlns:pvml="urn:schemas-microsoft-com:office:powerpoint" xmlns:com="http://schemas.openxmlformats.org/drawingml/2006/compatibility" xmlns:p14="http://schemas.microsoft.com/office/powerpoint/2010/main" xmlns:p15="http://schemas.microsoft.com/office/powerpoint/2012/main" xmlns:ahyp="http://schemas.microsoft.com/office/drawing/2018/hyperlinkcolor">
-  <p:cSld>
-    <p:spTree>
-      <p:nvGrpSpPr>
-        <p:cNvPr id="172" name="Shape 172"/>
-        <p:cNvGrpSpPr/>
-        <p:nvPr/>
-      </p:nvGrpSpPr>
-      <p:grpSpPr>
-        <a:xfrm>
-          <a:off x="0" y="0"/>
-          <a:ext cx="0" cy="0"/>
-          <a:chOff x="0" y="0"/>
-          <a:chExt cx="0" cy="0"/>
-        </a:xfrm>
-      </p:grpSpPr>
-      <p:sp>
-        <p:nvSpPr>
-          <p:cNvPr id="173" name="Google Shape;173;p31"/>
-          <p:cNvSpPr txBox="1"/>
-          <p:nvPr>
-            <p:ph type="title"/>
-          </p:nvPr>
-        </p:nvSpPr>
-        <p:spPr>
-          <a:xfrm>
-            <a:off x="457200" y="1049177"/>
-            <a:ext cx="8229600" cy="803700"/>
-          </a:xfrm>
-          <a:prstGeom prst="rect">
-            <a:avLst/>
-          </a:prstGeom>
-        </p:spPr>
-        <p:txBody>
-          <a:bodyPr anchorCtr="0" anchor="ctr" bIns="45700" lIns="91425" spcFirstLastPara="1" rIns="91425" wrap="square" tIns="45700">
-            <a:normAutofit/>
-          </a:bodyPr>
-          <a:lstStyle/>
-          <a:p>
-            <a:pPr indent="0" lvl="0" marL="0" rtl="0" algn="ctr">
-              <a:spcBef>
-                <a:spcPts val="0"/>
-              </a:spcBef>
-              <a:spcAft>
-                <a:spcPts val="0"/>
-              </a:spcAft>
-              <a:buNone/>
-            </a:pPr>
-            <a:r>
-              <a:rPr lang="en"/>
-              <a:t>Multimeter/Oscilloscope </a:t>
-            </a:r>
-            <a:r>
-              <a:rPr lang="en"/>
-              <a:t>Validation</a:t>
-            </a:r>
-            <a:endParaRPr/>
-          </a:p>
-        </p:txBody>
-      </p:sp>
-      <p:sp>
-        <p:nvSpPr>
-          <p:cNvPr id="174" name="Google Shape;174;p31"/>
+          <p:cNvPr id="202" name="Google Shape;202;p30"/>
           <p:cNvSpPr txBox="1"/>
           <p:nvPr>
             <p:ph idx="1" type="body"/>
@@ -16655,7 +16521,7 @@
       </p:sp>
       <p:graphicFrame>
         <p:nvGraphicFramePr>
-          <p:cNvPr id="175" name="Google Shape;175;p31"/>
+          <p:cNvPr id="203" name="Google Shape;203;p30"/>
           <p:cNvGraphicFramePr/>
           <p:nvPr/>
         </p:nvGraphicFramePr>
@@ -16668,7 +16534,7 @@
             <a:tbl>
               <a:tblPr>
                 <a:noFill/>
-                <a:tableStyleId>{BC79093B-5182-4AC6-8C14-E35AC44C80AB}</a:tableStyleId>
+                <a:tableStyleId>{7D85AF87-8CC0-4412-89FF-AE50CA9250A0}</a:tableStyleId>
               </a:tblPr>
               <a:tblGrid>
                 <a:gridCol w="1326175"/>
@@ -16992,7 +16858,7 @@
       </p:graphicFrame>
       <p:graphicFrame>
         <p:nvGraphicFramePr>
-          <p:cNvPr id="176" name="Google Shape;176;p31"/>
+          <p:cNvPr id="204" name="Google Shape;204;p30"/>
           <p:cNvGraphicFramePr/>
           <p:nvPr/>
         </p:nvGraphicFramePr>
@@ -17005,7 +16871,7 @@
             <a:tbl>
               <a:tblPr>
                 <a:noFill/>
-                <a:tableStyleId>{BC79093B-5182-4AC6-8C14-E35AC44C80AB}</a:tableStyleId>
+                <a:tableStyleId>{7D85AF87-8CC0-4412-89FF-AE50CA9250A0}</a:tableStyleId>
               </a:tblPr>
               <a:tblGrid>
                 <a:gridCol w="1326175"/>
@@ -17335,12 +17201,12 @@
 </p:sld>
 </file>
 
-<file path=ppt/slides/slide13.xml><?xml version="1.0" encoding="utf-8"?>
+<file path=ppt/slides/slide12.xml><?xml version="1.0" encoding="utf-8"?>
 <p:sld xmlns:a="http://schemas.openxmlformats.org/drawingml/2006/main" xmlns:r="http://schemas.openxmlformats.org/officeDocument/2006/relationships" xmlns:mc="http://schemas.openxmlformats.org/markup-compatibility/2006" xmlns:mv="urn:schemas-microsoft-com:mac:vml" xmlns:p="http://schemas.openxmlformats.org/presentationml/2006/main" xmlns:c="http://schemas.openxmlformats.org/drawingml/2006/chart" xmlns:dgm="http://schemas.openxmlformats.org/drawingml/2006/diagram" xmlns:o="urn:schemas-microsoft-com:office:office" xmlns:v="urn:schemas-microsoft-com:vml" xmlns:pvml="urn:schemas-microsoft-com:office:powerpoint" xmlns:com="http://schemas.openxmlformats.org/drawingml/2006/compatibility" xmlns:p14="http://schemas.microsoft.com/office/powerpoint/2010/main" xmlns:p15="http://schemas.microsoft.com/office/powerpoint/2012/main" xmlns:ahyp="http://schemas.microsoft.com/office/drawing/2018/hyperlinkcolor">
   <p:cSld>
     <p:spTree>
       <p:nvGrpSpPr>
-        <p:cNvPr id="180" name="Shape 180"/>
+        <p:cNvPr id="208" name="Shape 208"/>
         <p:cNvGrpSpPr/>
         <p:nvPr/>
       </p:nvGrpSpPr>
@@ -17354,7 +17220,7 @@
       </p:grpSpPr>
       <p:sp>
         <p:nvSpPr>
-          <p:cNvPr id="181" name="Google Shape;181;p32"/>
+          <p:cNvPr id="209" name="Google Shape;209;p31"/>
           <p:cNvSpPr txBox="1"/>
           <p:nvPr>
             <p:ph type="title"/>
@@ -17386,11 +17252,7 @@
             </a:pPr>
             <a:r>
               <a:rPr lang="en"/>
-              <a:t>PCB/Power </a:t>
-            </a:r>
-            <a:r>
-              <a:rPr lang="en"/>
-              <a:t>Validation</a:t>
+              <a:t>PCB/Power Validation</a:t>
             </a:r>
             <a:endParaRPr/>
           </a:p>
@@ -17398,7 +17260,7 @@
       </p:sp>
       <p:sp>
         <p:nvSpPr>
-          <p:cNvPr id="182" name="Google Shape;182;p32"/>
+          <p:cNvPr id="210" name="Google Shape;210;p31"/>
           <p:cNvSpPr txBox="1"/>
           <p:nvPr>
             <p:ph idx="1" type="body"/>
@@ -17512,7 +17374,7 @@
       </p:sp>
       <p:graphicFrame>
         <p:nvGraphicFramePr>
-          <p:cNvPr id="183" name="Google Shape;183;p32"/>
+          <p:cNvPr id="211" name="Google Shape;211;p31"/>
           <p:cNvGraphicFramePr/>
           <p:nvPr/>
         </p:nvGraphicFramePr>
@@ -17525,7 +17387,7 @@
             <a:tbl>
               <a:tblPr>
                 <a:noFill/>
-                <a:tableStyleId>{BC79093B-5182-4AC6-8C14-E35AC44C80AB}</a:tableStyleId>
+                <a:tableStyleId>{7D85AF87-8CC0-4412-89FF-AE50CA9250A0}</a:tableStyleId>
               </a:tblPr>
               <a:tblGrid>
                 <a:gridCol w="2413000"/>
@@ -17822,7 +17684,7 @@
       </p:graphicFrame>
       <p:graphicFrame>
         <p:nvGraphicFramePr>
-          <p:cNvPr id="184" name="Google Shape;184;p32"/>
+          <p:cNvPr id="212" name="Google Shape;212;p31"/>
           <p:cNvGraphicFramePr/>
           <p:nvPr/>
         </p:nvGraphicFramePr>
@@ -17835,7 +17697,7 @@
             <a:tbl>
               <a:tblPr>
                 <a:noFill/>
-                <a:tableStyleId>{BC79093B-5182-4AC6-8C14-E35AC44C80AB}</a:tableStyleId>
+                <a:tableStyleId>{7D85AF87-8CC0-4412-89FF-AE50CA9250A0}</a:tableStyleId>
               </a:tblPr>
               <a:tblGrid>
                 <a:gridCol w="2413000"/>
@@ -18067,12 +17929,12 @@
 </p:sld>
 </file>
 
-<file path=ppt/slides/slide14.xml><?xml version="1.0" encoding="utf-8"?>
+<file path=ppt/slides/slide13.xml><?xml version="1.0" encoding="utf-8"?>
 <p:sld xmlns:a="http://schemas.openxmlformats.org/drawingml/2006/main" xmlns:r="http://schemas.openxmlformats.org/officeDocument/2006/relationships" xmlns:mc="http://schemas.openxmlformats.org/markup-compatibility/2006" xmlns:mv="urn:schemas-microsoft-com:mac:vml" xmlns:p="http://schemas.openxmlformats.org/presentationml/2006/main" xmlns:c="http://schemas.openxmlformats.org/drawingml/2006/chart" xmlns:dgm="http://schemas.openxmlformats.org/drawingml/2006/diagram" xmlns:o="urn:schemas-microsoft-com:office:office" xmlns:v="urn:schemas-microsoft-com:vml" xmlns:pvml="urn:schemas-microsoft-com:office:powerpoint" xmlns:com="http://schemas.openxmlformats.org/drawingml/2006/compatibility" xmlns:p14="http://schemas.microsoft.com/office/powerpoint/2010/main" xmlns:p15="http://schemas.microsoft.com/office/powerpoint/2012/main" xmlns:ahyp="http://schemas.microsoft.com/office/drawing/2018/hyperlinkcolor">
   <p:cSld>
     <p:spTree>
       <p:nvGrpSpPr>
-        <p:cNvPr id="189" name="Shape 189"/>
+        <p:cNvPr id="217" name="Shape 217"/>
         <p:cNvGrpSpPr/>
         <p:nvPr/>
       </p:nvGrpSpPr>
@@ -18086,7 +17948,7 @@
       </p:grpSpPr>
       <p:sp>
         <p:nvSpPr>
-          <p:cNvPr id="190" name="Google Shape;190;p33"/>
+          <p:cNvPr id="218" name="Google Shape;218;p32"/>
           <p:cNvSpPr txBox="1"/>
           <p:nvPr>
             <p:ph type="title"/>
@@ -18131,7 +17993,7 @@
       </p:sp>
       <p:sp>
         <p:nvSpPr>
-          <p:cNvPr id="191" name="Google Shape;191;p33"/>
+          <p:cNvPr id="219" name="Google Shape;219;p32"/>
           <p:cNvSpPr txBox="1"/>
           <p:nvPr>
             <p:ph idx="1" type="body"/>
@@ -18163,11 +18025,7 @@
             </a:pPr>
             <a:r>
               <a:rPr b="1" lang="en" sz="1700" u="sng"/>
-              <a:t>Price and Size Analysis</a:t>
-            </a:r>
-            <a:r>
-              <a:rPr b="1" lang="en" sz="1700" u="sng"/>
-              <a:t>:</a:t>
+              <a:t>Price and Size Analysis:</a:t>
             </a:r>
             <a:endParaRPr b="1" sz="1700" u="sng"/>
           </a:p>
@@ -18277,7 +18135,7 @@
       </p:sp>
       <p:pic>
         <p:nvPicPr>
-          <p:cNvPr id="192" name="Google Shape;192;p33"/>
+          <p:cNvPr id="220" name="Google Shape;220;p32"/>
           <p:cNvPicPr preferRelativeResize="0"/>
           <p:nvPr/>
         </p:nvPicPr>
@@ -18305,7 +18163,7 @@
       </p:pic>
       <p:pic>
         <p:nvPicPr>
-          <p:cNvPr id="193" name="Google Shape;193;p33"/>
+          <p:cNvPr id="221" name="Google Shape;221;p32"/>
           <p:cNvPicPr preferRelativeResize="0"/>
           <p:nvPr/>
         </p:nvPicPr>
@@ -18333,7 +18191,7 @@
       </p:pic>
       <p:pic>
         <p:nvPicPr>
-          <p:cNvPr id="194" name="Google Shape;194;p33"/>
+          <p:cNvPr id="222" name="Google Shape;222;p32"/>
           <p:cNvPicPr preferRelativeResize="0"/>
           <p:nvPr/>
         </p:nvPicPr>
@@ -18367,12 +18225,12 @@
 </p:sld>
 </file>
 
-<file path=ppt/slides/slide15.xml><?xml version="1.0" encoding="utf-8"?>
+<file path=ppt/slides/slide14.xml><?xml version="1.0" encoding="utf-8"?>
 <p:sld xmlns:a="http://schemas.openxmlformats.org/drawingml/2006/main" xmlns:r="http://schemas.openxmlformats.org/officeDocument/2006/relationships" xmlns:mc="http://schemas.openxmlformats.org/markup-compatibility/2006" xmlns:mv="urn:schemas-microsoft-com:mac:vml" xmlns:p="http://schemas.openxmlformats.org/presentationml/2006/main" xmlns:c="http://schemas.openxmlformats.org/drawingml/2006/chart" xmlns:dgm="http://schemas.openxmlformats.org/drawingml/2006/diagram" xmlns:o="urn:schemas-microsoft-com:office:office" xmlns:v="urn:schemas-microsoft-com:vml" xmlns:pvml="urn:schemas-microsoft-com:office:powerpoint" xmlns:com="http://schemas.openxmlformats.org/drawingml/2006/compatibility" xmlns:p14="http://schemas.microsoft.com/office/powerpoint/2010/main" xmlns:p15="http://schemas.microsoft.com/office/powerpoint/2012/main" xmlns:ahyp="http://schemas.microsoft.com/office/drawing/2018/hyperlinkcolor">
   <p:cSld>
     <p:spTree>
       <p:nvGrpSpPr>
-        <p:cNvPr id="198" name="Shape 198"/>
+        <p:cNvPr id="226" name="Shape 226"/>
         <p:cNvGrpSpPr/>
         <p:nvPr/>
       </p:nvGrpSpPr>
@@ -18386,7 +18244,7 @@
       </p:grpSpPr>
       <p:sp>
         <p:nvSpPr>
-          <p:cNvPr id="199" name="Google Shape;199;p34"/>
+          <p:cNvPr id="227" name="Google Shape;227;p33"/>
           <p:cNvSpPr txBox="1"/>
           <p:nvPr>
             <p:ph type="title"/>
@@ -18418,7 +18276,7 @@
             </a:pPr>
             <a:r>
               <a:rPr lang="en"/>
-              <a:t>Overall Validation Plan</a:t>
+              <a:t>ECEN 215 Lab Kit</a:t>
             </a:r>
             <a:endParaRPr/>
           </a:p>
@@ -18426,7 +18284,7 @@
       </p:sp>
       <p:sp>
         <p:nvSpPr>
-          <p:cNvPr id="200" name="Google Shape;200;p34"/>
+          <p:cNvPr id="228" name="Google Shape;228;p33"/>
           <p:cNvSpPr txBox="1"/>
           <p:nvPr>
             <p:ph idx="1" type="body"/>
@@ -18465,12 +18323,14 @@
       </p:sp>
       <p:pic>
         <p:nvPicPr>
-          <p:cNvPr id="201" name="Google Shape;201;p34"/>
+          <p:cNvPr id="229" name="Google Shape;229;p33" title="Labkit_look.mp4">
+            <a:hlinkClick r:id="rId3"/>
+          </p:cNvPr>
           <p:cNvPicPr preferRelativeResize="0"/>
           <p:nvPr/>
         </p:nvPicPr>
         <p:blipFill>
-          <a:blip r:embed="rId3">
+          <a:blip r:embed="rId4">
             <a:alphaModFix/>
           </a:blip>
           <a:stretch>
@@ -18479,8 +18339,38 @@
         </p:blipFill>
         <p:spPr>
           <a:xfrm>
-            <a:off x="1081240" y="1852875"/>
-            <a:ext cx="6981511" cy="4843151"/>
+            <a:off x="794375" y="1905150"/>
+            <a:ext cx="2605800" cy="4632552"/>
+          </a:xfrm>
+          <a:prstGeom prst="rect">
+            <a:avLst/>
+          </a:prstGeom>
+          <a:noFill/>
+          <a:ln>
+            <a:noFill/>
+          </a:ln>
+        </p:spPr>
+      </p:pic>
+      <p:pic>
+        <p:nvPicPr>
+          <p:cNvPr id="230" name="Google Shape;230;p33" title="Lab_Kit_and_App.mp4">
+            <a:hlinkClick r:id="rId5"/>
+          </p:cNvPr>
+          <p:cNvPicPr preferRelativeResize="0"/>
+          <p:nvPr/>
+        </p:nvPicPr>
+        <p:blipFill>
+          <a:blip r:embed="rId6">
+            <a:alphaModFix/>
+          </a:blip>
+          <a:stretch>
+            <a:fillRect/>
+          </a:stretch>
+        </p:blipFill>
+        <p:spPr>
+          <a:xfrm>
+            <a:off x="4954125" y="1905150"/>
+            <a:ext cx="2605800" cy="4632547"/>
           </a:xfrm>
           <a:prstGeom prst="rect">
             <a:avLst/>
@@ -18496,15 +18386,151 @@
   <p:clrMapOvr>
     <a:masterClrMapping/>
   </p:clrMapOvr>
+  <p:timing>
+    <p:tnLst>
+      <p:par>
+        <p:cTn dur="indefinite" nodeType="tmRoot" restart="never">
+          <p:childTnLst>
+            <p:seq concurrent="1" nextAc="seek">
+              <p:cTn dur="indefinite" id="2" nodeType="mainSeq">
+                <p:childTnLst>
+                  <p:par>
+                    <p:cTn fill="hold">
+                      <p:stCondLst>
+                        <p:cond delay="indefinite"/>
+                      </p:stCondLst>
+                      <p:childTnLst>
+                        <p:par>
+                          <p:cTn fill="hold">
+                            <p:stCondLst>
+                              <p:cond delay="0"/>
+                            </p:stCondLst>
+                            <p:childTnLst>
+                              <p:par>
+                                <p:cTn fill="hold" nodeType="clickEffect" presetClass="entr" presetID="10" presetSubtype="0">
+                                  <p:stCondLst>
+                                    <p:cond delay="0"/>
+                                  </p:stCondLst>
+                                  <p:childTnLst>
+                                    <p:set>
+                                      <p:cBhvr>
+                                        <p:cTn dur="1" fill="hold">
+                                          <p:stCondLst>
+                                            <p:cond delay="0"/>
+                                          </p:stCondLst>
+                                        </p:cTn>
+                                        <p:tgtEl>
+                                          <p:spTgt spid="229"/>
+                                        </p:tgtEl>
+                                        <p:attrNameLst>
+                                          <p:attrName>style.visibility</p:attrName>
+                                        </p:attrNameLst>
+                                      </p:cBhvr>
+                                      <p:to>
+                                        <p:strVal val="visible"/>
+                                      </p:to>
+                                    </p:set>
+                                    <p:animEffect filter="fade" transition="in">
+                                      <p:cBhvr>
+                                        <p:cTn dur="1000"/>
+                                        <p:tgtEl>
+                                          <p:spTgt spid="229"/>
+                                        </p:tgtEl>
+                                      </p:cBhvr>
+                                    </p:animEffect>
+                                  </p:childTnLst>
+                                </p:cTn>
+                              </p:par>
+                            </p:childTnLst>
+                          </p:cTn>
+                        </p:par>
+                      </p:childTnLst>
+                    </p:cTn>
+                  </p:par>
+                  <p:par>
+                    <p:cTn fill="hold">
+                      <p:stCondLst>
+                        <p:cond delay="indefinite"/>
+                      </p:stCondLst>
+                      <p:childTnLst>
+                        <p:par>
+                          <p:cTn fill="hold">
+                            <p:stCondLst>
+                              <p:cond delay="0"/>
+                            </p:stCondLst>
+                            <p:childTnLst>
+                              <p:par>
+                                <p:cTn fill="hold" nodeType="clickEffect" presetClass="entr" presetID="10" presetSubtype="0">
+                                  <p:stCondLst>
+                                    <p:cond delay="0"/>
+                                  </p:stCondLst>
+                                  <p:childTnLst>
+                                    <p:set>
+                                      <p:cBhvr>
+                                        <p:cTn dur="1" fill="hold">
+                                          <p:stCondLst>
+                                            <p:cond delay="0"/>
+                                          </p:stCondLst>
+                                        </p:cTn>
+                                        <p:tgtEl>
+                                          <p:spTgt spid="230"/>
+                                        </p:tgtEl>
+                                        <p:attrNameLst>
+                                          <p:attrName>style.visibility</p:attrName>
+                                        </p:attrNameLst>
+                                      </p:cBhvr>
+                                      <p:to>
+                                        <p:strVal val="visible"/>
+                                      </p:to>
+                                    </p:set>
+                                    <p:animEffect filter="fade" transition="in">
+                                      <p:cBhvr>
+                                        <p:cTn dur="1000"/>
+                                        <p:tgtEl>
+                                          <p:spTgt spid="230"/>
+                                        </p:tgtEl>
+                                      </p:cBhvr>
+                                    </p:animEffect>
+                                  </p:childTnLst>
+                                </p:cTn>
+                              </p:par>
+                            </p:childTnLst>
+                          </p:cTn>
+                        </p:par>
+                      </p:childTnLst>
+                    </p:cTn>
+                  </p:par>
+                </p:childTnLst>
+              </p:cTn>
+              <p:prevCondLst>
+                <p:cond evt="onPrev">
+                  <p:tgtEl>
+                    <p:sldTgt/>
+                  </p:tgtEl>
+                </p:cond>
+              </p:prevCondLst>
+              <p:nextCondLst>
+                <p:cond evt="onNext">
+                  <p:tgtEl>
+                    <p:sldTgt/>
+                  </p:tgtEl>
+                </p:cond>
+              </p:nextCondLst>
+            </p:seq>
+          </p:childTnLst>
+        </p:cTn>
+      </p:par>
+    </p:tnLst>
+  </p:timing>
 </p:sld>
 </file>
 
-<file path=ppt/slides/slide16.xml><?xml version="1.0" encoding="utf-8"?>
+<file path=ppt/slides/slide15.xml><?xml version="1.0" encoding="utf-8"?>
 <p:sld xmlns:a="http://schemas.openxmlformats.org/drawingml/2006/main" xmlns:r="http://schemas.openxmlformats.org/officeDocument/2006/relationships" xmlns:mc="http://schemas.openxmlformats.org/markup-compatibility/2006" xmlns:mv="urn:schemas-microsoft-com:mac:vml" xmlns:p="http://schemas.openxmlformats.org/presentationml/2006/main" xmlns:c="http://schemas.openxmlformats.org/drawingml/2006/chart" xmlns:dgm="http://schemas.openxmlformats.org/drawingml/2006/diagram" xmlns:o="urn:schemas-microsoft-com:office:office" xmlns:v="urn:schemas-microsoft-com:vml" xmlns:pvml="urn:schemas-microsoft-com:office:powerpoint" xmlns:com="http://schemas.openxmlformats.org/drawingml/2006/compatibility" xmlns:p14="http://schemas.microsoft.com/office/powerpoint/2010/main" xmlns:p15="http://schemas.microsoft.com/office/powerpoint/2012/main" xmlns:ahyp="http://schemas.microsoft.com/office/drawing/2018/hyperlinkcolor">
   <p:cSld>
     <p:spTree>
       <p:nvGrpSpPr>
-        <p:cNvPr id="205" name="Shape 205"/>
+        <p:cNvPr id="234" name="Shape 234"/>
         <p:cNvGrpSpPr/>
         <p:nvPr/>
       </p:nvGrpSpPr>
@@ -18518,7 +18544,7 @@
       </p:grpSpPr>
       <p:sp>
         <p:nvSpPr>
-          <p:cNvPr id="206" name="Google Shape;206;p35"/>
+          <p:cNvPr id="235" name="Google Shape;235;p34"/>
           <p:cNvSpPr txBox="1"/>
           <p:nvPr>
             <p:ph type="title"/>
@@ -18535,7 +18561,7 @@
         </p:spPr>
         <p:txBody>
           <a:bodyPr anchorCtr="0" anchor="ctr" bIns="45700" lIns="91425" spcFirstLastPara="1" rIns="91425" wrap="square" tIns="45700">
-            <a:normAutofit/>
+            <a:normAutofit fontScale="90000"/>
           </a:bodyPr>
           <a:lstStyle/>
           <a:p>
@@ -18550,7 +18576,23 @@
             </a:pPr>
             <a:r>
               <a:rPr lang="en"/>
-              <a:t>Overall Validation Plan Cont.</a:t>
+              <a:t>Multimeter:</a:t>
+            </a:r>
+            <a:endParaRPr/>
+          </a:p>
+          <a:p>
+            <a:pPr indent="0" lvl="0" marL="0" rtl="0" algn="ctr">
+              <a:spcBef>
+                <a:spcPts val="0"/>
+              </a:spcBef>
+              <a:spcAft>
+                <a:spcPts val="0"/>
+              </a:spcAft>
+              <a:buNone/>
+            </a:pPr>
+            <a:r>
+              <a:rPr lang="en"/>
+              <a:t>Ammeter and Ohmmeter</a:t>
             </a:r>
             <a:endParaRPr/>
           </a:p>
@@ -18558,7 +18600,7 @@
       </p:sp>
       <p:sp>
         <p:nvSpPr>
-          <p:cNvPr id="207" name="Google Shape;207;p35"/>
+          <p:cNvPr id="236" name="Google Shape;236;p34"/>
           <p:cNvSpPr txBox="1"/>
           <p:nvPr>
             <p:ph idx="1" type="body"/>
@@ -18597,12 +18639,14 @@
       </p:sp>
       <p:pic>
         <p:nvPicPr>
-          <p:cNvPr id="208" name="Google Shape;208;p35"/>
+          <p:cNvPr id="237" name="Google Shape;237;p34" title="Ammeter.mp4">
+            <a:hlinkClick r:id="rId3"/>
+          </p:cNvPr>
           <p:cNvPicPr preferRelativeResize="0"/>
           <p:nvPr/>
         </p:nvPicPr>
         <p:blipFill>
-          <a:blip r:embed="rId3">
+          <a:blip r:embed="rId4">
             <a:alphaModFix/>
           </a:blip>
           <a:stretch>
@@ -18611,8 +18655,324 @@
         </p:blipFill>
         <p:spPr>
           <a:xfrm>
-            <a:off x="1089388" y="1852876"/>
-            <a:ext cx="6965227" cy="4859725"/>
+            <a:off x="1323625" y="2100075"/>
+            <a:ext cx="2511189" cy="4464326"/>
+          </a:xfrm>
+          <a:prstGeom prst="rect">
+            <a:avLst/>
+          </a:prstGeom>
+          <a:noFill/>
+          <a:ln>
+            <a:noFill/>
+          </a:ln>
+        </p:spPr>
+      </p:pic>
+      <p:pic>
+        <p:nvPicPr>
+          <p:cNvPr id="238" name="Google Shape;238;p34" title="Voltmeter2.mp4">
+            <a:hlinkClick r:id="rId5"/>
+          </p:cNvPr>
+          <p:cNvPicPr preferRelativeResize="0"/>
+          <p:nvPr/>
+        </p:nvPicPr>
+        <p:blipFill>
+          <a:blip r:embed="rId6">
+            <a:alphaModFix/>
+          </a:blip>
+          <a:stretch>
+            <a:fillRect/>
+          </a:stretch>
+        </p:blipFill>
+        <p:spPr>
+          <a:xfrm>
+            <a:off x="5180196" y="2049275"/>
+            <a:ext cx="2568351" cy="4565923"/>
+          </a:xfrm>
+          <a:prstGeom prst="rect">
+            <a:avLst/>
+          </a:prstGeom>
+          <a:noFill/>
+          <a:ln>
+            <a:noFill/>
+          </a:ln>
+        </p:spPr>
+      </p:pic>
+    </p:spTree>
+  </p:cSld>
+  <p:clrMapOvr>
+    <a:masterClrMapping/>
+  </p:clrMapOvr>
+  <p:timing>
+    <p:tnLst>
+      <p:par>
+        <p:cTn dur="indefinite" nodeType="tmRoot" restart="never">
+          <p:childTnLst>
+            <p:seq concurrent="1" nextAc="seek">
+              <p:cTn dur="indefinite" id="2" nodeType="mainSeq">
+                <p:childTnLst>
+                  <p:par>
+                    <p:cTn fill="hold">
+                      <p:stCondLst>
+                        <p:cond delay="indefinite"/>
+                      </p:stCondLst>
+                      <p:childTnLst>
+                        <p:par>
+                          <p:cTn fill="hold">
+                            <p:stCondLst>
+                              <p:cond delay="0"/>
+                            </p:stCondLst>
+                            <p:childTnLst>
+                              <p:par>
+                                <p:cTn fill="hold" nodeType="clickEffect" presetClass="entr" presetID="10" presetSubtype="0">
+                                  <p:stCondLst>
+                                    <p:cond delay="0"/>
+                                  </p:stCondLst>
+                                  <p:childTnLst>
+                                    <p:set>
+                                      <p:cBhvr>
+                                        <p:cTn dur="1" fill="hold">
+                                          <p:stCondLst>
+                                            <p:cond delay="0"/>
+                                          </p:stCondLst>
+                                        </p:cTn>
+                                        <p:tgtEl>
+                                          <p:spTgt spid="237"/>
+                                        </p:tgtEl>
+                                        <p:attrNameLst>
+                                          <p:attrName>style.visibility</p:attrName>
+                                        </p:attrNameLst>
+                                      </p:cBhvr>
+                                      <p:to>
+                                        <p:strVal val="visible"/>
+                                      </p:to>
+                                    </p:set>
+                                    <p:animEffect filter="fade" transition="in">
+                                      <p:cBhvr>
+                                        <p:cTn dur="1000"/>
+                                        <p:tgtEl>
+                                          <p:spTgt spid="237"/>
+                                        </p:tgtEl>
+                                      </p:cBhvr>
+                                    </p:animEffect>
+                                  </p:childTnLst>
+                                </p:cTn>
+                              </p:par>
+                            </p:childTnLst>
+                          </p:cTn>
+                        </p:par>
+                      </p:childTnLst>
+                    </p:cTn>
+                  </p:par>
+                  <p:par>
+                    <p:cTn fill="hold">
+                      <p:stCondLst>
+                        <p:cond delay="indefinite"/>
+                      </p:stCondLst>
+                      <p:childTnLst>
+                        <p:par>
+                          <p:cTn fill="hold">
+                            <p:stCondLst>
+                              <p:cond delay="0"/>
+                            </p:stCondLst>
+                            <p:childTnLst>
+                              <p:par>
+                                <p:cTn fill="hold" nodeType="clickEffect" presetClass="entr" presetID="10" presetSubtype="0">
+                                  <p:stCondLst>
+                                    <p:cond delay="0"/>
+                                  </p:stCondLst>
+                                  <p:childTnLst>
+                                    <p:set>
+                                      <p:cBhvr>
+                                        <p:cTn dur="1" fill="hold">
+                                          <p:stCondLst>
+                                            <p:cond delay="0"/>
+                                          </p:stCondLst>
+                                        </p:cTn>
+                                        <p:tgtEl>
+                                          <p:spTgt spid="238"/>
+                                        </p:tgtEl>
+                                        <p:attrNameLst>
+                                          <p:attrName>style.visibility</p:attrName>
+                                        </p:attrNameLst>
+                                      </p:cBhvr>
+                                      <p:to>
+                                        <p:strVal val="visible"/>
+                                      </p:to>
+                                    </p:set>
+                                    <p:animEffect filter="fade" transition="in">
+                                      <p:cBhvr>
+                                        <p:cTn dur="1000"/>
+                                        <p:tgtEl>
+                                          <p:spTgt spid="238"/>
+                                        </p:tgtEl>
+                                      </p:cBhvr>
+                                    </p:animEffect>
+                                  </p:childTnLst>
+                                </p:cTn>
+                              </p:par>
+                            </p:childTnLst>
+                          </p:cTn>
+                        </p:par>
+                      </p:childTnLst>
+                    </p:cTn>
+                  </p:par>
+                </p:childTnLst>
+              </p:cTn>
+              <p:prevCondLst>
+                <p:cond evt="onPrev">
+                  <p:tgtEl>
+                    <p:sldTgt/>
+                  </p:tgtEl>
+                </p:cond>
+              </p:prevCondLst>
+              <p:nextCondLst>
+                <p:cond evt="onNext">
+                  <p:tgtEl>
+                    <p:sldTgt/>
+                  </p:tgtEl>
+                </p:cond>
+              </p:nextCondLst>
+            </p:seq>
+          </p:childTnLst>
+        </p:cTn>
+      </p:par>
+    </p:tnLst>
+  </p:timing>
+</p:sld>
+</file>
+
+<file path=ppt/slides/slide16.xml><?xml version="1.0" encoding="utf-8"?>
+<p:sld xmlns:a="http://schemas.openxmlformats.org/drawingml/2006/main" xmlns:r="http://schemas.openxmlformats.org/officeDocument/2006/relationships" xmlns:mc="http://schemas.openxmlformats.org/markup-compatibility/2006" xmlns:mv="urn:schemas-microsoft-com:mac:vml" xmlns:p="http://schemas.openxmlformats.org/presentationml/2006/main" xmlns:c="http://schemas.openxmlformats.org/drawingml/2006/chart" xmlns:dgm="http://schemas.openxmlformats.org/drawingml/2006/diagram" xmlns:o="urn:schemas-microsoft-com:office:office" xmlns:v="urn:schemas-microsoft-com:vml" xmlns:pvml="urn:schemas-microsoft-com:office:powerpoint" xmlns:com="http://schemas.openxmlformats.org/drawingml/2006/compatibility" xmlns:p14="http://schemas.microsoft.com/office/powerpoint/2010/main" xmlns:p15="http://schemas.microsoft.com/office/powerpoint/2012/main" xmlns:ahyp="http://schemas.microsoft.com/office/drawing/2018/hyperlinkcolor">
+  <p:cSld>
+    <p:spTree>
+      <p:nvGrpSpPr>
+        <p:cNvPr id="242" name="Shape 242"/>
+        <p:cNvGrpSpPr/>
+        <p:nvPr/>
+      </p:nvGrpSpPr>
+      <p:grpSpPr>
+        <a:xfrm>
+          <a:off x="0" y="0"/>
+          <a:ext cx="0" cy="0"/>
+          <a:chOff x="0" y="0"/>
+          <a:chExt cx="0" cy="0"/>
+        </a:xfrm>
+      </p:grpSpPr>
+      <p:sp>
+        <p:nvSpPr>
+          <p:cNvPr id="243" name="Google Shape;243;p35"/>
+          <p:cNvSpPr txBox="1"/>
+          <p:nvPr>
+            <p:ph type="title"/>
+          </p:nvPr>
+        </p:nvSpPr>
+        <p:spPr>
+          <a:xfrm>
+            <a:off x="457200" y="1049177"/>
+            <a:ext cx="8229600" cy="803700"/>
+          </a:xfrm>
+          <a:prstGeom prst="rect">
+            <a:avLst/>
+          </a:prstGeom>
+        </p:spPr>
+        <p:txBody>
+          <a:bodyPr anchorCtr="0" anchor="ctr" bIns="45700" lIns="91425" spcFirstLastPara="1" rIns="91425" wrap="square" tIns="45700">
+            <a:normAutofit fontScale="90000"/>
+          </a:bodyPr>
+          <a:lstStyle/>
+          <a:p>
+            <a:pPr indent="0" lvl="0" marL="0" rtl="0" algn="ctr">
+              <a:spcBef>
+                <a:spcPts val="0"/>
+              </a:spcBef>
+              <a:spcAft>
+                <a:spcPts val="0"/>
+              </a:spcAft>
+              <a:buNone/>
+            </a:pPr>
+            <a:r>
+              <a:rPr lang="en"/>
+              <a:t>Multimeter:</a:t>
+            </a:r>
+            <a:endParaRPr/>
+          </a:p>
+          <a:p>
+            <a:pPr indent="0" lvl="0" marL="0" rtl="0" algn="ctr">
+              <a:spcBef>
+                <a:spcPts val="0"/>
+              </a:spcBef>
+              <a:spcAft>
+                <a:spcPts val="0"/>
+              </a:spcAft>
+              <a:buNone/>
+            </a:pPr>
+            <a:r>
+              <a:rPr lang="en"/>
+              <a:t>Ohmmeter</a:t>
+            </a:r>
+            <a:endParaRPr/>
+          </a:p>
+        </p:txBody>
+      </p:sp>
+      <p:sp>
+        <p:nvSpPr>
+          <p:cNvPr id="244" name="Google Shape;244;p35"/>
+          <p:cNvSpPr txBox="1"/>
+          <p:nvPr>
+            <p:ph idx="1" type="body"/>
+          </p:nvPr>
+        </p:nvSpPr>
+        <p:spPr>
+          <a:xfrm>
+            <a:off x="457200" y="2049270"/>
+            <a:ext cx="8229600" cy="4077300"/>
+          </a:xfrm>
+          <a:prstGeom prst="rect">
+            <a:avLst/>
+          </a:prstGeom>
+        </p:spPr>
+        <p:txBody>
+          <a:bodyPr anchorCtr="0" anchor="t" bIns="45700" lIns="91425" spcFirstLastPara="1" rIns="91425" wrap="square" tIns="45700">
+            <a:normAutofit/>
+          </a:bodyPr>
+          <a:lstStyle/>
+          <a:p>
+            <a:pPr indent="0" lvl="0" marL="0" rtl="0" algn="l">
+              <a:spcBef>
+                <a:spcPts val="360"/>
+              </a:spcBef>
+              <a:spcAft>
+                <a:spcPts val="0"/>
+              </a:spcAft>
+              <a:buNone/>
+            </a:pPr>
+            <a:r>
+              <a:t/>
+            </a:r>
+            <a:endParaRPr/>
+          </a:p>
+        </p:txBody>
+      </p:sp>
+      <p:pic>
+        <p:nvPicPr>
+          <p:cNvPr id="245" name="Google Shape;245;p35" title="Copy of Ohmmeter.MOV">
+            <a:hlinkClick r:id="rId3"/>
+          </p:cNvPr>
+          <p:cNvPicPr preferRelativeResize="0"/>
+          <p:nvPr/>
+        </p:nvPicPr>
+        <p:blipFill>
+          <a:blip r:embed="rId4">
+            <a:alphaModFix/>
+          </a:blip>
+          <a:stretch>
+            <a:fillRect/>
+          </a:stretch>
+        </p:blipFill>
+        <p:spPr>
+          <a:xfrm>
+            <a:off x="1906850" y="2588775"/>
+            <a:ext cx="5330299" cy="2998299"/>
           </a:xfrm>
           <a:prstGeom prst="rect">
             <a:avLst/>
@@ -18636,7 +18996,7 @@
   <p:cSld>
     <p:spTree>
       <p:nvGrpSpPr>
-        <p:cNvPr id="212" name="Shape 212"/>
+        <p:cNvPr id="249" name="Shape 249"/>
         <p:cNvGrpSpPr/>
         <p:nvPr/>
       </p:nvGrpSpPr>
@@ -18650,7 +19010,7 @@
       </p:grpSpPr>
       <p:sp>
         <p:nvSpPr>
-          <p:cNvPr id="213" name="Google Shape;213;p36"/>
+          <p:cNvPr id="250" name="Google Shape;250;p36"/>
           <p:cNvSpPr txBox="1"/>
           <p:nvPr>
             <p:ph type="title"/>
@@ -18667,7 +19027,7 @@
         </p:spPr>
         <p:txBody>
           <a:bodyPr anchorCtr="0" anchor="ctr" bIns="45700" lIns="91425" spcFirstLastPara="1" rIns="91425" wrap="square" tIns="45700">
-            <a:normAutofit/>
+            <a:normAutofit fontScale="90000"/>
           </a:bodyPr>
           <a:lstStyle/>
           <a:p>
@@ -18682,7 +19042,14 @@
             </a:pPr>
             <a:r>
               <a:rPr lang="en"/>
-              <a:t>Overall Validation Plan Cont.</a:t>
+              <a:t>Oscilloscope:</a:t>
+            </a:r>
+            <a:br>
+              <a:rPr lang="en"/>
+            </a:br>
+            <a:r>
+              <a:rPr lang="en"/>
+              <a:t>Sine, Square, and Triangle</a:t>
             </a:r>
             <a:endParaRPr/>
           </a:p>
@@ -18690,7 +19057,7 @@
       </p:sp>
       <p:sp>
         <p:nvSpPr>
-          <p:cNvPr id="214" name="Google Shape;214;p36"/>
+          <p:cNvPr id="251" name="Google Shape;251;p36"/>
           <p:cNvSpPr txBox="1"/>
           <p:nvPr>
             <p:ph idx="1" type="body"/>
@@ -18729,12 +19096,14 @@
       </p:sp>
       <p:pic>
         <p:nvPicPr>
-          <p:cNvPr id="215" name="Google Shape;215;p36"/>
+          <p:cNvPr descr="Sine" id="252" name="Google Shape;252;p36" title="Sine.MOV">
+            <a:hlinkClick r:id="rId3"/>
+          </p:cNvPr>
           <p:cNvPicPr preferRelativeResize="0"/>
           <p:nvPr/>
         </p:nvPicPr>
         <p:blipFill>
-          <a:blip r:embed="rId3">
+          <a:blip r:embed="rId4">
             <a:alphaModFix/>
           </a:blip>
           <a:stretch>
@@ -18743,8 +19112,68 @@
         </p:blipFill>
         <p:spPr>
           <a:xfrm>
-            <a:off x="228600" y="2392725"/>
-            <a:ext cx="8686802" cy="3390408"/>
+            <a:off x="145725" y="2538725"/>
+            <a:ext cx="2969074" cy="2226812"/>
+          </a:xfrm>
+          <a:prstGeom prst="rect">
+            <a:avLst/>
+          </a:prstGeom>
+          <a:noFill/>
+          <a:ln>
+            <a:noFill/>
+          </a:ln>
+        </p:spPr>
+      </p:pic>
+      <p:pic>
+        <p:nvPicPr>
+          <p:cNvPr id="253" name="Google Shape;253;p36" title="square.MOV">
+            <a:hlinkClick r:id="rId5"/>
+          </p:cNvPr>
+          <p:cNvPicPr preferRelativeResize="0"/>
+          <p:nvPr/>
+        </p:nvPicPr>
+        <p:blipFill>
+          <a:blip r:embed="rId6">
+            <a:alphaModFix/>
+          </a:blip>
+          <a:stretch>
+            <a:fillRect/>
+          </a:stretch>
+        </p:blipFill>
+        <p:spPr>
+          <a:xfrm>
+            <a:off x="3497313" y="2560975"/>
+            <a:ext cx="2969078" cy="2226802"/>
+          </a:xfrm>
+          <a:prstGeom prst="rect">
+            <a:avLst/>
+          </a:prstGeom>
+          <a:noFill/>
+          <a:ln>
+            <a:noFill/>
+          </a:ln>
+        </p:spPr>
+      </p:pic>
+      <p:pic>
+        <p:nvPicPr>
+          <p:cNvPr id="254" name="Google Shape;254;p36" title="triangle.MOV">
+            <a:hlinkClick r:id="rId7"/>
+          </p:cNvPr>
+          <p:cNvPicPr preferRelativeResize="0"/>
+          <p:nvPr/>
+        </p:nvPicPr>
+        <p:blipFill>
+          <a:blip r:embed="rId8">
+            <a:alphaModFix/>
+          </a:blip>
+          <a:stretch>
+            <a:fillRect/>
+          </a:stretch>
+        </p:blipFill>
+        <p:spPr>
+          <a:xfrm>
+            <a:off x="6994649" y="2516463"/>
+            <a:ext cx="1703498" cy="2271326"/>
           </a:xfrm>
           <a:prstGeom prst="rect">
             <a:avLst/>
@@ -18760,6 +19189,195 @@
   <p:clrMapOvr>
     <a:masterClrMapping/>
   </p:clrMapOvr>
+  <p:timing>
+    <p:tnLst>
+      <p:par>
+        <p:cTn dur="indefinite" nodeType="tmRoot" restart="never">
+          <p:childTnLst>
+            <p:seq concurrent="1" nextAc="seek">
+              <p:cTn dur="indefinite" id="2" nodeType="mainSeq">
+                <p:childTnLst>
+                  <p:par>
+                    <p:cTn fill="hold">
+                      <p:stCondLst>
+                        <p:cond delay="indefinite"/>
+                      </p:stCondLst>
+                      <p:childTnLst>
+                        <p:par>
+                          <p:cTn fill="hold">
+                            <p:stCondLst>
+                              <p:cond delay="0"/>
+                            </p:stCondLst>
+                            <p:childTnLst>
+                              <p:par>
+                                <p:cTn fill="hold" nodeType="clickEffect" presetClass="entr" presetID="10" presetSubtype="0">
+                                  <p:stCondLst>
+                                    <p:cond delay="0"/>
+                                  </p:stCondLst>
+                                  <p:childTnLst>
+                                    <p:set>
+                                      <p:cBhvr>
+                                        <p:cTn dur="1" fill="hold">
+                                          <p:stCondLst>
+                                            <p:cond delay="0"/>
+                                          </p:stCondLst>
+                                        </p:cTn>
+                                        <p:tgtEl>
+                                          <p:spTgt spid="252"/>
+                                        </p:tgtEl>
+                                        <p:attrNameLst>
+                                          <p:attrName>style.visibility</p:attrName>
+                                        </p:attrNameLst>
+                                      </p:cBhvr>
+                                      <p:to>
+                                        <p:strVal val="visible"/>
+                                      </p:to>
+                                    </p:set>
+                                    <p:animEffect filter="fade" transition="in">
+                                      <p:cBhvr>
+                                        <p:cTn dur="1000"/>
+                                        <p:tgtEl>
+                                          <p:spTgt spid="252"/>
+                                        </p:tgtEl>
+                                      </p:cBhvr>
+                                    </p:animEffect>
+                                  </p:childTnLst>
+                                </p:cTn>
+                              </p:par>
+                            </p:childTnLst>
+                          </p:cTn>
+                        </p:par>
+                      </p:childTnLst>
+                    </p:cTn>
+                  </p:par>
+                  <p:par>
+                    <p:cTn fill="hold">
+                      <p:stCondLst>
+                        <p:cond delay="indefinite"/>
+                      </p:stCondLst>
+                      <p:childTnLst>
+                        <p:par>
+                          <p:cTn fill="hold">
+                            <p:stCondLst>
+                              <p:cond delay="0"/>
+                            </p:stCondLst>
+                            <p:childTnLst>
+                              <p:par>
+                                <p:cTn fill="hold" nodeType="clickEffect" presetClass="entr" presetID="10" presetSubtype="0">
+                                  <p:stCondLst>
+                                    <p:cond delay="0"/>
+                                  </p:stCondLst>
+                                  <p:childTnLst>
+                                    <p:set>
+                                      <p:cBhvr>
+                                        <p:cTn dur="1" fill="hold">
+                                          <p:stCondLst>
+                                            <p:cond delay="0"/>
+                                          </p:stCondLst>
+                                        </p:cTn>
+                                        <p:tgtEl>
+                                          <p:spTgt spid="253"/>
+                                        </p:tgtEl>
+                                        <p:attrNameLst>
+                                          <p:attrName>style.visibility</p:attrName>
+                                        </p:attrNameLst>
+                                      </p:cBhvr>
+                                      <p:to>
+                                        <p:strVal val="visible"/>
+                                      </p:to>
+                                    </p:set>
+                                    <p:animEffect filter="fade" transition="in">
+                                      <p:cBhvr>
+                                        <p:cTn dur="1000"/>
+                                        <p:tgtEl>
+                                          <p:spTgt spid="253"/>
+                                        </p:tgtEl>
+                                      </p:cBhvr>
+                                    </p:animEffect>
+                                  </p:childTnLst>
+                                </p:cTn>
+                              </p:par>
+                            </p:childTnLst>
+                          </p:cTn>
+                        </p:par>
+                      </p:childTnLst>
+                    </p:cTn>
+                  </p:par>
+                  <p:par>
+                    <p:cTn fill="hold">
+                      <p:stCondLst>
+                        <p:cond delay="indefinite"/>
+                      </p:stCondLst>
+                      <p:childTnLst>
+                        <p:par>
+                          <p:cTn fill="hold">
+                            <p:stCondLst>
+                              <p:cond delay="0"/>
+                            </p:stCondLst>
+                            <p:childTnLst>
+                              <p:par>
+                                <p:cTn fill="hold" nodeType="clickEffect" presetClass="entr" presetID="10" presetSubtype="0">
+                                  <p:stCondLst>
+                                    <p:cond delay="0"/>
+                                  </p:stCondLst>
+                                  <p:childTnLst>
+                                    <p:set>
+                                      <p:cBhvr>
+                                        <p:cTn dur="1" fill="hold">
+                                          <p:stCondLst>
+                                            <p:cond delay="0"/>
+                                          </p:stCondLst>
+                                        </p:cTn>
+                                        <p:tgtEl>
+                                          <p:spTgt spid="254"/>
+                                        </p:tgtEl>
+                                        <p:attrNameLst>
+                                          <p:attrName>style.visibility</p:attrName>
+                                        </p:attrNameLst>
+                                      </p:cBhvr>
+                                      <p:to>
+                                        <p:strVal val="visible"/>
+                                      </p:to>
+                                    </p:set>
+                                    <p:animEffect filter="fade" transition="in">
+                                      <p:cBhvr>
+                                        <p:cTn dur="1000"/>
+                                        <p:tgtEl>
+                                          <p:spTgt spid="254"/>
+                                        </p:tgtEl>
+                                      </p:cBhvr>
+                                    </p:animEffect>
+                                  </p:childTnLst>
+                                </p:cTn>
+                              </p:par>
+                            </p:childTnLst>
+                          </p:cTn>
+                        </p:par>
+                      </p:childTnLst>
+                    </p:cTn>
+                  </p:par>
+                </p:childTnLst>
+              </p:cTn>
+              <p:prevCondLst>
+                <p:cond evt="onPrev">
+                  <p:tgtEl>
+                    <p:sldTgt/>
+                  </p:tgtEl>
+                </p:cond>
+              </p:prevCondLst>
+              <p:nextCondLst>
+                <p:cond evt="onNext">
+                  <p:tgtEl>
+                    <p:sldTgt/>
+                  </p:tgtEl>
+                </p:cond>
+              </p:nextCondLst>
+            </p:seq>
+          </p:childTnLst>
+        </p:cTn>
+      </p:par>
+    </p:tnLst>
+  </p:timing>
 </p:sld>
 </file>
 
@@ -18768,7 +19386,7 @@
   <p:cSld>
     <p:spTree>
       <p:nvGrpSpPr>
-        <p:cNvPr id="219" name="Shape 219"/>
+        <p:cNvPr id="258" name="Shape 258"/>
         <p:cNvGrpSpPr/>
         <p:nvPr/>
       </p:nvGrpSpPr>
@@ -18782,7 +19400,7 @@
       </p:grpSpPr>
       <p:sp>
         <p:nvSpPr>
-          <p:cNvPr id="220" name="Google Shape;220;p37"/>
+          <p:cNvPr id="259" name="Google Shape;259;p37"/>
           <p:cNvSpPr txBox="1"/>
           <p:nvPr>
             <p:ph type="title"/>
@@ -18799,7 +19417,7 @@
         </p:spPr>
         <p:txBody>
           <a:bodyPr anchorCtr="0" anchor="ctr" bIns="45700" lIns="91425" spcFirstLastPara="1" rIns="91425" wrap="square" tIns="45700">
-            <a:normAutofit/>
+            <a:normAutofit fontScale="90000"/>
           </a:bodyPr>
           <a:lstStyle/>
           <a:p>
@@ -18814,7 +19432,14 @@
             </a:pPr>
             <a:r>
               <a:rPr lang="en"/>
-              <a:t>Demo Videos</a:t>
+              <a:t>Wavegen:</a:t>
+            </a:r>
+            <a:br>
+              <a:rPr lang="en"/>
+            </a:br>
+            <a:r>
+              <a:rPr lang="en"/>
+              <a:t>Sine, Square, and Triangle</a:t>
             </a:r>
             <a:endParaRPr/>
           </a:p>
@@ -18822,7 +19447,7 @@
       </p:sp>
       <p:sp>
         <p:nvSpPr>
-          <p:cNvPr id="221" name="Google Shape;221;p37"/>
+          <p:cNvPr id="260" name="Google Shape;260;p37"/>
           <p:cNvSpPr txBox="1"/>
           <p:nvPr>
             <p:ph idx="1" type="body"/>
@@ -18830,8 +19455,8 @@
         </p:nvSpPr>
         <p:spPr>
           <a:xfrm>
-            <a:off x="457200" y="2049275"/>
-            <a:ext cx="3159600" cy="2034600"/>
+            <a:off x="457200" y="2049270"/>
+            <a:ext cx="8229600" cy="4077300"/>
           </a:xfrm>
           <a:prstGeom prst="rect">
             <a:avLst/>
@@ -18853,104 +19478,153 @@
               <a:buNone/>
             </a:pPr>
             <a:r>
-              <a:rPr lang="en" sz="2300"/>
-              <a:t>Wavegen</a:t>
+              <a:t/>
             </a:r>
-            <a:endParaRPr sz="2300"/>
-          </a:p>
-          <a:p>
-            <a:pPr indent="-374650" lvl="0" marL="457200" rtl="0" algn="l">
-              <a:spcBef>
-                <a:spcPts val="360"/>
-              </a:spcBef>
-              <a:spcAft>
-                <a:spcPts val="0"/>
-              </a:spcAft>
-              <a:buSzPts val="2300"/>
-              <a:buChar char="-"/>
-            </a:pPr>
-            <a:r>
-              <a:rPr lang="en" sz="2300" u="sng">
-                <a:solidFill>
-                  <a:schemeClr val="hlink"/>
-                </a:solidFill>
-                <a:hlinkClick r:id="rId3"/>
-              </a:rPr>
-              <a:t>Wavegen Demo</a:t>
-            </a:r>
-            <a:endParaRPr sz="2300"/>
-          </a:p>
-          <a:p>
-            <a:pPr indent="-374650" lvl="0" marL="457200" rtl="0" algn="l">
-              <a:spcBef>
-                <a:spcPts val="0"/>
-              </a:spcBef>
-              <a:spcAft>
-                <a:spcPts val="0"/>
-              </a:spcAft>
-              <a:buSzPts val="2300"/>
-              <a:buChar char="-"/>
-            </a:pPr>
-            <a:r>
-              <a:rPr lang="en" sz="2300" u="sng">
-                <a:solidFill>
-                  <a:schemeClr val="hlink"/>
-                </a:solidFill>
-                <a:hlinkClick r:id="rId4"/>
-              </a:rPr>
-              <a:t>Triangle</a:t>
-            </a:r>
-            <a:endParaRPr sz="2300"/>
-          </a:p>
-          <a:p>
-            <a:pPr indent="-374650" lvl="0" marL="457200" rtl="0" algn="l">
-              <a:spcBef>
-                <a:spcPts val="0"/>
-              </a:spcBef>
-              <a:spcAft>
-                <a:spcPts val="0"/>
-              </a:spcAft>
-              <a:buSzPts val="2300"/>
-              <a:buChar char="-"/>
-            </a:pPr>
-            <a:r>
-              <a:rPr lang="en" sz="2300" u="sng">
-                <a:solidFill>
-                  <a:schemeClr val="hlink"/>
-                </a:solidFill>
-                <a:hlinkClick r:id="rId5"/>
-              </a:rPr>
-              <a:t>Square</a:t>
-            </a:r>
-            <a:endParaRPr sz="2300"/>
-          </a:p>
-          <a:p>
-            <a:pPr indent="-374650" lvl="0" marL="457200" rtl="0" algn="l">
-              <a:spcBef>
-                <a:spcPts val="0"/>
-              </a:spcBef>
-              <a:spcAft>
-                <a:spcPts val="0"/>
-              </a:spcAft>
-              <a:buSzPts val="2300"/>
-              <a:buChar char="-"/>
-            </a:pPr>
-            <a:r>
-              <a:rPr lang="en" sz="2300" u="sng">
-                <a:solidFill>
-                  <a:schemeClr val="hlink"/>
-                </a:solidFill>
-                <a:hlinkClick r:id="rId6"/>
-              </a:rPr>
-              <a:t>Sine</a:t>
-            </a:r>
-            <a:endParaRPr sz="2300"/>
+            <a:endParaRPr/>
           </a:p>
         </p:txBody>
       </p:sp>
+      <p:pic>
+        <p:nvPicPr>
+          <p:cNvPr id="261" name="Google Shape;261;p37" title="Copy of Waveforms.MOV">
+            <a:hlinkClick r:id="rId3"/>
+          </p:cNvPr>
+          <p:cNvPicPr preferRelativeResize="0"/>
+          <p:nvPr/>
+        </p:nvPicPr>
+        <p:blipFill>
+          <a:blip r:embed="rId4">
+            <a:alphaModFix/>
+          </a:blip>
+          <a:stretch>
+            <a:fillRect/>
+          </a:stretch>
+        </p:blipFill>
+        <p:spPr>
+          <a:xfrm>
+            <a:off x="998788" y="2077988"/>
+            <a:ext cx="7146427" cy="4019876"/>
+          </a:xfrm>
+          <a:prstGeom prst="rect">
+            <a:avLst/>
+          </a:prstGeom>
+          <a:noFill/>
+          <a:ln>
+            <a:noFill/>
+          </a:ln>
+        </p:spPr>
+      </p:pic>
+    </p:spTree>
+  </p:cSld>
+  <p:clrMapOvr>
+    <a:masterClrMapping/>
+  </p:clrMapOvr>
+  <p:timing>
+    <p:tnLst>
+      <p:par>
+        <p:cTn dur="indefinite" nodeType="tmRoot" restart="never">
+          <p:childTnLst>
+            <p:seq concurrent="1" nextAc="seek">
+              <p:cTn dur="indefinite" id="2" nodeType="mainSeq">
+                <p:childTnLst>
+                  <p:par>
+                    <p:cTn fill="hold">
+                      <p:stCondLst>
+                        <p:cond delay="indefinite"/>
+                      </p:stCondLst>
+                      <p:childTnLst>
+                        <p:par>
+                          <p:cTn fill="hold">
+                            <p:stCondLst>
+                              <p:cond delay="0"/>
+                            </p:stCondLst>
+                            <p:childTnLst>
+                              <p:par>
+                                <p:cTn fill="hold" nodeType="clickEffect" presetClass="entr" presetID="10" presetSubtype="0">
+                                  <p:stCondLst>
+                                    <p:cond delay="0"/>
+                                  </p:stCondLst>
+                                  <p:childTnLst>
+                                    <p:set>
+                                      <p:cBhvr>
+                                        <p:cTn dur="1" fill="hold">
+                                          <p:stCondLst>
+                                            <p:cond delay="0"/>
+                                          </p:stCondLst>
+                                        </p:cTn>
+                                        <p:tgtEl>
+                                          <p:spTgt spid="261"/>
+                                        </p:tgtEl>
+                                        <p:attrNameLst>
+                                          <p:attrName>style.visibility</p:attrName>
+                                        </p:attrNameLst>
+                                      </p:cBhvr>
+                                      <p:to>
+                                        <p:strVal val="visible"/>
+                                      </p:to>
+                                    </p:set>
+                                    <p:animEffect filter="fade" transition="in">
+                                      <p:cBhvr>
+                                        <p:cTn dur="1000"/>
+                                        <p:tgtEl>
+                                          <p:spTgt spid="261"/>
+                                        </p:tgtEl>
+                                      </p:cBhvr>
+                                    </p:animEffect>
+                                  </p:childTnLst>
+                                </p:cTn>
+                              </p:par>
+                            </p:childTnLst>
+                          </p:cTn>
+                        </p:par>
+                      </p:childTnLst>
+                    </p:cTn>
+                  </p:par>
+                </p:childTnLst>
+              </p:cTn>
+              <p:prevCondLst>
+                <p:cond evt="onPrev">
+                  <p:tgtEl>
+                    <p:sldTgt/>
+                  </p:tgtEl>
+                </p:cond>
+              </p:prevCondLst>
+              <p:nextCondLst>
+                <p:cond evt="onNext">
+                  <p:tgtEl>
+                    <p:sldTgt/>
+                  </p:tgtEl>
+                </p:cond>
+              </p:nextCondLst>
+            </p:seq>
+          </p:childTnLst>
+        </p:cTn>
+      </p:par>
+    </p:tnLst>
+  </p:timing>
+</p:sld>
+</file>
+
+<file path=ppt/slides/slide19.xml><?xml version="1.0" encoding="utf-8"?>
+<p:sld xmlns:a="http://schemas.openxmlformats.org/drawingml/2006/main" xmlns:r="http://schemas.openxmlformats.org/officeDocument/2006/relationships" xmlns:mc="http://schemas.openxmlformats.org/markup-compatibility/2006" xmlns:mv="urn:schemas-microsoft-com:mac:vml" xmlns:p="http://schemas.openxmlformats.org/presentationml/2006/main" xmlns:c="http://schemas.openxmlformats.org/drawingml/2006/chart" xmlns:dgm="http://schemas.openxmlformats.org/drawingml/2006/diagram" xmlns:o="urn:schemas-microsoft-com:office:office" xmlns:v="urn:schemas-microsoft-com:vml" xmlns:pvml="urn:schemas-microsoft-com:office:powerpoint" xmlns:com="http://schemas.openxmlformats.org/drawingml/2006/compatibility" xmlns:p14="http://schemas.microsoft.com/office/powerpoint/2010/main" xmlns:p15="http://schemas.microsoft.com/office/powerpoint/2012/main" xmlns:ahyp="http://schemas.microsoft.com/office/drawing/2018/hyperlinkcolor">
+  <p:cSld>
+    <p:spTree>
+      <p:nvGrpSpPr>
+        <p:cNvPr id="265" name="Shape 265"/>
+        <p:cNvGrpSpPr/>
+        <p:nvPr/>
+      </p:nvGrpSpPr>
+      <p:grpSpPr>
+        <a:xfrm>
+          <a:off x="0" y="0"/>
+          <a:ext cx="0" cy="0"/>
+          <a:chOff x="0" y="0"/>
+          <a:chExt cx="0" cy="0"/>
+        </a:xfrm>
+      </p:grpSpPr>
       <p:sp>
         <p:nvSpPr>
-          <p:cNvPr id="222" name="Google Shape;222;p37"/>
+          <p:cNvPr id="266" name="Google Shape;266;p38"/>
           <p:cNvSpPr txBox="1"/>
           <p:nvPr>
             <p:ph idx="1" type="body"/>
@@ -18958,12 +19632,16 @@
         </p:nvSpPr>
         <p:spPr>
           <a:xfrm>
-            <a:off x="5527200" y="2049275"/>
-            <a:ext cx="3159600" cy="2034600"/>
+            <a:off x="457200" y="1608545"/>
+            <a:ext cx="8229600" cy="4077000"/>
           </a:xfrm>
           <a:prstGeom prst="rect">
             <a:avLst/>
           </a:prstGeom>
+          <a:noFill/>
+          <a:ln>
+            <a:noFill/>
+          </a:ln>
         </p:spPr>
         <p:txBody>
           <a:bodyPr anchorCtr="0" anchor="t" bIns="45700" lIns="91425" spcFirstLastPara="1" rIns="91425" wrap="square" tIns="45700">
@@ -18972,110 +19650,92 @@
           <a:lstStyle/>
           <a:p>
             <a:pPr indent="0" lvl="0" marL="0" rtl="0" algn="l">
+              <a:lnSpc>
+                <a:spcPct val="100000"/>
+              </a:lnSpc>
               <a:spcBef>
                 <a:spcPts val="360"/>
               </a:spcBef>
               <a:spcAft>
                 <a:spcPts val="0"/>
               </a:spcAft>
+              <a:buClr>
+                <a:schemeClr val="dk1"/>
+              </a:buClr>
+              <a:buSzPts val="3200"/>
               <a:buNone/>
             </a:pPr>
             <a:r>
-              <a:rPr lang="en" sz="2300"/>
-              <a:t>Oscilloscope</a:t>
+              <a:t/>
             </a:r>
-            <a:endParaRPr sz="2300"/>
-          </a:p>
-          <a:p>
-            <a:pPr indent="-374650" lvl="0" marL="457200" rtl="0" algn="l">
-              <a:spcBef>
-                <a:spcPts val="360"/>
-              </a:spcBef>
-              <a:spcAft>
-                <a:spcPts val="0"/>
-              </a:spcAft>
-              <a:buSzPts val="2300"/>
-              <a:buChar char="-"/>
-            </a:pPr>
-            <a:r>
-              <a:rPr lang="en" sz="2300" u="sng">
-                <a:solidFill>
-                  <a:schemeClr val="hlink"/>
-                </a:solidFill>
-                <a:hlinkClick r:id="rId7"/>
-              </a:rPr>
-              <a:t>S</a:t>
-            </a:r>
-            <a:r>
-              <a:rPr lang="en" sz="2300" u="sng">
-                <a:solidFill>
-                  <a:schemeClr val="hlink"/>
-                </a:solidFill>
-                <a:hlinkClick r:id="rId8"/>
-              </a:rPr>
-              <a:t>quare</a:t>
-            </a:r>
-            <a:endParaRPr sz="2300"/>
-          </a:p>
-          <a:p>
-            <a:pPr indent="-374650" lvl="0" marL="457200" rtl="0" algn="l">
-              <a:spcBef>
-                <a:spcPts val="0"/>
-              </a:spcBef>
-              <a:spcAft>
-                <a:spcPts val="0"/>
-              </a:spcAft>
-              <a:buSzPts val="2300"/>
-              <a:buChar char="-"/>
-            </a:pPr>
-            <a:r>
-              <a:rPr lang="en" sz="2300" u="sng">
-                <a:solidFill>
-                  <a:schemeClr val="hlink"/>
-                </a:solidFill>
-                <a:hlinkClick r:id="rId9"/>
-              </a:rPr>
-              <a:t>Triangle</a:t>
-            </a:r>
-            <a:endParaRPr sz="2300"/>
+            <a:endParaRPr b="1"/>
           </a:p>
           <a:p>
             <a:pPr indent="0" lvl="0" marL="0" rtl="0" algn="l">
+              <a:lnSpc>
+                <a:spcPct val="100000"/>
+              </a:lnSpc>
               <a:spcBef>
                 <a:spcPts val="360"/>
               </a:spcBef>
               <a:spcAft>
                 <a:spcPts val="0"/>
               </a:spcAft>
+              <a:buClr>
+                <a:schemeClr val="dk1"/>
+              </a:buClr>
+              <a:buSzPts val="3200"/>
               <a:buNone/>
             </a:pPr>
             <a:r>
-              <a:rPr lang="en" sz="2300"/>
-              <a:t>Ammeter</a:t>
+              <a:t/>
             </a:r>
-            <a:endParaRPr sz="2300"/>
+            <a:endParaRPr b="1"/>
           </a:p>
           <a:p>
-            <a:pPr indent="-374650" lvl="0" marL="457200" rtl="0" algn="l">
+            <a:pPr indent="0" lvl="0" marL="0" rtl="0" algn="ctr">
+              <a:lnSpc>
+                <a:spcPct val="100000"/>
+              </a:lnSpc>
               <a:spcBef>
                 <a:spcPts val="360"/>
               </a:spcBef>
               <a:spcAft>
                 <a:spcPts val="0"/>
               </a:spcAft>
-              <a:buSzPts val="2300"/>
-              <a:buChar char="-"/>
+              <a:buClr>
+                <a:schemeClr val="dk1"/>
+              </a:buClr>
+              <a:buSzPts val="3200"/>
+              <a:buNone/>
             </a:pPr>
             <a:r>
-              <a:rPr lang="en" sz="2300" u="sng">
-                <a:solidFill>
-                  <a:schemeClr val="hlink"/>
-                </a:solidFill>
-                <a:hlinkClick r:id="rId10"/>
-              </a:rPr>
-              <a:t>Test</a:t>
+              <a:t/>
             </a:r>
-            <a:endParaRPr sz="2300"/>
+            <a:endParaRPr b="1"/>
+          </a:p>
+          <a:p>
+            <a:pPr indent="0" lvl="0" marL="0" rtl="0" algn="ctr">
+              <a:lnSpc>
+                <a:spcPct val="100000"/>
+              </a:lnSpc>
+              <a:spcBef>
+                <a:spcPts val="360"/>
+              </a:spcBef>
+              <a:spcAft>
+                <a:spcPts val="0"/>
+              </a:spcAft>
+              <a:buClr>
+                <a:schemeClr val="dk1"/>
+              </a:buClr>
+              <a:buSzPts val="3200"/>
+              <a:buNone/>
+            </a:pPr>
+            <a:r>
+              <a:rPr b="1" lang="en"/>
+              <a:t>Thank you</a:t>
+            </a:r>
+            <a:endParaRPr b="1"/>
           </a:p>
         </p:txBody>
       </p:sp>
@@ -19479,6 +20139,420 @@
         </p:nvSpPr>
         <p:spPr>
           <a:xfrm>
+            <a:off x="457200" y="786883"/>
+            <a:ext cx="8229600" cy="602700"/>
+          </a:xfrm>
+          <a:prstGeom prst="rect">
+            <a:avLst/>
+          </a:prstGeom>
+          <a:noFill/>
+          <a:ln>
+            <a:noFill/>
+          </a:ln>
+        </p:spPr>
+        <p:txBody>
+          <a:bodyPr anchorCtr="0" anchor="ctr" bIns="45700" lIns="91425" spcFirstLastPara="1" rIns="91425" wrap="square" tIns="45700">
+            <a:normAutofit/>
+          </a:bodyPr>
+          <a:lstStyle/>
+          <a:p>
+            <a:pPr indent="0" lvl="0" marL="0" rtl="0" algn="ctr">
+              <a:lnSpc>
+                <a:spcPct val="100000"/>
+              </a:lnSpc>
+              <a:spcBef>
+                <a:spcPts val="0"/>
+              </a:spcBef>
+              <a:spcAft>
+                <a:spcPts val="0"/>
+              </a:spcAft>
+              <a:buClr>
+                <a:schemeClr val="dk1"/>
+              </a:buClr>
+              <a:buSzPts val="3200"/>
+              <a:buFont typeface="Arial"/>
+              <a:buNone/>
+            </a:pPr>
+            <a:r>
+              <a:rPr lang="en"/>
+              <a:t>Example Lab</a:t>
+            </a:r>
+            <a:endParaRPr/>
+          </a:p>
+        </p:txBody>
+      </p:sp>
+      <p:sp>
+        <p:nvSpPr>
+          <p:cNvPr id="114" name="Google Shape;114;p22"/>
+          <p:cNvSpPr txBox="1"/>
+          <p:nvPr>
+            <p:ph idx="1" type="body"/>
+          </p:nvPr>
+        </p:nvSpPr>
+        <p:spPr>
+          <a:xfrm>
+            <a:off x="457200" y="2049270"/>
+            <a:ext cx="8229600" cy="4637700"/>
+          </a:xfrm>
+          <a:prstGeom prst="rect">
+            <a:avLst/>
+          </a:prstGeom>
+          <a:noFill/>
+          <a:ln>
+            <a:noFill/>
+          </a:ln>
+        </p:spPr>
+        <p:txBody>
+          <a:bodyPr anchorCtr="0" anchor="t" bIns="45700" lIns="91425" spcFirstLastPara="1" rIns="91425" wrap="square" tIns="45700">
+            <a:normAutofit/>
+          </a:bodyPr>
+          <a:lstStyle/>
+          <a:p>
+            <a:pPr indent="0" lvl="0" marL="0" rtl="0" algn="l">
+              <a:lnSpc>
+                <a:spcPct val="100000"/>
+              </a:lnSpc>
+              <a:spcBef>
+                <a:spcPts val="0"/>
+              </a:spcBef>
+              <a:spcAft>
+                <a:spcPts val="0"/>
+              </a:spcAft>
+              <a:buNone/>
+            </a:pPr>
+            <a:r>
+              <a:t/>
+            </a:r>
+            <a:endParaRPr sz="2400"/>
+          </a:p>
+        </p:txBody>
+      </p:sp>
+      <p:pic>
+        <p:nvPicPr>
+          <p:cNvPr id="115" name="Google Shape;115;p22"/>
+          <p:cNvPicPr preferRelativeResize="0"/>
+          <p:nvPr/>
+        </p:nvPicPr>
+        <p:blipFill>
+          <a:blip r:embed="rId3">
+            <a:alphaModFix/>
+          </a:blip>
+          <a:stretch>
+            <a:fillRect/>
+          </a:stretch>
+        </p:blipFill>
+        <p:spPr>
+          <a:xfrm>
+            <a:off x="230700" y="1389577"/>
+            <a:ext cx="5234251" cy="1967400"/>
+          </a:xfrm>
+          <a:prstGeom prst="rect">
+            <a:avLst/>
+          </a:prstGeom>
+          <a:noFill/>
+          <a:ln>
+            <a:noFill/>
+          </a:ln>
+        </p:spPr>
+      </p:pic>
+      <p:pic>
+        <p:nvPicPr>
+          <p:cNvPr id="116" name="Google Shape;116;p22"/>
+          <p:cNvPicPr preferRelativeResize="0"/>
+          <p:nvPr/>
+        </p:nvPicPr>
+        <p:blipFill>
+          <a:blip r:embed="rId4">
+            <a:alphaModFix/>
+          </a:blip>
+          <a:stretch>
+            <a:fillRect/>
+          </a:stretch>
+        </p:blipFill>
+        <p:spPr>
+          <a:xfrm>
+            <a:off x="5886550" y="1389575"/>
+            <a:ext cx="3169125" cy="2248376"/>
+          </a:xfrm>
+          <a:prstGeom prst="rect">
+            <a:avLst/>
+          </a:prstGeom>
+          <a:noFill/>
+          <a:ln>
+            <a:noFill/>
+          </a:ln>
+        </p:spPr>
+      </p:pic>
+      <p:pic>
+        <p:nvPicPr>
+          <p:cNvPr id="117" name="Google Shape;117;p22"/>
+          <p:cNvPicPr preferRelativeResize="0"/>
+          <p:nvPr/>
+        </p:nvPicPr>
+        <p:blipFill>
+          <a:blip r:embed="rId5">
+            <a:alphaModFix/>
+          </a:blip>
+          <a:stretch>
+            <a:fillRect/>
+          </a:stretch>
+        </p:blipFill>
+        <p:spPr>
+          <a:xfrm>
+            <a:off x="193100" y="4068050"/>
+            <a:ext cx="5984874" cy="2044382"/>
+          </a:xfrm>
+          <a:prstGeom prst="rect">
+            <a:avLst/>
+          </a:prstGeom>
+          <a:noFill/>
+          <a:ln>
+            <a:noFill/>
+          </a:ln>
+        </p:spPr>
+      </p:pic>
+      <p:pic>
+        <p:nvPicPr>
+          <p:cNvPr id="118" name="Google Shape;118;p22"/>
+          <p:cNvPicPr preferRelativeResize="0"/>
+          <p:nvPr/>
+        </p:nvPicPr>
+        <p:blipFill>
+          <a:blip r:embed="rId6">
+            <a:alphaModFix/>
+          </a:blip>
+          <a:stretch>
+            <a:fillRect/>
+          </a:stretch>
+        </p:blipFill>
+        <p:spPr>
+          <a:xfrm>
+            <a:off x="6227924" y="3928175"/>
+            <a:ext cx="2718750" cy="2835650"/>
+          </a:xfrm>
+          <a:prstGeom prst="rect">
+            <a:avLst/>
+          </a:prstGeom>
+          <a:noFill/>
+          <a:ln>
+            <a:noFill/>
+          </a:ln>
+        </p:spPr>
+      </p:pic>
+    </p:spTree>
+  </p:cSld>
+  <p:clrMapOvr>
+    <a:masterClrMapping/>
+  </p:clrMapOvr>
+</p:sld>
+</file>
+
+<file path=ppt/slides/slide4.xml><?xml version="1.0" encoding="utf-8"?>
+<p:sld xmlns:a="http://schemas.openxmlformats.org/drawingml/2006/main" xmlns:r="http://schemas.openxmlformats.org/officeDocument/2006/relationships" xmlns:mc="http://schemas.openxmlformats.org/markup-compatibility/2006" xmlns:mv="urn:schemas-microsoft-com:mac:vml" xmlns:p="http://schemas.openxmlformats.org/presentationml/2006/main" xmlns:c="http://schemas.openxmlformats.org/drawingml/2006/chart" xmlns:dgm="http://schemas.openxmlformats.org/drawingml/2006/diagram" xmlns:o="urn:schemas-microsoft-com:office:office" xmlns:v="urn:schemas-microsoft-com:vml" xmlns:pvml="urn:schemas-microsoft-com:office:powerpoint" xmlns:com="http://schemas.openxmlformats.org/drawingml/2006/compatibility" xmlns:p14="http://schemas.microsoft.com/office/powerpoint/2010/main" xmlns:p15="http://schemas.microsoft.com/office/powerpoint/2012/main" xmlns:ahyp="http://schemas.microsoft.com/office/drawing/2018/hyperlinkcolor">
+  <p:cSld>
+    <p:spTree>
+      <p:nvGrpSpPr>
+        <p:cNvPr id="122" name="Shape 122"/>
+        <p:cNvGrpSpPr/>
+        <p:nvPr/>
+      </p:nvGrpSpPr>
+      <p:grpSpPr>
+        <a:xfrm>
+          <a:off x="0" y="0"/>
+          <a:ext cx="0" cy="0"/>
+          <a:chOff x="0" y="0"/>
+          <a:chExt cx="0" cy="0"/>
+        </a:xfrm>
+      </p:grpSpPr>
+      <p:sp>
+        <p:nvSpPr>
+          <p:cNvPr id="123" name="Google Shape;123;p23"/>
+          <p:cNvSpPr txBox="1"/>
+          <p:nvPr>
+            <p:ph type="title"/>
+          </p:nvPr>
+        </p:nvSpPr>
+        <p:spPr>
+          <a:xfrm>
+            <a:off x="457200" y="786883"/>
+            <a:ext cx="8229600" cy="602700"/>
+          </a:xfrm>
+          <a:prstGeom prst="rect">
+            <a:avLst/>
+          </a:prstGeom>
+          <a:noFill/>
+          <a:ln>
+            <a:noFill/>
+          </a:ln>
+        </p:spPr>
+        <p:txBody>
+          <a:bodyPr anchorCtr="0" anchor="ctr" bIns="45700" lIns="91425" spcFirstLastPara="1" rIns="91425" wrap="square" tIns="45700">
+            <a:normAutofit/>
+          </a:bodyPr>
+          <a:lstStyle/>
+          <a:p>
+            <a:pPr indent="0" lvl="0" marL="0" rtl="0" algn="ctr">
+              <a:lnSpc>
+                <a:spcPct val="100000"/>
+              </a:lnSpc>
+              <a:spcBef>
+                <a:spcPts val="0"/>
+              </a:spcBef>
+              <a:spcAft>
+                <a:spcPts val="0"/>
+              </a:spcAft>
+              <a:buClr>
+                <a:schemeClr val="dk1"/>
+              </a:buClr>
+              <a:buSzPts val="3200"/>
+              <a:buFont typeface="Arial"/>
+              <a:buNone/>
+            </a:pPr>
+            <a:r>
+              <a:rPr lang="en"/>
+              <a:t>Alternatives</a:t>
+            </a:r>
+            <a:endParaRPr/>
+          </a:p>
+        </p:txBody>
+      </p:sp>
+      <p:sp>
+        <p:nvSpPr>
+          <p:cNvPr id="124" name="Google Shape;124;p23"/>
+          <p:cNvSpPr txBox="1"/>
+          <p:nvPr>
+            <p:ph idx="1" type="body"/>
+          </p:nvPr>
+        </p:nvSpPr>
+        <p:spPr>
+          <a:xfrm>
+            <a:off x="457200" y="2049270"/>
+            <a:ext cx="8229600" cy="4637700"/>
+          </a:xfrm>
+          <a:prstGeom prst="rect">
+            <a:avLst/>
+          </a:prstGeom>
+          <a:noFill/>
+          <a:ln>
+            <a:noFill/>
+          </a:ln>
+        </p:spPr>
+        <p:txBody>
+          <a:bodyPr anchorCtr="0" anchor="t" bIns="45700" lIns="91425" spcFirstLastPara="1" rIns="91425" wrap="square" tIns="45700">
+            <a:normAutofit/>
+          </a:bodyPr>
+          <a:lstStyle/>
+          <a:p>
+            <a:pPr indent="0" lvl="0" marL="0" rtl="0" algn="l">
+              <a:lnSpc>
+                <a:spcPct val="100000"/>
+              </a:lnSpc>
+              <a:spcBef>
+                <a:spcPts val="0"/>
+              </a:spcBef>
+              <a:spcAft>
+                <a:spcPts val="0"/>
+              </a:spcAft>
+              <a:buNone/>
+            </a:pPr>
+            <a:r>
+              <a:t/>
+            </a:r>
+            <a:endParaRPr sz="2400"/>
+          </a:p>
+        </p:txBody>
+      </p:sp>
+      <p:pic>
+        <p:nvPicPr>
+          <p:cNvPr id="125" name="Google Shape;125;p23"/>
+          <p:cNvPicPr preferRelativeResize="0"/>
+          <p:nvPr/>
+        </p:nvPicPr>
+        <p:blipFill>
+          <a:blip r:embed="rId3">
+            <a:alphaModFix/>
+          </a:blip>
+          <a:stretch>
+            <a:fillRect/>
+          </a:stretch>
+        </p:blipFill>
+        <p:spPr>
+          <a:xfrm>
+            <a:off x="5176152" y="1624605"/>
+            <a:ext cx="2610807" cy="4637700"/>
+          </a:xfrm>
+          <a:prstGeom prst="rect">
+            <a:avLst/>
+          </a:prstGeom>
+          <a:noFill/>
+          <a:ln>
+            <a:noFill/>
+          </a:ln>
+        </p:spPr>
+      </p:pic>
+      <p:pic>
+        <p:nvPicPr>
+          <p:cNvPr id="126" name="Google Shape;126;p23"/>
+          <p:cNvPicPr preferRelativeResize="0"/>
+          <p:nvPr/>
+        </p:nvPicPr>
+        <p:blipFill>
+          <a:blip r:embed="rId4">
+            <a:alphaModFix/>
+          </a:blip>
+          <a:stretch>
+            <a:fillRect/>
+          </a:stretch>
+        </p:blipFill>
+        <p:spPr>
+          <a:xfrm>
+            <a:off x="1039625" y="1624600"/>
+            <a:ext cx="2562725" cy="4311251"/>
+          </a:xfrm>
+          <a:prstGeom prst="rect">
+            <a:avLst/>
+          </a:prstGeom>
+          <a:noFill/>
+          <a:ln>
+            <a:noFill/>
+          </a:ln>
+        </p:spPr>
+      </p:pic>
+    </p:spTree>
+  </p:cSld>
+  <p:clrMapOvr>
+    <a:masterClrMapping/>
+  </p:clrMapOvr>
+</p:sld>
+</file>
+
+<file path=ppt/slides/slide5.xml><?xml version="1.0" encoding="utf-8"?>
+<p:sld xmlns:a="http://schemas.openxmlformats.org/drawingml/2006/main" xmlns:r="http://schemas.openxmlformats.org/officeDocument/2006/relationships" xmlns:mc="http://schemas.openxmlformats.org/markup-compatibility/2006" xmlns:mv="urn:schemas-microsoft-com:mac:vml" xmlns:p="http://schemas.openxmlformats.org/presentationml/2006/main" xmlns:c="http://schemas.openxmlformats.org/drawingml/2006/chart" xmlns:dgm="http://schemas.openxmlformats.org/drawingml/2006/diagram" xmlns:o="urn:schemas-microsoft-com:office:office" xmlns:v="urn:schemas-microsoft-com:vml" xmlns:pvml="urn:schemas-microsoft-com:office:powerpoint" xmlns:com="http://schemas.openxmlformats.org/drawingml/2006/compatibility" xmlns:p14="http://schemas.microsoft.com/office/powerpoint/2010/main" xmlns:p15="http://schemas.microsoft.com/office/powerpoint/2012/main" xmlns:ahyp="http://schemas.microsoft.com/office/drawing/2018/hyperlinkcolor">
+  <p:cSld>
+    <p:spTree>
+      <p:nvGrpSpPr>
+        <p:cNvPr id="130" name="Shape 130"/>
+        <p:cNvGrpSpPr/>
+        <p:nvPr/>
+      </p:nvGrpSpPr>
+      <p:grpSpPr>
+        <a:xfrm>
+          <a:off x="0" y="0"/>
+          <a:ext cx="0" cy="0"/>
+          <a:chOff x="0" y="0"/>
+          <a:chExt cx="0" cy="0"/>
+        </a:xfrm>
+      </p:grpSpPr>
+      <p:sp>
+        <p:nvSpPr>
+          <p:cNvPr id="131" name="Google Shape;131;p24"/>
+          <p:cNvSpPr txBox="1"/>
+          <p:nvPr>
+            <p:ph type="title"/>
+          </p:nvPr>
+        </p:nvSpPr>
+        <p:spPr>
+          <a:xfrm>
             <a:off x="457200" y="919527"/>
             <a:ext cx="8229600" cy="803700"/>
           </a:xfrm>
@@ -19511,7 +20585,7 @@
             </a:pPr>
             <a:r>
               <a:rPr lang="en"/>
-              <a:t>Subsystems Overview</a:t>
+              <a:t>Solution Overview</a:t>
             </a:r>
             <a:endParaRPr/>
           </a:p>
@@ -19519,7 +20593,7 @@
       </p:sp>
       <p:sp>
         <p:nvSpPr>
-          <p:cNvPr id="114" name="Google Shape;114;p22"/>
+          <p:cNvPr id="132" name="Google Shape;132;p24"/>
           <p:cNvSpPr txBox="1"/>
           <p:nvPr>
             <p:ph idx="1" type="body"/>
@@ -19627,7 +20701,7 @@
       </p:sp>
       <p:pic>
         <p:nvPicPr>
-          <p:cNvPr id="115" name="Google Shape;115;p22"/>
+          <p:cNvPr id="133" name="Google Shape;133;p24"/>
           <p:cNvPicPr preferRelativeResize="0"/>
           <p:nvPr/>
         </p:nvPicPr>
@@ -19660,12 +20734,12 @@
 </p:sld>
 </file>
 
-<file path=ppt/slides/slide4.xml><?xml version="1.0" encoding="utf-8"?>
+<file path=ppt/slides/slide6.xml><?xml version="1.0" encoding="utf-8"?>
 <p:sld xmlns:a="http://schemas.openxmlformats.org/drawingml/2006/main" xmlns:r="http://schemas.openxmlformats.org/officeDocument/2006/relationships" xmlns:mc="http://schemas.openxmlformats.org/markup-compatibility/2006" xmlns:mv="urn:schemas-microsoft-com:mac:vml" xmlns:p="http://schemas.openxmlformats.org/presentationml/2006/main" xmlns:c="http://schemas.openxmlformats.org/drawingml/2006/chart" xmlns:dgm="http://schemas.openxmlformats.org/drawingml/2006/diagram" xmlns:o="urn:schemas-microsoft-com:office:office" xmlns:v="urn:schemas-microsoft-com:vml" xmlns:pvml="urn:schemas-microsoft-com:office:powerpoint" xmlns:com="http://schemas.openxmlformats.org/drawingml/2006/compatibility" xmlns:p14="http://schemas.microsoft.com/office/powerpoint/2010/main" xmlns:p15="http://schemas.microsoft.com/office/powerpoint/2012/main" xmlns:ahyp="http://schemas.microsoft.com/office/drawing/2018/hyperlinkcolor">
   <p:cSld>
     <p:spTree>
       <p:nvGrpSpPr>
-        <p:cNvPr id="120" name="Shape 120"/>
+        <p:cNvPr id="138" name="Shape 138"/>
         <p:cNvGrpSpPr/>
         <p:nvPr/>
       </p:nvGrpSpPr>
@@ -19679,7 +20753,7 @@
       </p:grpSpPr>
       <p:sp>
         <p:nvSpPr>
-          <p:cNvPr id="121" name="Google Shape;121;p23"/>
+          <p:cNvPr id="139" name="Google Shape;139;p25"/>
           <p:cNvSpPr txBox="1"/>
           <p:nvPr>
             <p:ph type="title"/>
@@ -19696,11 +20770,14 @@
         </p:spPr>
         <p:txBody>
           <a:bodyPr anchorCtr="0" anchor="ctr" bIns="45700" lIns="91425" spcFirstLastPara="1" rIns="91425" wrap="square" tIns="45700">
-            <a:normAutofit/>
+            <a:normAutofit fontScale="90000"/>
           </a:bodyPr>
           <a:lstStyle/>
           <a:p>
             <a:pPr indent="0" lvl="0" marL="0" rtl="0" algn="ctr">
+              <a:lnSpc>
+                <a:spcPct val="115000"/>
+              </a:lnSpc>
               <a:spcBef>
                 <a:spcPts val="0"/>
               </a:spcBef>
@@ -19710,13 +20787,37 @@
               <a:buClr>
                 <a:schemeClr val="dk1"/>
               </a:buClr>
-              <a:buSzPts val="3200"/>
+              <a:buSzPct val="30937"/>
               <a:buFont typeface="Arial"/>
               <a:buNone/>
             </a:pPr>
             <a:r>
               <a:rPr lang="en"/>
-              <a:t>System Enclosure CAD</a:t>
+              <a:t>Oscilloscope and Multimeter</a:t>
+            </a:r>
+            <a:endParaRPr/>
+          </a:p>
+          <a:p>
+            <a:pPr indent="0" lvl="0" marL="0" rtl="0" algn="ctr">
+              <a:lnSpc>
+                <a:spcPct val="115000"/>
+              </a:lnSpc>
+              <a:spcBef>
+                <a:spcPts val="0"/>
+              </a:spcBef>
+              <a:spcAft>
+                <a:spcPts val="0"/>
+              </a:spcAft>
+              <a:buClr>
+                <a:schemeClr val="dk1"/>
+              </a:buClr>
+              <a:buSzPct val="57558"/>
+              <a:buFont typeface="Arial"/>
+              <a:buNone/>
+            </a:pPr>
+            <a:r>
+              <a:rPr lang="en" sz="1720"/>
+              <a:t>Peter Zhang</a:t>
             </a:r>
             <a:endParaRPr/>
           </a:p>
@@ -19724,7 +20825,7 @@
       </p:sp>
       <p:sp>
         <p:nvSpPr>
-          <p:cNvPr id="122" name="Google Shape;122;p23"/>
+          <p:cNvPr id="140" name="Google Shape;140;p25"/>
           <p:cNvSpPr txBox="1"/>
           <p:nvPr>
             <p:ph idx="1" type="body"/>
@@ -19732,8 +20833,8 @@
         </p:nvSpPr>
         <p:spPr>
           <a:xfrm>
-            <a:off x="457200" y="2049270"/>
-            <a:ext cx="8229600" cy="4077300"/>
+            <a:off x="457200" y="2049275"/>
+            <a:ext cx="2706300" cy="4632600"/>
           </a:xfrm>
           <a:prstGeom prst="rect">
             <a:avLst/>
@@ -19741,7 +20842,7 @@
         </p:spPr>
         <p:txBody>
           <a:bodyPr anchorCtr="0" anchor="t" bIns="45700" lIns="91425" spcFirstLastPara="1" rIns="91425" wrap="square" tIns="45700">
-            <a:normAutofit/>
+            <a:noAutofit/>
           </a:bodyPr>
           <a:lstStyle/>
           <a:p>
@@ -19755,30 +20856,113 @@
               <a:buNone/>
             </a:pPr>
             <a:r>
+              <a:rPr b="1" lang="en" sz="1700" u="sng"/>
+              <a:t>Accomplishments:</a:t>
+            </a:r>
+            <a:endParaRPr b="1" sz="1700" u="sng"/>
+          </a:p>
+          <a:p>
+            <a:pPr indent="-336550" lvl="0" marL="457200" rtl="0" algn="l">
+              <a:spcBef>
+                <a:spcPts val="360"/>
+              </a:spcBef>
+              <a:spcAft>
+                <a:spcPts val="0"/>
+              </a:spcAft>
+              <a:buSzPts val="1700"/>
+              <a:buChar char="●"/>
+            </a:pPr>
+            <a:r>
+              <a:rPr lang="en" sz="1700"/>
+              <a:t>Design Multimeter (Ammeter, Ohmmeter, Voltmeter)</a:t>
+            </a:r>
+            <a:endParaRPr sz="1700"/>
+          </a:p>
+          <a:p>
+            <a:pPr indent="-336550" lvl="0" marL="457200" rtl="0" algn="l">
+              <a:spcBef>
+                <a:spcPts val="0"/>
+              </a:spcBef>
+              <a:spcAft>
+                <a:spcPts val="0"/>
+              </a:spcAft>
+              <a:buSzPts val="1700"/>
+              <a:buChar char="●"/>
+            </a:pPr>
+            <a:r>
+              <a:rPr lang="en" sz="1700"/>
+              <a:t>Design Oscilloscope</a:t>
+            </a:r>
+            <a:endParaRPr sz="1700"/>
+          </a:p>
+          <a:p>
+            <a:pPr indent="-336550" lvl="0" marL="457200" rtl="0" algn="l">
+              <a:spcBef>
+                <a:spcPts val="0"/>
+              </a:spcBef>
+              <a:spcAft>
+                <a:spcPts val="0"/>
+              </a:spcAft>
+              <a:buSzPts val="1700"/>
+              <a:buChar char="●"/>
+            </a:pPr>
+            <a:r>
+              <a:rPr lang="en" sz="1700"/>
+              <a:t>Read and Modify Data via ESP32</a:t>
+            </a:r>
+            <a:endParaRPr sz="1700"/>
+          </a:p>
+          <a:p>
+            <a:pPr indent="-336550" lvl="0" marL="457200" rtl="0" algn="l">
+              <a:spcBef>
+                <a:spcPts val="0"/>
+              </a:spcBef>
+              <a:spcAft>
+                <a:spcPts val="0"/>
+              </a:spcAft>
+              <a:buSzPts val="1700"/>
+              <a:buChar char="●"/>
+            </a:pPr>
+            <a:r>
+              <a:rPr lang="en" sz="1700"/>
+              <a:t>Transfer Data to App via BLE</a:t>
+            </a:r>
+            <a:endParaRPr sz="1700"/>
+          </a:p>
+          <a:p>
+            <a:pPr indent="0" lvl="0" marL="0" rtl="0" algn="l">
+              <a:spcBef>
+                <a:spcPts val="360"/>
+              </a:spcBef>
+              <a:spcAft>
+                <a:spcPts val="0"/>
+              </a:spcAft>
+              <a:buNone/>
+            </a:pPr>
+            <a:r>
               <a:t/>
             </a:r>
-            <a:endParaRPr/>
+            <a:endParaRPr sz="1700"/>
           </a:p>
         </p:txBody>
       </p:sp>
       <p:pic>
         <p:nvPicPr>
-          <p:cNvPr id="123" name="Google Shape;123;p23"/>
+          <p:cNvPr id="141" name="Google Shape;141;p25"/>
           <p:cNvPicPr preferRelativeResize="0"/>
           <p:nvPr/>
         </p:nvPicPr>
-        <p:blipFill>
+        <p:blipFill rotWithShape="1">
           <a:blip r:embed="rId3">
             <a:alphaModFix/>
           </a:blip>
-          <a:stretch>
-            <a:fillRect/>
-          </a:stretch>
+          <a:srcRect b="0" l="945" r="571" t="0"/>
+          <a:stretch/>
         </p:blipFill>
         <p:spPr>
           <a:xfrm>
-            <a:off x="373700" y="1852875"/>
-            <a:ext cx="8595225" cy="1637700"/>
+            <a:off x="4092300" y="2525849"/>
+            <a:ext cx="4767550" cy="2030988"/>
           </a:xfrm>
           <a:prstGeom prst="rect">
             <a:avLst/>
@@ -19791,585 +20975,21 @@
       </p:pic>
       <p:pic>
         <p:nvPicPr>
-          <p:cNvPr id="124" name="Google Shape;124;p23"/>
+          <p:cNvPr id="142" name="Google Shape;142;p25"/>
           <p:cNvPicPr preferRelativeResize="0"/>
           <p:nvPr/>
         </p:nvPicPr>
-        <p:blipFill>
+        <p:blipFill rotWithShape="1">
           <a:blip r:embed="rId4">
             <a:alphaModFix/>
           </a:blip>
-          <a:stretch>
-            <a:fillRect/>
-          </a:stretch>
+          <a:srcRect b="0" l="474" r="593" t="0"/>
+          <a:stretch/>
         </p:blipFill>
         <p:spPr>
           <a:xfrm>
-            <a:off x="1395725" y="3266700"/>
-            <a:ext cx="6352550" cy="3591300"/>
-          </a:xfrm>
-          <a:prstGeom prst="rect">
-            <a:avLst/>
-          </a:prstGeom>
-          <a:noFill/>
-          <a:ln>
-            <a:noFill/>
-          </a:ln>
-        </p:spPr>
-      </p:pic>
-    </p:spTree>
-  </p:cSld>
-  <p:clrMapOvr>
-    <a:masterClrMapping/>
-  </p:clrMapOvr>
-</p:sld>
-</file>
-
-<file path=ppt/slides/slide5.xml><?xml version="1.0" encoding="utf-8"?>
-<p:sld xmlns:a="http://schemas.openxmlformats.org/drawingml/2006/main" xmlns:r="http://schemas.openxmlformats.org/officeDocument/2006/relationships" xmlns:mc="http://schemas.openxmlformats.org/markup-compatibility/2006" xmlns:mv="urn:schemas-microsoft-com:mac:vml" xmlns:p="http://schemas.openxmlformats.org/presentationml/2006/main" xmlns:c="http://schemas.openxmlformats.org/drawingml/2006/chart" xmlns:dgm="http://schemas.openxmlformats.org/drawingml/2006/diagram" xmlns:o="urn:schemas-microsoft-com:office:office" xmlns:v="urn:schemas-microsoft-com:vml" xmlns:pvml="urn:schemas-microsoft-com:office:powerpoint" xmlns:com="http://schemas.openxmlformats.org/drawingml/2006/compatibility" xmlns:p14="http://schemas.microsoft.com/office/powerpoint/2010/main" xmlns:p15="http://schemas.microsoft.com/office/powerpoint/2012/main" xmlns:ahyp="http://schemas.microsoft.com/office/drawing/2018/hyperlinkcolor">
-  <p:cSld>
-    <p:spTree>
-      <p:nvGrpSpPr>
-        <p:cNvPr id="128" name="Shape 128"/>
-        <p:cNvGrpSpPr/>
-        <p:nvPr/>
-      </p:nvGrpSpPr>
-      <p:grpSpPr>
-        <a:xfrm>
-          <a:off x="0" y="0"/>
-          <a:ext cx="0" cy="0"/>
-          <a:chOff x="0" y="0"/>
-          <a:chExt cx="0" cy="0"/>
-        </a:xfrm>
-      </p:grpSpPr>
-      <p:sp>
-        <p:nvSpPr>
-          <p:cNvPr id="129" name="Google Shape;129;p24"/>
-          <p:cNvSpPr txBox="1"/>
-          <p:nvPr>
-            <p:ph type="title"/>
-          </p:nvPr>
-        </p:nvSpPr>
-        <p:spPr>
-          <a:xfrm>
-            <a:off x="311700" y="962867"/>
-            <a:ext cx="8520600" cy="763500"/>
-          </a:xfrm>
-          <a:prstGeom prst="rect">
-            <a:avLst/>
-          </a:prstGeom>
-        </p:spPr>
-        <p:txBody>
-          <a:bodyPr anchorCtr="0" anchor="ctr" bIns="45700" lIns="91425" spcFirstLastPara="1" rIns="91425" wrap="square" tIns="45700">
-            <a:normAutofit/>
-          </a:bodyPr>
-          <a:lstStyle/>
-          <a:p>
-            <a:pPr indent="0" lvl="0" marL="0" rtl="0" algn="ctr">
-              <a:spcBef>
-                <a:spcPts val="0"/>
-              </a:spcBef>
-              <a:spcAft>
-                <a:spcPts val="0"/>
-              </a:spcAft>
-              <a:buNone/>
-            </a:pPr>
-            <a:r>
-              <a:rPr lang="en"/>
-              <a:t>Demo Deliverables</a:t>
-            </a:r>
-            <a:endParaRPr/>
-          </a:p>
-        </p:txBody>
-      </p:sp>
-      <p:sp>
-        <p:nvSpPr>
-          <p:cNvPr id="130" name="Google Shape;130;p24"/>
-          <p:cNvSpPr txBox="1"/>
-          <p:nvPr>
-            <p:ph idx="1" type="body"/>
-          </p:nvPr>
-        </p:nvSpPr>
-        <p:spPr>
-          <a:xfrm>
-            <a:off x="311700" y="1906133"/>
-            <a:ext cx="8520600" cy="4555200"/>
-          </a:xfrm>
-          <a:prstGeom prst="rect">
-            <a:avLst/>
-          </a:prstGeom>
-        </p:spPr>
-        <p:txBody>
-          <a:bodyPr anchorCtr="0" anchor="t" bIns="45700" lIns="91425" spcFirstLastPara="1" rIns="91425" wrap="square" tIns="45700">
-            <a:normAutofit fontScale="62500" lnSpcReduction="10000"/>
-          </a:bodyPr>
-          <a:lstStyle/>
-          <a:p>
-            <a:pPr indent="-382587" lvl="0" marL="457200" rtl="0" algn="l">
-              <a:spcBef>
-                <a:spcPts val="360"/>
-              </a:spcBef>
-              <a:spcAft>
-                <a:spcPts val="0"/>
-              </a:spcAft>
-              <a:buSzPct val="100000"/>
-              <a:buChar char="❏"/>
-            </a:pPr>
-            <a:r>
-              <a:rPr lang="en" sz="3880"/>
-              <a:t>Show BLE connection</a:t>
-            </a:r>
-            <a:endParaRPr sz="3880"/>
-          </a:p>
-          <a:p>
-            <a:pPr indent="-341709" lvl="1" marL="914400" rtl="0" algn="l">
-              <a:spcBef>
-                <a:spcPts val="360"/>
-              </a:spcBef>
-              <a:spcAft>
-                <a:spcPts val="0"/>
-              </a:spcAft>
-              <a:buSzPct val="100000"/>
-              <a:buChar char="❏"/>
-            </a:pPr>
-            <a:r>
-              <a:rPr lang="en" sz="2850"/>
-              <a:t>App connects to device</a:t>
-            </a:r>
-            <a:endParaRPr sz="2850"/>
-          </a:p>
-          <a:p>
-            <a:pPr indent="-379412" lvl="0" marL="457200" rtl="0" algn="l">
-              <a:spcBef>
-                <a:spcPts val="360"/>
-              </a:spcBef>
-              <a:spcAft>
-                <a:spcPts val="0"/>
-              </a:spcAft>
-              <a:buSzPct val="100000"/>
-              <a:buChar char="❏"/>
-            </a:pPr>
-            <a:r>
-              <a:rPr lang="en" sz="3800"/>
-              <a:t>Show multimeter functionality</a:t>
-            </a:r>
-            <a:endParaRPr sz="3800"/>
-          </a:p>
-          <a:p>
-            <a:pPr indent="-341709" lvl="1" marL="914400" rtl="0" algn="l">
-              <a:spcBef>
-                <a:spcPts val="360"/>
-              </a:spcBef>
-              <a:spcAft>
-                <a:spcPts val="0"/>
-              </a:spcAft>
-              <a:buSzPct val="100000"/>
-              <a:buChar char="❏"/>
-            </a:pPr>
-            <a:r>
-              <a:rPr lang="en" sz="2850"/>
-              <a:t>Measure voltage, resistors, and current within the constructed circuit</a:t>
-            </a:r>
-            <a:endParaRPr sz="2850"/>
-          </a:p>
-          <a:p>
-            <a:pPr indent="-323850" lvl="2" marL="1371600" rtl="0" algn="l">
-              <a:spcBef>
-                <a:spcPts val="360"/>
-              </a:spcBef>
-              <a:spcAft>
-                <a:spcPts val="0"/>
-              </a:spcAft>
-              <a:buSzPct val="100000"/>
-              <a:buChar char="❏"/>
-            </a:pPr>
-            <a:r>
-              <a:rPr lang="en"/>
-              <a:t>Use lab’s multimeter to compare results</a:t>
-            </a:r>
-            <a:endParaRPr/>
-          </a:p>
-          <a:p>
-            <a:pPr indent="-325437" lvl="0" marL="457200" rtl="0" algn="l">
-              <a:spcBef>
-                <a:spcPts val="360"/>
-              </a:spcBef>
-              <a:spcAft>
-                <a:spcPts val="0"/>
-              </a:spcAft>
-              <a:buSzPct val="63541"/>
-              <a:buChar char="❏"/>
-            </a:pPr>
-            <a:r>
-              <a:rPr lang="en" sz="3840"/>
-              <a:t>Show wave generator functionality</a:t>
-            </a:r>
-            <a:endParaRPr sz="3840"/>
-          </a:p>
-          <a:p>
-            <a:pPr indent="-300037" lvl="1" marL="914400" rtl="0" algn="l">
-              <a:spcBef>
-                <a:spcPts val="360"/>
-              </a:spcBef>
-              <a:spcAft>
-                <a:spcPts val="0"/>
-              </a:spcAft>
-              <a:buSzPct val="64285"/>
-              <a:buChar char="❏"/>
-            </a:pPr>
-            <a:r>
-              <a:rPr lang="en"/>
-              <a:t>Following the lab manual do: sine wave, square wave, triangle wave</a:t>
-            </a:r>
-            <a:endParaRPr/>
-          </a:p>
-          <a:p>
-            <a:pPr indent="-300037" lvl="2" marL="1371600" rtl="0" algn="l">
-              <a:spcBef>
-                <a:spcPts val="360"/>
-              </a:spcBef>
-              <a:spcAft>
-                <a:spcPts val="0"/>
-              </a:spcAft>
-              <a:buSzPct val="75000"/>
-              <a:buChar char="❏"/>
-            </a:pPr>
-            <a:r>
-              <a:rPr lang="en"/>
-              <a:t>Use lab’s oscilloscope to confirm accurate wave generator output</a:t>
-            </a:r>
-            <a:endParaRPr/>
-          </a:p>
-          <a:p>
-            <a:pPr indent="-325437" lvl="0" marL="457200" rtl="0" algn="l">
-              <a:spcBef>
-                <a:spcPts val="360"/>
-              </a:spcBef>
-              <a:spcAft>
-                <a:spcPts val="0"/>
-              </a:spcAft>
-              <a:buSzPct val="63541"/>
-              <a:buChar char="❏"/>
-            </a:pPr>
-            <a:r>
-              <a:rPr lang="en" sz="3840"/>
-              <a:t>Show Oscilloscope functionality</a:t>
-            </a:r>
-            <a:endParaRPr sz="3840"/>
-          </a:p>
-          <a:p>
-            <a:pPr indent="-300037" lvl="1" marL="914400" rtl="0" algn="l">
-              <a:spcBef>
-                <a:spcPts val="360"/>
-              </a:spcBef>
-              <a:spcAft>
-                <a:spcPts val="0"/>
-              </a:spcAft>
-              <a:buSzPct val="64285"/>
-              <a:buChar char="❏"/>
-            </a:pPr>
-            <a:r>
-              <a:rPr lang="en"/>
-              <a:t>Measure Vin and Vout using oscilloscope</a:t>
-            </a:r>
-            <a:endParaRPr/>
-          </a:p>
-          <a:p>
-            <a:pPr indent="-300037" lvl="2" marL="1371600" rtl="0" algn="l">
-              <a:spcBef>
-                <a:spcPts val="360"/>
-              </a:spcBef>
-              <a:spcAft>
-                <a:spcPts val="0"/>
-              </a:spcAft>
-              <a:buSzPct val="75000"/>
-              <a:buChar char="❏"/>
-            </a:pPr>
-            <a:r>
-              <a:rPr lang="en"/>
-              <a:t>Obtain amplitude and phase shift</a:t>
-            </a:r>
-            <a:endParaRPr/>
-          </a:p>
-          <a:p>
-            <a:pPr indent="-300037" lvl="2" marL="1371600" rtl="0" algn="l">
-              <a:spcBef>
-                <a:spcPts val="360"/>
-              </a:spcBef>
-              <a:spcAft>
-                <a:spcPts val="0"/>
-              </a:spcAft>
-              <a:buSzPct val="75000"/>
-              <a:buChar char="❏"/>
-            </a:pPr>
-            <a:r>
-              <a:rPr lang="en"/>
-              <a:t>Use lab’s oscilloscope to confirm results</a:t>
-            </a:r>
-            <a:endParaRPr/>
-          </a:p>
-          <a:p>
-            <a:pPr indent="-325437" lvl="0" marL="457200" rtl="0" algn="l">
-              <a:spcBef>
-                <a:spcPts val="360"/>
-              </a:spcBef>
-              <a:spcAft>
-                <a:spcPts val="0"/>
-              </a:spcAft>
-              <a:buSzPct val="63541"/>
-              <a:buChar char="❏"/>
-            </a:pPr>
-            <a:r>
-              <a:rPr lang="en" sz="3840"/>
-              <a:t>Showcase power supply functionality</a:t>
-            </a:r>
-            <a:endParaRPr sz="3840"/>
-          </a:p>
-          <a:p>
-            <a:pPr indent="-300037" lvl="1" marL="914400" rtl="0" algn="l">
-              <a:spcBef>
-                <a:spcPts val="360"/>
-              </a:spcBef>
-              <a:spcAft>
-                <a:spcPts val="0"/>
-              </a:spcAft>
-              <a:buSzPct val="64285"/>
-              <a:buChar char="❏"/>
-            </a:pPr>
-            <a:r>
-              <a:rPr lang="en"/>
-              <a:t>Just measure power output from lab kit with normal multimeter</a:t>
-            </a:r>
-            <a:endParaRPr/>
-          </a:p>
-        </p:txBody>
-      </p:sp>
-    </p:spTree>
-  </p:cSld>
-  <p:clrMapOvr>
-    <a:masterClrMapping/>
-  </p:clrMapOvr>
-</p:sld>
-</file>
-
-<file path=ppt/slides/slide6.xml><?xml version="1.0" encoding="utf-8"?>
-<p:sld xmlns:a="http://schemas.openxmlformats.org/drawingml/2006/main" xmlns:r="http://schemas.openxmlformats.org/officeDocument/2006/relationships" xmlns:mc="http://schemas.openxmlformats.org/markup-compatibility/2006" xmlns:mv="urn:schemas-microsoft-com:mac:vml" xmlns:p="http://schemas.openxmlformats.org/presentationml/2006/main" xmlns:c="http://schemas.openxmlformats.org/drawingml/2006/chart" xmlns:dgm="http://schemas.openxmlformats.org/drawingml/2006/diagram" xmlns:o="urn:schemas-microsoft-com:office:office" xmlns:v="urn:schemas-microsoft-com:vml" xmlns:pvml="urn:schemas-microsoft-com:office:powerpoint" xmlns:com="http://schemas.openxmlformats.org/drawingml/2006/compatibility" xmlns:p14="http://schemas.microsoft.com/office/powerpoint/2010/main" xmlns:p15="http://schemas.microsoft.com/office/powerpoint/2012/main" xmlns:ahyp="http://schemas.microsoft.com/office/drawing/2018/hyperlinkcolor">
-  <p:cSld>
-    <p:spTree>
-      <p:nvGrpSpPr>
-        <p:cNvPr id="134" name="Shape 134"/>
-        <p:cNvGrpSpPr/>
-        <p:nvPr/>
-      </p:nvGrpSpPr>
-      <p:grpSpPr>
-        <a:xfrm>
-          <a:off x="0" y="0"/>
-          <a:ext cx="0" cy="0"/>
-          <a:chOff x="0" y="0"/>
-          <a:chExt cx="0" cy="0"/>
-        </a:xfrm>
-      </p:grpSpPr>
-      <p:sp>
-        <p:nvSpPr>
-          <p:cNvPr id="135" name="Google Shape;135;p25"/>
-          <p:cNvSpPr txBox="1"/>
-          <p:nvPr>
-            <p:ph type="title"/>
-          </p:nvPr>
-        </p:nvSpPr>
-        <p:spPr>
-          <a:xfrm>
-            <a:off x="247750" y="991233"/>
-            <a:ext cx="8520600" cy="763500"/>
-          </a:xfrm>
-          <a:prstGeom prst="rect">
-            <a:avLst/>
-          </a:prstGeom>
-        </p:spPr>
-        <p:txBody>
-          <a:bodyPr anchorCtr="0" anchor="ctr" bIns="45700" lIns="91425" spcFirstLastPara="1" rIns="91425" wrap="square" tIns="45700">
-            <a:normAutofit/>
-          </a:bodyPr>
-          <a:lstStyle/>
-          <a:p>
-            <a:pPr indent="0" lvl="0" marL="0" rtl="0" algn="ctr">
-              <a:spcBef>
-                <a:spcPts val="0"/>
-              </a:spcBef>
-              <a:spcAft>
-                <a:spcPts val="0"/>
-              </a:spcAft>
-              <a:buNone/>
-            </a:pPr>
-            <a:r>
-              <a:rPr lang="en"/>
-              <a:t>Demo - ECEN 215 Lab 7 Exercise</a:t>
-            </a:r>
-            <a:endParaRPr/>
-          </a:p>
-        </p:txBody>
-      </p:sp>
-      <p:sp>
-        <p:nvSpPr>
-          <p:cNvPr id="136" name="Google Shape;136;p25"/>
-          <p:cNvSpPr txBox="1"/>
-          <p:nvPr>
-            <p:ph idx="1" type="body"/>
-          </p:nvPr>
-        </p:nvSpPr>
-        <p:spPr>
-          <a:xfrm>
-            <a:off x="247750" y="1934500"/>
-            <a:ext cx="5080800" cy="4555200"/>
-          </a:xfrm>
-          <a:prstGeom prst="rect">
-            <a:avLst/>
-          </a:prstGeom>
-        </p:spPr>
-        <p:txBody>
-          <a:bodyPr anchorCtr="0" anchor="t" bIns="45700" lIns="91425" spcFirstLastPara="1" rIns="91425" wrap="square" tIns="45700">
-            <a:normAutofit fontScale="85000" lnSpcReduction="10000"/>
-          </a:bodyPr>
-          <a:lstStyle/>
-          <a:p>
-            <a:pPr indent="-393223" lvl="0" marL="457200" rtl="0" algn="l">
-              <a:spcBef>
-                <a:spcPts val="360"/>
-              </a:spcBef>
-              <a:spcAft>
-                <a:spcPts val="0"/>
-              </a:spcAft>
-              <a:buSzPct val="100000"/>
-              <a:buChar char="•"/>
-            </a:pPr>
-            <a:r>
-              <a:rPr lang="en" sz="3050"/>
-              <a:t>Build the pictured circuit</a:t>
-            </a:r>
-            <a:endParaRPr sz="3050"/>
-          </a:p>
-          <a:p>
-            <a:pPr indent="-366236" lvl="1" marL="914400" rtl="0" algn="l">
-              <a:spcBef>
-                <a:spcPts val="360"/>
-              </a:spcBef>
-              <a:spcAft>
-                <a:spcPts val="0"/>
-              </a:spcAft>
-              <a:buSzPct val="100000"/>
-              <a:buChar char="–"/>
-            </a:pPr>
-            <a:r>
-              <a:rPr lang="en" sz="2550"/>
-              <a:t>Set the wave generator to the following settings:</a:t>
-            </a:r>
-            <a:endParaRPr sz="2550"/>
-          </a:p>
-          <a:p>
-            <a:pPr indent="-344646" lvl="2" marL="1371600" rtl="0" algn="l">
-              <a:spcBef>
-                <a:spcPts val="360"/>
-              </a:spcBef>
-              <a:spcAft>
-                <a:spcPts val="0"/>
-              </a:spcAft>
-              <a:buSzPct val="100000"/>
-              <a:buChar char="•"/>
-            </a:pPr>
-            <a:r>
-              <a:rPr lang="en" sz="2150"/>
-              <a:t>AC Sine Wave • f = 30 Hz • Phase Shift = 0° • Offset = 0 V • Amplitude = .5 V</a:t>
-            </a:r>
-            <a:endParaRPr sz="2150"/>
-          </a:p>
-          <a:p>
-            <a:pPr indent="-366236" lvl="1" marL="914400" rtl="0" algn="l">
-              <a:spcBef>
-                <a:spcPts val="360"/>
-              </a:spcBef>
-              <a:spcAft>
-                <a:spcPts val="0"/>
-              </a:spcAft>
-              <a:buSzPct val="100000"/>
-              <a:buChar char="–"/>
-            </a:pPr>
-            <a:r>
-              <a:rPr lang="en" sz="2550"/>
-              <a:t>Record the input and output waveforms using the scope tool. </a:t>
-            </a:r>
-            <a:endParaRPr sz="2550"/>
-          </a:p>
-          <a:p>
-            <a:pPr indent="-366236" lvl="1" marL="914400" rtl="0" algn="l">
-              <a:spcBef>
-                <a:spcPts val="360"/>
-              </a:spcBef>
-              <a:spcAft>
-                <a:spcPts val="0"/>
-              </a:spcAft>
-              <a:buSzPct val="100000"/>
-              <a:buChar char="–"/>
-            </a:pPr>
-            <a:r>
-              <a:rPr lang="en" sz="2550"/>
-              <a:t>Measure the amplitudes of both Vin and Vout, and the phase shift between the waves.</a:t>
-            </a:r>
-            <a:endParaRPr sz="2550"/>
-          </a:p>
-          <a:p>
-            <a:pPr indent="-379730" lvl="0" marL="457200" rtl="0" algn="l">
-              <a:spcBef>
-                <a:spcPts val="360"/>
-              </a:spcBef>
-              <a:spcAft>
-                <a:spcPts val="0"/>
-              </a:spcAft>
-              <a:buSzPct val="100000"/>
-              <a:buChar char="•"/>
-            </a:pPr>
-            <a:r>
-              <a:rPr lang="en" sz="2800"/>
-              <a:t>Do the same but with square wave</a:t>
-            </a:r>
-            <a:endParaRPr sz="2800"/>
-          </a:p>
-          <a:p>
-            <a:pPr indent="-379730" lvl="0" marL="457200" rtl="0" algn="l">
-              <a:spcBef>
-                <a:spcPts val="360"/>
-              </a:spcBef>
-              <a:spcAft>
-                <a:spcPts val="0"/>
-              </a:spcAft>
-              <a:buSzPct val="100000"/>
-              <a:buChar char="•"/>
-            </a:pPr>
-            <a:r>
-              <a:rPr lang="en" sz="2800"/>
-              <a:t>Now triangle wave</a:t>
-            </a:r>
-            <a:endParaRPr sz="2800"/>
-          </a:p>
-        </p:txBody>
-      </p:sp>
-      <p:pic>
-        <p:nvPicPr>
-          <p:cNvPr id="137" name="Google Shape;137;p25"/>
-          <p:cNvPicPr preferRelativeResize="0"/>
-          <p:nvPr/>
-        </p:nvPicPr>
-        <p:blipFill>
-          <a:blip r:embed="rId3">
-            <a:alphaModFix/>
-          </a:blip>
-          <a:stretch>
-            <a:fillRect/>
-          </a:stretch>
-        </p:blipFill>
-        <p:spPr>
-          <a:xfrm>
-            <a:off x="5415578" y="2151667"/>
-            <a:ext cx="3227575" cy="3090626"/>
+            <a:off x="3382577" y="4878575"/>
+            <a:ext cx="5568349" cy="1876125"/>
           </a:xfrm>
           <a:prstGeom prst="rect">
             <a:avLst/>
@@ -20393,7 +21013,7 @@
   <p:cSld>
     <p:spTree>
       <p:nvGrpSpPr>
-        <p:cNvPr id="141" name="Shape 141"/>
+        <p:cNvPr id="147" name="Shape 147"/>
         <p:cNvGrpSpPr/>
         <p:nvPr/>
       </p:nvGrpSpPr>
@@ -20407,7 +21027,7 @@
       </p:grpSpPr>
       <p:sp>
         <p:nvSpPr>
-          <p:cNvPr id="142" name="Google Shape;142;p26"/>
+          <p:cNvPr id="148" name="Google Shape;148;p26"/>
           <p:cNvSpPr txBox="1"/>
           <p:nvPr>
             <p:ph type="title"/>
@@ -20424,35 +21044,1125 @@
         </p:spPr>
         <p:txBody>
           <a:bodyPr anchorCtr="0" anchor="ctr" bIns="45700" lIns="91425" spcFirstLastPara="1" rIns="91425" wrap="square" tIns="45700">
-            <a:normAutofit/>
+            <a:normAutofit fontScale="90000"/>
           </a:bodyPr>
           <a:lstStyle/>
           <a:p>
             <a:pPr indent="0" lvl="0" marL="0" rtl="0" algn="ctr">
-              <a:spcBef>
-                <a:spcPts val="0"/>
-              </a:spcBef>
-              <a:spcAft>
-                <a:spcPts val="0"/>
-              </a:spcAft>
+              <a:lnSpc>
+                <a:spcPct val="115000"/>
+              </a:lnSpc>
+              <a:spcBef>
+                <a:spcPts val="0"/>
+              </a:spcBef>
+              <a:spcAft>
+                <a:spcPts val="0"/>
+              </a:spcAft>
+              <a:buClr>
+                <a:schemeClr val="dk1"/>
+              </a:buClr>
+              <a:buSzPct val="30937"/>
+              <a:buFont typeface="Arial"/>
               <a:buNone/>
             </a:pPr>
             <a:r>
               <a:rPr lang="en"/>
-              <a:t>Lab 1</a:t>
+              <a:t>Waveform Generator</a:t>
+            </a:r>
+            <a:endParaRPr/>
+          </a:p>
+          <a:p>
+            <a:pPr indent="0" lvl="0" marL="0" rtl="0" algn="ctr">
+              <a:lnSpc>
+                <a:spcPct val="115000"/>
+              </a:lnSpc>
+              <a:spcBef>
+                <a:spcPts val="0"/>
+              </a:spcBef>
+              <a:spcAft>
+                <a:spcPts val="0"/>
+              </a:spcAft>
+              <a:buClr>
+                <a:schemeClr val="dk1"/>
+              </a:buClr>
+              <a:buSzPct val="57558"/>
+              <a:buFont typeface="Arial"/>
+              <a:buNone/>
+            </a:pPr>
+            <a:r>
+              <a:rPr lang="en" sz="1720"/>
+              <a:t>Yusuf Hossain</a:t>
             </a:r>
             <a:endParaRPr/>
           </a:p>
         </p:txBody>
       </p:sp>
+      <p:graphicFrame>
+        <p:nvGraphicFramePr>
+          <p:cNvPr id="149" name="Google Shape;149;p26"/>
+          <p:cNvGraphicFramePr/>
+          <p:nvPr/>
+        </p:nvGraphicFramePr>
+        <p:xfrm>
+          <a:off x="175825" y="2608450"/>
+          <a:ext cx="3000000" cy="3000000"/>
+        </p:xfrm>
+        <a:graphic>
+          <a:graphicData uri="http://schemas.openxmlformats.org/drawingml/2006/table">
+            <a:tbl>
+              <a:tblPr>
+                <a:noFill/>
+                <a:tableStyleId>{6928D052-A946-44E8-A614-67A74DC1FCE1}</a:tableStyleId>
+              </a:tblPr>
+              <a:tblGrid>
+                <a:gridCol w="2012400"/>
+                <a:gridCol w="1968625"/>
+                <a:gridCol w="4088700"/>
+              </a:tblGrid>
+              <a:tr h="476250">
+                <a:tc>
+                  <a:txBody>
+                    <a:bodyPr/>
+                    <a:lstStyle/>
+                    <a:p>
+                      <a:pPr indent="0" lvl="0" marL="0" rtl="0" algn="l">
+                        <a:spcBef>
+                          <a:spcPts val="0"/>
+                        </a:spcBef>
+                        <a:spcAft>
+                          <a:spcPts val="0"/>
+                        </a:spcAft>
+                        <a:buNone/>
+                      </a:pPr>
+                      <a:r>
+                        <a:rPr b="1" lang="en" sz="1150"/>
+                        <a:t>Test</a:t>
+                      </a:r>
+                      <a:endParaRPr b="1" sz="1150"/>
+                    </a:p>
+                  </a:txBody>
+                  <a:tcPr marT="63500" marB="63500" marR="63500" marL="63500">
+                    <a:lnL cap="flat" cmpd="sng">
+                      <a:solidFill>
+                        <a:srgbClr val="BDC1C6"/>
+                      </a:solidFill>
+                      <a:prstDash val="solid"/>
+                      <a:round/>
+                      <a:headEnd len="sm" w="sm" type="none"/>
+                      <a:tailEnd len="sm" w="sm" type="none"/>
+                    </a:lnL>
+                    <a:lnR cap="flat" cmpd="sng" w="9525">
+                      <a:solidFill>
+                        <a:srgbClr val="BDC1C6"/>
+                      </a:solidFill>
+                      <a:prstDash val="solid"/>
+                      <a:round/>
+                      <a:headEnd len="sm" w="sm" type="none"/>
+                      <a:tailEnd len="sm" w="sm" type="none"/>
+                    </a:lnR>
+                    <a:lnT cap="flat" cmpd="sng" w="12700">
+                      <a:solidFill>
+                        <a:srgbClr val="BDC1C6"/>
+                      </a:solidFill>
+                      <a:prstDash val="solid"/>
+                      <a:round/>
+                      <a:headEnd len="sm" w="sm" type="none"/>
+                      <a:tailEnd len="sm" w="sm" type="none"/>
+                    </a:lnT>
+                    <a:lnB cap="flat" cmpd="sng" w="12700">
+                      <a:solidFill>
+                        <a:srgbClr val="BDC1C6"/>
+                      </a:solidFill>
+                      <a:prstDash val="solid"/>
+                      <a:round/>
+                      <a:headEnd len="sm" w="sm" type="none"/>
+                      <a:tailEnd len="sm" w="sm" type="none"/>
+                    </a:lnB>
+                    <a:solidFill>
+                      <a:srgbClr val="F1F3F4"/>
+                    </a:solidFill>
+                  </a:tcPr>
+                </a:tc>
+                <a:tc>
+                  <a:txBody>
+                    <a:bodyPr/>
+                    <a:lstStyle/>
+                    <a:p>
+                      <a:pPr indent="0" lvl="0" marL="0" rtl="0" algn="l">
+                        <a:spcBef>
+                          <a:spcPts val="0"/>
+                        </a:spcBef>
+                        <a:spcAft>
+                          <a:spcPts val="0"/>
+                        </a:spcAft>
+                        <a:buNone/>
+                      </a:pPr>
+                      <a:r>
+                        <a:rPr b="1" lang="en" sz="1150"/>
+                        <a:t>Success Criterion</a:t>
+                      </a:r>
+                      <a:endParaRPr b="1" sz="1150"/>
+                    </a:p>
+                  </a:txBody>
+                  <a:tcPr marT="63500" marB="63500" marR="63500" marL="63500">
+                    <a:lnL cap="flat" cmpd="sng" w="9525">
+                      <a:solidFill>
+                        <a:srgbClr val="BDC1C6"/>
+                      </a:solidFill>
+                      <a:prstDash val="solid"/>
+                      <a:round/>
+                      <a:headEnd len="sm" w="sm" type="none"/>
+                      <a:tailEnd len="sm" w="sm" type="none"/>
+                    </a:lnL>
+                    <a:lnR cap="flat" cmpd="sng" w="9525">
+                      <a:solidFill>
+                        <a:srgbClr val="BDC1C6"/>
+                      </a:solidFill>
+                      <a:prstDash val="solid"/>
+                      <a:round/>
+                      <a:headEnd len="sm" w="sm" type="none"/>
+                      <a:tailEnd len="sm" w="sm" type="none"/>
+                    </a:lnR>
+                    <a:lnT cap="flat" cmpd="sng" w="12700">
+                      <a:solidFill>
+                        <a:srgbClr val="BDC1C6"/>
+                      </a:solidFill>
+                      <a:prstDash val="solid"/>
+                      <a:round/>
+                      <a:headEnd len="sm" w="sm" type="none"/>
+                      <a:tailEnd len="sm" w="sm" type="none"/>
+                    </a:lnT>
+                    <a:lnB cap="flat" cmpd="sng" w="12700">
+                      <a:solidFill>
+                        <a:srgbClr val="BDC1C6"/>
+                      </a:solidFill>
+                      <a:prstDash val="solid"/>
+                      <a:round/>
+                      <a:headEnd len="sm" w="sm" type="none"/>
+                      <a:tailEnd len="sm" w="sm" type="none"/>
+                    </a:lnB>
+                    <a:solidFill>
+                      <a:srgbClr val="F1F3F4"/>
+                    </a:solidFill>
+                  </a:tcPr>
+                </a:tc>
+                <a:tc>
+                  <a:txBody>
+                    <a:bodyPr/>
+                    <a:lstStyle/>
+                    <a:p>
+                      <a:pPr indent="0" lvl="0" marL="0" rtl="0" algn="l">
+                        <a:spcBef>
+                          <a:spcPts val="0"/>
+                        </a:spcBef>
+                        <a:spcAft>
+                          <a:spcPts val="0"/>
+                        </a:spcAft>
+                        <a:buNone/>
+                      </a:pPr>
+                      <a:r>
+                        <a:rPr b="1" lang="en" sz="1150"/>
+                        <a:t>Results</a:t>
+                      </a:r>
+                      <a:endParaRPr b="1" sz="1150"/>
+                    </a:p>
+                  </a:txBody>
+                  <a:tcPr marT="63500" marB="63500" marR="63500" marL="63500">
+                    <a:lnL cap="flat" cmpd="sng" w="9525">
+                      <a:solidFill>
+                        <a:srgbClr val="BDC1C6"/>
+                      </a:solidFill>
+                      <a:prstDash val="solid"/>
+                      <a:round/>
+                      <a:headEnd len="sm" w="sm" type="none"/>
+                      <a:tailEnd len="sm" w="sm" type="none"/>
+                    </a:lnL>
+                    <a:lnR cap="flat" cmpd="sng" w="12700">
+                      <a:solidFill>
+                        <a:srgbClr val="BDC1C6"/>
+                      </a:solidFill>
+                      <a:prstDash val="solid"/>
+                      <a:round/>
+                      <a:headEnd len="sm" w="sm" type="none"/>
+                      <a:tailEnd len="sm" w="sm" type="none"/>
+                    </a:lnR>
+                    <a:lnT cap="flat" cmpd="sng" w="12700">
+                      <a:solidFill>
+                        <a:srgbClr val="BDC1C6"/>
+                      </a:solidFill>
+                      <a:prstDash val="solid"/>
+                      <a:round/>
+                      <a:headEnd len="sm" w="sm" type="none"/>
+                      <a:tailEnd len="sm" w="sm" type="none"/>
+                    </a:lnT>
+                    <a:lnB cap="flat" cmpd="sng" w="12700">
+                      <a:solidFill>
+                        <a:srgbClr val="BDC1C6"/>
+                      </a:solidFill>
+                      <a:prstDash val="solid"/>
+                      <a:round/>
+                      <a:headEnd len="sm" w="sm" type="none"/>
+                      <a:tailEnd len="sm" w="sm" type="none"/>
+                    </a:lnB>
+                    <a:solidFill>
+                      <a:srgbClr val="F1F3F4"/>
+                    </a:solidFill>
+                  </a:tcPr>
+                </a:tc>
+              </a:tr>
+              <a:tr h="12700">
+                <a:tc>
+                  <a:txBody>
+                    <a:bodyPr/>
+                    <a:lstStyle/>
+                    <a:p>
+                      <a:pPr indent="0" lvl="0" marL="0" rtl="0" algn="l">
+                        <a:spcBef>
+                          <a:spcPts val="0"/>
+                        </a:spcBef>
+                        <a:spcAft>
+                          <a:spcPts val="0"/>
+                        </a:spcAft>
+                        <a:buNone/>
+                      </a:pPr>
+                      <a:r>
+                        <a:rPr lang="en" sz="1150"/>
+                        <a:t>Wavegen Shapes</a:t>
+                      </a:r>
+                      <a:endParaRPr sz="1150"/>
+                    </a:p>
+                  </a:txBody>
+                  <a:tcPr marT="63500" marB="63500" marR="63500" marL="63500">
+                    <a:lnL cap="flat" cmpd="sng">
+                      <a:solidFill>
+                        <a:srgbClr val="BDC1C6"/>
+                      </a:solidFill>
+                      <a:prstDash val="solid"/>
+                      <a:round/>
+                      <a:headEnd len="sm" w="sm" type="none"/>
+                      <a:tailEnd len="sm" w="sm" type="none"/>
+                    </a:lnL>
+                    <a:lnR cap="flat" cmpd="sng" w="9525">
+                      <a:solidFill>
+                        <a:srgbClr val="BDC1C6"/>
+                      </a:solidFill>
+                      <a:prstDash val="solid"/>
+                      <a:round/>
+                      <a:headEnd len="sm" w="sm" type="none"/>
+                      <a:tailEnd len="sm" w="sm" type="none"/>
+                    </a:lnR>
+                    <a:lnT cap="flat" cmpd="sng" w="12700">
+                      <a:solidFill>
+                        <a:srgbClr val="BDC1C6"/>
+                      </a:solidFill>
+                      <a:prstDash val="solid"/>
+                      <a:round/>
+                      <a:headEnd len="sm" w="sm" type="none"/>
+                      <a:tailEnd len="sm" w="sm" type="none"/>
+                    </a:lnT>
+                    <a:lnB cap="flat" cmpd="sng" w="12700">
+                      <a:solidFill>
+                        <a:srgbClr val="BDC1C6"/>
+                      </a:solidFill>
+                      <a:prstDash val="solid"/>
+                      <a:round/>
+                      <a:headEnd len="sm" w="sm" type="none"/>
+                      <a:tailEnd len="sm" w="sm" type="none"/>
+                    </a:lnB>
+                  </a:tcPr>
+                </a:tc>
+                <a:tc>
+                  <a:txBody>
+                    <a:bodyPr/>
+                    <a:lstStyle/>
+                    <a:p>
+                      <a:pPr indent="0" lvl="0" marL="0" rtl="0" algn="l">
+                        <a:spcBef>
+                          <a:spcPts val="0"/>
+                        </a:spcBef>
+                        <a:spcAft>
+                          <a:spcPts val="0"/>
+                        </a:spcAft>
+                        <a:buNone/>
+                      </a:pPr>
+                      <a:r>
+                        <a:rPr lang="en" sz="1150"/>
+                        <a:t>Produce Sine, Triangle and square waves</a:t>
+                      </a:r>
+                      <a:endParaRPr sz="1150"/>
+                    </a:p>
+                  </a:txBody>
+                  <a:tcPr marT="63500" marB="63500" marR="63500" marL="63500">
+                    <a:lnL cap="flat" cmpd="sng" w="9525">
+                      <a:solidFill>
+                        <a:srgbClr val="BDC1C6"/>
+                      </a:solidFill>
+                      <a:prstDash val="solid"/>
+                      <a:round/>
+                      <a:headEnd len="sm" w="sm" type="none"/>
+                      <a:tailEnd len="sm" w="sm" type="none"/>
+                    </a:lnL>
+                    <a:lnR cap="flat" cmpd="sng" w="9525">
+                      <a:solidFill>
+                        <a:srgbClr val="BDC1C6"/>
+                      </a:solidFill>
+                      <a:prstDash val="solid"/>
+                      <a:round/>
+                      <a:headEnd len="sm" w="sm" type="none"/>
+                      <a:tailEnd len="sm" w="sm" type="none"/>
+                    </a:lnR>
+                    <a:lnT cap="flat" cmpd="sng" w="12700">
+                      <a:solidFill>
+                        <a:srgbClr val="BDC1C6"/>
+                      </a:solidFill>
+                      <a:prstDash val="solid"/>
+                      <a:round/>
+                      <a:headEnd len="sm" w="sm" type="none"/>
+                      <a:tailEnd len="sm" w="sm" type="none"/>
+                    </a:lnT>
+                    <a:lnB cap="flat" cmpd="sng" w="12700">
+                      <a:solidFill>
+                        <a:srgbClr val="BDC1C6"/>
+                      </a:solidFill>
+                      <a:prstDash val="solid"/>
+                      <a:round/>
+                      <a:headEnd len="sm" w="sm" type="none"/>
+                      <a:tailEnd len="sm" w="sm" type="none"/>
+                    </a:lnB>
+                  </a:tcPr>
+                </a:tc>
+                <a:tc>
+                  <a:txBody>
+                    <a:bodyPr/>
+                    <a:lstStyle/>
+                    <a:p>
+                      <a:pPr indent="0" lvl="0" marL="0" rtl="0" algn="l">
+                        <a:spcBef>
+                          <a:spcPts val="0"/>
+                        </a:spcBef>
+                        <a:spcAft>
+                          <a:spcPts val="0"/>
+                        </a:spcAft>
+                        <a:buNone/>
+                      </a:pPr>
+                      <a:r>
+                        <a:t/>
+                      </a:r>
+                      <a:endParaRPr sz="1150"/>
+                    </a:p>
+                  </a:txBody>
+                  <a:tcPr marT="63500" marB="63500" marR="63500" marL="63500">
+                    <a:lnL cap="flat" cmpd="sng" w="9525">
+                      <a:solidFill>
+                        <a:srgbClr val="BDC1C6"/>
+                      </a:solidFill>
+                      <a:prstDash val="solid"/>
+                      <a:round/>
+                      <a:headEnd len="sm" w="sm" type="none"/>
+                      <a:tailEnd len="sm" w="sm" type="none"/>
+                    </a:lnL>
+                    <a:lnR cap="flat" cmpd="sng" w="12700">
+                      <a:solidFill>
+                        <a:srgbClr val="BDC1C6"/>
+                      </a:solidFill>
+                      <a:prstDash val="solid"/>
+                      <a:round/>
+                      <a:headEnd len="sm" w="sm" type="none"/>
+                      <a:tailEnd len="sm" w="sm" type="none"/>
+                    </a:lnR>
+                    <a:lnT cap="flat" cmpd="sng" w="12700">
+                      <a:solidFill>
+                        <a:srgbClr val="BDC1C6"/>
+                      </a:solidFill>
+                      <a:prstDash val="solid"/>
+                      <a:round/>
+                      <a:headEnd len="sm" w="sm" type="none"/>
+                      <a:tailEnd len="sm" w="sm" type="none"/>
+                    </a:lnT>
+                    <a:lnB cap="flat" cmpd="sng" w="12700">
+                      <a:solidFill>
+                        <a:srgbClr val="BDC1C6"/>
+                      </a:solidFill>
+                      <a:prstDash val="solid"/>
+                      <a:round/>
+                      <a:headEnd len="sm" w="sm" type="none"/>
+                      <a:tailEnd len="sm" w="sm" type="none"/>
+                    </a:lnB>
+                  </a:tcPr>
+                </a:tc>
+              </a:tr>
+              <a:tr h="12700">
+                <a:tc>
+                  <a:txBody>
+                    <a:bodyPr/>
+                    <a:lstStyle/>
+                    <a:p>
+                      <a:pPr indent="0" lvl="0" marL="0" rtl="0" algn="l">
+                        <a:spcBef>
+                          <a:spcPts val="0"/>
+                        </a:spcBef>
+                        <a:spcAft>
+                          <a:spcPts val="0"/>
+                        </a:spcAft>
+                        <a:buNone/>
+                      </a:pPr>
+                      <a:r>
+                        <a:rPr lang="en" sz="1150"/>
+                        <a:t>Amplitude</a:t>
+                      </a:r>
+                      <a:endParaRPr sz="1150"/>
+                    </a:p>
+                  </a:txBody>
+                  <a:tcPr marT="63500" marB="63500" marR="63500" marL="63500">
+                    <a:lnL cap="flat" cmpd="sng">
+                      <a:solidFill>
+                        <a:srgbClr val="BDC1C6"/>
+                      </a:solidFill>
+                      <a:prstDash val="solid"/>
+                      <a:round/>
+                      <a:headEnd len="sm" w="sm" type="none"/>
+                      <a:tailEnd len="sm" w="sm" type="none"/>
+                    </a:lnL>
+                    <a:lnR cap="flat" cmpd="sng" w="9525">
+                      <a:solidFill>
+                        <a:srgbClr val="BDC1C6"/>
+                      </a:solidFill>
+                      <a:prstDash val="solid"/>
+                      <a:round/>
+                      <a:headEnd len="sm" w="sm" type="none"/>
+                      <a:tailEnd len="sm" w="sm" type="none"/>
+                    </a:lnR>
+                    <a:lnT cap="flat" cmpd="sng" w="12700">
+                      <a:solidFill>
+                        <a:srgbClr val="BDC1C6"/>
+                      </a:solidFill>
+                      <a:prstDash val="solid"/>
+                      <a:round/>
+                      <a:headEnd len="sm" w="sm" type="none"/>
+                      <a:tailEnd len="sm" w="sm" type="none"/>
+                    </a:lnT>
+                    <a:lnB cap="flat" cmpd="sng" w="12700">
+                      <a:solidFill>
+                        <a:srgbClr val="BDC1C6"/>
+                      </a:solidFill>
+                      <a:prstDash val="solid"/>
+                      <a:round/>
+                      <a:headEnd len="sm" w="sm" type="none"/>
+                      <a:tailEnd len="sm" w="sm" type="none"/>
+                    </a:lnB>
+                  </a:tcPr>
+                </a:tc>
+                <a:tc>
+                  <a:txBody>
+                    <a:bodyPr/>
+                    <a:lstStyle/>
+                    <a:p>
+                      <a:pPr indent="0" lvl="0" marL="0" rtl="0" algn="l">
+                        <a:spcBef>
+                          <a:spcPts val="0"/>
+                        </a:spcBef>
+                        <a:spcAft>
+                          <a:spcPts val="0"/>
+                        </a:spcAft>
+                        <a:buNone/>
+                      </a:pPr>
+                      <a:r>
+                        <a:rPr lang="en" sz="1150"/>
+                        <a:t>0.5V, 1V, and 2V</a:t>
+                      </a:r>
+                      <a:endParaRPr sz="1150"/>
+                    </a:p>
+                  </a:txBody>
+                  <a:tcPr marT="63500" marB="63500" marR="63500" marL="63500">
+                    <a:lnL cap="flat" cmpd="sng" w="9525">
+                      <a:solidFill>
+                        <a:srgbClr val="BDC1C6"/>
+                      </a:solidFill>
+                      <a:prstDash val="solid"/>
+                      <a:round/>
+                      <a:headEnd len="sm" w="sm" type="none"/>
+                      <a:tailEnd len="sm" w="sm" type="none"/>
+                    </a:lnL>
+                    <a:lnR cap="flat" cmpd="sng" w="9525">
+                      <a:solidFill>
+                        <a:srgbClr val="BDC1C6"/>
+                      </a:solidFill>
+                      <a:prstDash val="solid"/>
+                      <a:round/>
+                      <a:headEnd len="sm" w="sm" type="none"/>
+                      <a:tailEnd len="sm" w="sm" type="none"/>
+                    </a:lnR>
+                    <a:lnT cap="flat" cmpd="sng" w="12700">
+                      <a:solidFill>
+                        <a:srgbClr val="BDC1C6"/>
+                      </a:solidFill>
+                      <a:prstDash val="solid"/>
+                      <a:round/>
+                      <a:headEnd len="sm" w="sm" type="none"/>
+                      <a:tailEnd len="sm" w="sm" type="none"/>
+                    </a:lnT>
+                    <a:lnB cap="flat" cmpd="sng" w="12700">
+                      <a:solidFill>
+                        <a:srgbClr val="BDC1C6"/>
+                      </a:solidFill>
+                      <a:prstDash val="solid"/>
+                      <a:round/>
+                      <a:headEnd len="sm" w="sm" type="none"/>
+                      <a:tailEnd len="sm" w="sm" type="none"/>
+                    </a:lnB>
+                  </a:tcPr>
+                </a:tc>
+                <a:tc>
+                  <a:txBody>
+                    <a:bodyPr/>
+                    <a:lstStyle/>
+                    <a:p>
+                      <a:pPr indent="0" lvl="0" marL="0" rtl="0" algn="l">
+                        <a:spcBef>
+                          <a:spcPts val="0"/>
+                        </a:spcBef>
+                        <a:spcAft>
+                          <a:spcPts val="0"/>
+                        </a:spcAft>
+                        <a:buNone/>
+                      </a:pPr>
+                      <a:r>
+                        <a:t/>
+                      </a:r>
+                      <a:endParaRPr sz="1150"/>
+                    </a:p>
+                  </a:txBody>
+                  <a:tcPr marT="63500" marB="63500" marR="63500" marL="63500">
+                    <a:lnL cap="flat" cmpd="sng" w="9525">
+                      <a:solidFill>
+                        <a:srgbClr val="BDC1C6"/>
+                      </a:solidFill>
+                      <a:prstDash val="solid"/>
+                      <a:round/>
+                      <a:headEnd len="sm" w="sm" type="none"/>
+                      <a:tailEnd len="sm" w="sm" type="none"/>
+                    </a:lnL>
+                    <a:lnR cap="flat" cmpd="sng" w="12700">
+                      <a:solidFill>
+                        <a:srgbClr val="BDC1C6"/>
+                      </a:solidFill>
+                      <a:prstDash val="solid"/>
+                      <a:round/>
+                      <a:headEnd len="sm" w="sm" type="none"/>
+                      <a:tailEnd len="sm" w="sm" type="none"/>
+                    </a:lnR>
+                    <a:lnT cap="flat" cmpd="sng" w="12700">
+                      <a:solidFill>
+                        <a:srgbClr val="BDC1C6"/>
+                      </a:solidFill>
+                      <a:prstDash val="solid"/>
+                      <a:round/>
+                      <a:headEnd len="sm" w="sm" type="none"/>
+                      <a:tailEnd len="sm" w="sm" type="none"/>
+                    </a:lnT>
+                    <a:lnB cap="flat" cmpd="sng" w="12700">
+                      <a:solidFill>
+                        <a:srgbClr val="BDC1C6"/>
+                      </a:solidFill>
+                      <a:prstDash val="solid"/>
+                      <a:round/>
+                      <a:headEnd len="sm" w="sm" type="none"/>
+                      <a:tailEnd len="sm" w="sm" type="none"/>
+                    </a:lnB>
+                  </a:tcPr>
+                </a:tc>
+              </a:tr>
+              <a:tr h="12700">
+                <a:tc>
+                  <a:txBody>
+                    <a:bodyPr/>
+                    <a:lstStyle/>
+                    <a:p>
+                      <a:pPr indent="0" lvl="0" marL="0" rtl="0" algn="l">
+                        <a:spcBef>
+                          <a:spcPts val="0"/>
+                        </a:spcBef>
+                        <a:spcAft>
+                          <a:spcPts val="0"/>
+                        </a:spcAft>
+                        <a:buNone/>
+                      </a:pPr>
+                      <a:r>
+                        <a:rPr lang="en" sz="1150"/>
+                        <a:t>Frequency </a:t>
+                      </a:r>
+                      <a:endParaRPr sz="1150"/>
+                    </a:p>
+                  </a:txBody>
+                  <a:tcPr marT="63500" marB="63500" marR="63500" marL="63500">
+                    <a:lnL cap="flat" cmpd="sng">
+                      <a:solidFill>
+                        <a:srgbClr val="BDC1C6"/>
+                      </a:solidFill>
+                      <a:prstDash val="solid"/>
+                      <a:round/>
+                      <a:headEnd len="sm" w="sm" type="none"/>
+                      <a:tailEnd len="sm" w="sm" type="none"/>
+                    </a:lnL>
+                    <a:lnR cap="flat" cmpd="sng" w="9525">
+                      <a:solidFill>
+                        <a:srgbClr val="BDC1C6"/>
+                      </a:solidFill>
+                      <a:prstDash val="solid"/>
+                      <a:round/>
+                      <a:headEnd len="sm" w="sm" type="none"/>
+                      <a:tailEnd len="sm" w="sm" type="none"/>
+                    </a:lnR>
+                    <a:lnT cap="flat" cmpd="sng" w="12700">
+                      <a:solidFill>
+                        <a:srgbClr val="BDC1C6"/>
+                      </a:solidFill>
+                      <a:prstDash val="solid"/>
+                      <a:round/>
+                      <a:headEnd len="sm" w="sm" type="none"/>
+                      <a:tailEnd len="sm" w="sm" type="none"/>
+                    </a:lnT>
+                    <a:lnB cap="flat" cmpd="sng" w="12700">
+                      <a:solidFill>
+                        <a:srgbClr val="BDC1C6"/>
+                      </a:solidFill>
+                      <a:prstDash val="solid"/>
+                      <a:round/>
+                      <a:headEnd len="sm" w="sm" type="none"/>
+                      <a:tailEnd len="sm" w="sm" type="none"/>
+                    </a:lnB>
+                  </a:tcPr>
+                </a:tc>
+                <a:tc>
+                  <a:txBody>
+                    <a:bodyPr/>
+                    <a:lstStyle/>
+                    <a:p>
+                      <a:pPr indent="0" lvl="0" marL="0" rtl="0" algn="l">
+                        <a:spcBef>
+                          <a:spcPts val="0"/>
+                        </a:spcBef>
+                        <a:spcAft>
+                          <a:spcPts val="0"/>
+                        </a:spcAft>
+                        <a:buNone/>
+                      </a:pPr>
+                      <a:r>
+                        <a:rPr lang="en" sz="1150"/>
+                        <a:t>1 Hz, 20 Hz, and 30Hz</a:t>
+                      </a:r>
+                      <a:endParaRPr sz="1150"/>
+                    </a:p>
+                  </a:txBody>
+                  <a:tcPr marT="63500" marB="63500" marR="63500" marL="63500">
+                    <a:lnL cap="flat" cmpd="sng" w="9525">
+                      <a:solidFill>
+                        <a:srgbClr val="BDC1C6"/>
+                      </a:solidFill>
+                      <a:prstDash val="solid"/>
+                      <a:round/>
+                      <a:headEnd len="sm" w="sm" type="none"/>
+                      <a:tailEnd len="sm" w="sm" type="none"/>
+                    </a:lnL>
+                    <a:lnR cap="flat" cmpd="sng" w="9525">
+                      <a:solidFill>
+                        <a:srgbClr val="BDC1C6"/>
+                      </a:solidFill>
+                      <a:prstDash val="solid"/>
+                      <a:round/>
+                      <a:headEnd len="sm" w="sm" type="none"/>
+                      <a:tailEnd len="sm" w="sm" type="none"/>
+                    </a:lnR>
+                    <a:lnT cap="flat" cmpd="sng" w="12700">
+                      <a:solidFill>
+                        <a:srgbClr val="BDC1C6"/>
+                      </a:solidFill>
+                      <a:prstDash val="solid"/>
+                      <a:round/>
+                      <a:headEnd len="sm" w="sm" type="none"/>
+                      <a:tailEnd len="sm" w="sm" type="none"/>
+                    </a:lnT>
+                    <a:lnB cap="flat" cmpd="sng" w="12700">
+                      <a:solidFill>
+                        <a:srgbClr val="BDC1C6"/>
+                      </a:solidFill>
+                      <a:prstDash val="solid"/>
+                      <a:round/>
+                      <a:headEnd len="sm" w="sm" type="none"/>
+                      <a:tailEnd len="sm" w="sm" type="none"/>
+                    </a:lnB>
+                  </a:tcPr>
+                </a:tc>
+                <a:tc>
+                  <a:txBody>
+                    <a:bodyPr/>
+                    <a:lstStyle/>
+                    <a:p>
+                      <a:pPr indent="0" lvl="0" marL="0" rtl="0" algn="l">
+                        <a:spcBef>
+                          <a:spcPts val="0"/>
+                        </a:spcBef>
+                        <a:spcAft>
+                          <a:spcPts val="0"/>
+                        </a:spcAft>
+                        <a:buNone/>
+                      </a:pPr>
+                      <a:r>
+                        <a:t/>
+                      </a:r>
+                      <a:endParaRPr sz="1150"/>
+                    </a:p>
+                  </a:txBody>
+                  <a:tcPr marT="63500" marB="63500" marR="63500" marL="63500">
+                    <a:lnL cap="flat" cmpd="sng" w="9525">
+                      <a:solidFill>
+                        <a:srgbClr val="BDC1C6"/>
+                      </a:solidFill>
+                      <a:prstDash val="solid"/>
+                      <a:round/>
+                      <a:headEnd len="sm" w="sm" type="none"/>
+                      <a:tailEnd len="sm" w="sm" type="none"/>
+                    </a:lnL>
+                    <a:lnR cap="flat" cmpd="sng" w="12700">
+                      <a:solidFill>
+                        <a:srgbClr val="BDC1C6"/>
+                      </a:solidFill>
+                      <a:prstDash val="solid"/>
+                      <a:round/>
+                      <a:headEnd len="sm" w="sm" type="none"/>
+                      <a:tailEnd len="sm" w="sm" type="none"/>
+                    </a:lnR>
+                    <a:lnT cap="flat" cmpd="sng" w="12700">
+                      <a:solidFill>
+                        <a:srgbClr val="BDC1C6"/>
+                      </a:solidFill>
+                      <a:prstDash val="solid"/>
+                      <a:round/>
+                      <a:headEnd len="sm" w="sm" type="none"/>
+                      <a:tailEnd len="sm" w="sm" type="none"/>
+                    </a:lnT>
+                    <a:lnB cap="flat" cmpd="sng" w="12700">
+                      <a:solidFill>
+                        <a:srgbClr val="BDC1C6"/>
+                      </a:solidFill>
+                      <a:prstDash val="solid"/>
+                      <a:round/>
+                      <a:headEnd len="sm" w="sm" type="none"/>
+                      <a:tailEnd len="sm" w="sm" type="none"/>
+                    </a:lnB>
+                  </a:tcPr>
+                </a:tc>
+              </a:tr>
+              <a:tr h="12700">
+                <a:tc>
+                  <a:txBody>
+                    <a:bodyPr/>
+                    <a:lstStyle/>
+                    <a:p>
+                      <a:pPr indent="0" lvl="0" marL="0" rtl="0" algn="l">
+                        <a:spcBef>
+                          <a:spcPts val="0"/>
+                        </a:spcBef>
+                        <a:spcAft>
+                          <a:spcPts val="0"/>
+                        </a:spcAft>
+                        <a:buNone/>
+                      </a:pPr>
+                      <a:r>
+                        <a:rPr lang="en" sz="1150"/>
+                        <a:t>Wavegen Noise</a:t>
+                      </a:r>
+                      <a:endParaRPr sz="1150"/>
+                    </a:p>
+                  </a:txBody>
+                  <a:tcPr marT="63500" marB="63500" marR="63500" marL="63500">
+                    <a:lnL cap="flat" cmpd="sng">
+                      <a:solidFill>
+                        <a:srgbClr val="BDC1C6"/>
+                      </a:solidFill>
+                      <a:prstDash val="solid"/>
+                      <a:round/>
+                      <a:headEnd len="sm" w="sm" type="none"/>
+                      <a:tailEnd len="sm" w="sm" type="none"/>
+                    </a:lnL>
+                    <a:lnR cap="flat" cmpd="sng" w="9525">
+                      <a:solidFill>
+                        <a:srgbClr val="BDC1C6"/>
+                      </a:solidFill>
+                      <a:prstDash val="solid"/>
+                      <a:round/>
+                      <a:headEnd len="sm" w="sm" type="none"/>
+                      <a:tailEnd len="sm" w="sm" type="none"/>
+                    </a:lnR>
+                    <a:lnT cap="flat" cmpd="sng" w="12700">
+                      <a:solidFill>
+                        <a:srgbClr val="BDC1C6"/>
+                      </a:solidFill>
+                      <a:prstDash val="solid"/>
+                      <a:round/>
+                      <a:headEnd len="sm" w="sm" type="none"/>
+                      <a:tailEnd len="sm" w="sm" type="none"/>
+                    </a:lnT>
+                    <a:lnB cap="flat" cmpd="sng" w="12700">
+                      <a:solidFill>
+                        <a:srgbClr val="BDC1C6"/>
+                      </a:solidFill>
+                      <a:prstDash val="solid"/>
+                      <a:round/>
+                      <a:headEnd len="sm" w="sm" type="none"/>
+                      <a:tailEnd len="sm" w="sm" type="none"/>
+                    </a:lnB>
+                  </a:tcPr>
+                </a:tc>
+                <a:tc>
+                  <a:txBody>
+                    <a:bodyPr/>
+                    <a:lstStyle/>
+                    <a:p>
+                      <a:pPr indent="0" lvl="0" marL="0" rtl="0" algn="l">
+                        <a:spcBef>
+                          <a:spcPts val="0"/>
+                        </a:spcBef>
+                        <a:spcAft>
+                          <a:spcPts val="0"/>
+                        </a:spcAft>
+                        <a:buClr>
+                          <a:schemeClr val="dk1"/>
+                        </a:buClr>
+                        <a:buSzPts val="1100"/>
+                        <a:buFont typeface="Arial"/>
+                        <a:buNone/>
+                      </a:pPr>
+                      <a:r>
+                        <a:rPr lang="en" sz="1150">
+                          <a:solidFill>
+                            <a:schemeClr val="dk1"/>
+                          </a:solidFill>
+                        </a:rPr>
+                        <a:t>Output signal is moderately accurate</a:t>
+                      </a:r>
+                      <a:endParaRPr/>
+                    </a:p>
+                  </a:txBody>
+                  <a:tcPr marT="63500" marB="63500" marR="63500" marL="63500">
+                    <a:lnL cap="flat" cmpd="sng" w="9525">
+                      <a:solidFill>
+                        <a:srgbClr val="BDC1C6"/>
+                      </a:solidFill>
+                      <a:prstDash val="solid"/>
+                      <a:round/>
+                      <a:headEnd len="sm" w="sm" type="none"/>
+                      <a:tailEnd len="sm" w="sm" type="none"/>
+                    </a:lnL>
+                    <a:lnR cap="flat" cmpd="sng" w="9525">
+                      <a:solidFill>
+                        <a:srgbClr val="BDC1C6"/>
+                      </a:solidFill>
+                      <a:prstDash val="solid"/>
+                      <a:round/>
+                      <a:headEnd len="sm" w="sm" type="none"/>
+                      <a:tailEnd len="sm" w="sm" type="none"/>
+                    </a:lnR>
+                    <a:lnT cap="flat" cmpd="sng" w="12700">
+                      <a:solidFill>
+                        <a:srgbClr val="BDC1C6"/>
+                      </a:solidFill>
+                      <a:prstDash val="solid"/>
+                      <a:round/>
+                      <a:headEnd len="sm" w="sm" type="none"/>
+                      <a:tailEnd len="sm" w="sm" type="none"/>
+                    </a:lnT>
+                    <a:lnB cap="flat" cmpd="sng" w="12700">
+                      <a:solidFill>
+                        <a:srgbClr val="BDC1C6"/>
+                      </a:solidFill>
+                      <a:prstDash val="solid"/>
+                      <a:round/>
+                      <a:headEnd len="sm" w="sm" type="none"/>
+                      <a:tailEnd len="sm" w="sm" type="none"/>
+                    </a:lnB>
+                  </a:tcPr>
+                </a:tc>
+                <a:tc>
+                  <a:txBody>
+                    <a:bodyPr/>
+                    <a:lstStyle/>
+                    <a:p>
+                      <a:pPr indent="0" lvl="0" marL="0" rtl="0" algn="l">
+                        <a:spcBef>
+                          <a:spcPts val="0"/>
+                        </a:spcBef>
+                        <a:spcAft>
+                          <a:spcPts val="0"/>
+                        </a:spcAft>
+                        <a:buNone/>
+                      </a:pPr>
+                      <a:r>
+                        <a:t/>
+                      </a:r>
+                      <a:endParaRPr sz="1150"/>
+                    </a:p>
+                  </a:txBody>
+                  <a:tcPr marT="63500" marB="63500" marR="63500" marL="63500">
+                    <a:lnL cap="flat" cmpd="sng" w="9525">
+                      <a:solidFill>
+                        <a:srgbClr val="BDC1C6"/>
+                      </a:solidFill>
+                      <a:prstDash val="solid"/>
+                      <a:round/>
+                      <a:headEnd len="sm" w="sm" type="none"/>
+                      <a:tailEnd len="sm" w="sm" type="none"/>
+                    </a:lnL>
+                    <a:lnR cap="flat" cmpd="sng" w="12700">
+                      <a:solidFill>
+                        <a:srgbClr val="BDC1C6"/>
+                      </a:solidFill>
+                      <a:prstDash val="solid"/>
+                      <a:round/>
+                      <a:headEnd len="sm" w="sm" type="none"/>
+                      <a:tailEnd len="sm" w="sm" type="none"/>
+                    </a:lnR>
+                    <a:lnT cap="flat" cmpd="sng" w="12700">
+                      <a:solidFill>
+                        <a:srgbClr val="BDC1C6"/>
+                      </a:solidFill>
+                      <a:prstDash val="solid"/>
+                      <a:round/>
+                      <a:headEnd len="sm" w="sm" type="none"/>
+                      <a:tailEnd len="sm" w="sm" type="none"/>
+                    </a:lnT>
+                    <a:lnB cap="flat" cmpd="sng" w="12700">
+                      <a:solidFill>
+                        <a:srgbClr val="BDC1C6"/>
+                      </a:solidFill>
+                      <a:prstDash val="solid"/>
+                      <a:round/>
+                      <a:headEnd len="sm" w="sm" type="none"/>
+                      <a:tailEnd len="sm" w="sm" type="none"/>
+                    </a:lnB>
+                  </a:tcPr>
+                </a:tc>
+              </a:tr>
+            </a:tbl>
+          </a:graphicData>
+        </a:graphic>
+      </p:graphicFrame>
       <p:pic>
         <p:nvPicPr>
-          <p:cNvPr id="143" name="Google Shape;143;p26"/>
+          <p:cNvPr id="150" name="Google Shape;150;p26"/>
+          <p:cNvPicPr preferRelativeResize="0"/>
+          <p:nvPr/>
+        </p:nvPicPr>
+        <p:blipFill rotWithShape="1">
+          <a:blip r:embed="rId3">
+            <a:alphaModFix/>
+          </a:blip>
+          <a:srcRect b="0" l="0" r="36269" t="46320"/>
+          <a:stretch/>
+        </p:blipFill>
+        <p:spPr>
+          <a:xfrm>
+            <a:off x="4156850" y="3554588"/>
+            <a:ext cx="1507175" cy="603325"/>
+          </a:xfrm>
+          <a:prstGeom prst="rect">
+            <a:avLst/>
+          </a:prstGeom>
+          <a:noFill/>
+          <a:ln>
+            <a:noFill/>
+          </a:ln>
+        </p:spPr>
+      </p:pic>
+      <p:pic>
+        <p:nvPicPr>
+          <p:cNvPr id="151" name="Google Shape;151;p26"/>
+          <p:cNvPicPr preferRelativeResize="0"/>
+          <p:nvPr/>
+        </p:nvPicPr>
+        <p:blipFill rotWithShape="1">
+          <a:blip r:embed="rId4">
+            <a:alphaModFix/>
+          </a:blip>
+          <a:srcRect b="0" l="12667" r="33058" t="0"/>
+          <a:stretch/>
+        </p:blipFill>
+        <p:spPr>
+          <a:xfrm>
+            <a:off x="5658150" y="3554588"/>
+            <a:ext cx="1304900" cy="603325"/>
+          </a:xfrm>
+          <a:prstGeom prst="rect">
+            <a:avLst/>
+          </a:prstGeom>
+          <a:noFill/>
+          <a:ln>
+            <a:noFill/>
+          </a:ln>
+        </p:spPr>
+      </p:pic>
+      <p:pic>
+        <p:nvPicPr>
+          <p:cNvPr id="152" name="Google Shape;152;p26"/>
+          <p:cNvPicPr preferRelativeResize="0"/>
+          <p:nvPr/>
+        </p:nvPicPr>
+        <p:blipFill rotWithShape="1">
+          <a:blip r:embed="rId4">
+            <a:alphaModFix/>
+          </a:blip>
+          <a:srcRect b="0" l="12667" r="33058" t="0"/>
+          <a:stretch/>
+        </p:blipFill>
+        <p:spPr>
+          <a:xfrm>
+            <a:off x="6963050" y="3554613"/>
+            <a:ext cx="1304900" cy="603325"/>
+          </a:xfrm>
+          <a:prstGeom prst="rect">
+            <a:avLst/>
+          </a:prstGeom>
+          <a:noFill/>
+          <a:ln>
+            <a:noFill/>
+          </a:ln>
+        </p:spPr>
+      </p:pic>
+      <p:pic>
+        <p:nvPicPr>
+          <p:cNvPr id="153" name="Google Shape;153;p26"/>
+          <p:cNvPicPr preferRelativeResize="0"/>
+          <p:nvPr/>
+        </p:nvPicPr>
+        <p:blipFill rotWithShape="1">
+          <a:blip r:embed="rId5">
+            <a:alphaModFix/>
+          </a:blip>
+          <a:srcRect b="0" l="0" r="23500" t="0"/>
+          <a:stretch/>
+        </p:blipFill>
+        <p:spPr>
+          <a:xfrm>
+            <a:off x="7530375" y="3761025"/>
+            <a:ext cx="733425" cy="190500"/>
+          </a:xfrm>
+          <a:prstGeom prst="rect">
+            <a:avLst/>
+          </a:prstGeom>
+          <a:noFill/>
+          <a:ln>
+            <a:noFill/>
+          </a:ln>
+        </p:spPr>
+      </p:pic>
+      <p:pic>
+        <p:nvPicPr>
+          <p:cNvPr id="154" name="Google Shape;154;p26"/>
           <p:cNvPicPr preferRelativeResize="0"/>
           <p:nvPr/>
         </p:nvPicPr>
         <p:blipFill>
-          <a:blip r:embed="rId3">
+          <a:blip r:embed="rId6">
             <a:alphaModFix/>
           </a:blip>
           <a:stretch>
@@ -20461,8 +22171,277 @@
         </p:blipFill>
         <p:spPr>
           <a:xfrm>
-            <a:off x="1701821" y="2479021"/>
-            <a:ext cx="5740350" cy="3217801"/>
+            <a:off x="7725025" y="3930538"/>
+            <a:ext cx="542925" cy="209550"/>
+          </a:xfrm>
+          <a:prstGeom prst="rect">
+            <a:avLst/>
+          </a:prstGeom>
+          <a:noFill/>
+          <a:ln>
+            <a:noFill/>
+          </a:ln>
+        </p:spPr>
+      </p:pic>
+      <p:pic>
+        <p:nvPicPr>
+          <p:cNvPr id="155" name="Google Shape;155;p26"/>
+          <p:cNvPicPr preferRelativeResize="0"/>
+          <p:nvPr/>
+        </p:nvPicPr>
+        <p:blipFill>
+          <a:blip r:embed="rId6">
+            <a:alphaModFix/>
+          </a:blip>
+          <a:stretch>
+            <a:fillRect/>
+          </a:stretch>
+        </p:blipFill>
+        <p:spPr>
+          <a:xfrm>
+            <a:off x="7530375" y="3930550"/>
+            <a:ext cx="542925" cy="209550"/>
+          </a:xfrm>
+          <a:prstGeom prst="rect">
+            <a:avLst/>
+          </a:prstGeom>
+          <a:noFill/>
+          <a:ln>
+            <a:noFill/>
+          </a:ln>
+        </p:spPr>
+      </p:pic>
+      <p:pic>
+        <p:nvPicPr>
+          <p:cNvPr id="156" name="Google Shape;156;p26"/>
+          <p:cNvPicPr preferRelativeResize="0"/>
+          <p:nvPr/>
+        </p:nvPicPr>
+        <p:blipFill rotWithShape="1">
+          <a:blip r:embed="rId7">
+            <a:alphaModFix/>
+          </a:blip>
+          <a:srcRect b="10" l="0" r="-21359" t="-10"/>
+          <a:stretch/>
+        </p:blipFill>
+        <p:spPr>
+          <a:xfrm>
+            <a:off x="5068325" y="3761000"/>
+            <a:ext cx="733425" cy="190500"/>
+          </a:xfrm>
+          <a:prstGeom prst="rect">
+            <a:avLst/>
+          </a:prstGeom>
+          <a:noFill/>
+          <a:ln>
+            <a:noFill/>
+          </a:ln>
+        </p:spPr>
+      </p:pic>
+      <p:pic>
+        <p:nvPicPr>
+          <p:cNvPr id="157" name="Google Shape;157;p26"/>
+          <p:cNvPicPr preferRelativeResize="0"/>
+          <p:nvPr/>
+        </p:nvPicPr>
+        <p:blipFill>
+          <a:blip r:embed="rId8">
+            <a:alphaModFix/>
+          </a:blip>
+          <a:stretch>
+            <a:fillRect/>
+          </a:stretch>
+        </p:blipFill>
+        <p:spPr>
+          <a:xfrm>
+            <a:off x="5068325" y="3951500"/>
+            <a:ext cx="603900" cy="167625"/>
+          </a:xfrm>
+          <a:prstGeom prst="rect">
+            <a:avLst/>
+          </a:prstGeom>
+          <a:noFill/>
+          <a:ln>
+            <a:noFill/>
+          </a:ln>
+        </p:spPr>
+      </p:pic>
+      <p:sp>
+        <p:nvSpPr>
+          <p:cNvPr id="158" name="Google Shape;158;p26"/>
+          <p:cNvSpPr txBox="1"/>
+          <p:nvPr/>
+        </p:nvSpPr>
+        <p:spPr>
+          <a:xfrm>
+            <a:off x="198225" y="2115850"/>
+            <a:ext cx="3000000" cy="492600"/>
+          </a:xfrm>
+          <a:prstGeom prst="rect">
+            <a:avLst/>
+          </a:prstGeom>
+          <a:noFill/>
+          <a:ln>
+            <a:noFill/>
+          </a:ln>
+        </p:spPr>
+        <p:txBody>
+          <a:bodyPr anchorCtr="0" anchor="t" bIns="91425" lIns="91425" spcFirstLastPara="1" rIns="91425" wrap="square" tIns="91425">
+            <a:spAutoFit/>
+          </a:bodyPr>
+          <a:lstStyle/>
+          <a:p>
+            <a:pPr indent="0" lvl="0" marL="0" rtl="0" algn="l">
+              <a:spcBef>
+                <a:spcPts val="360"/>
+              </a:spcBef>
+              <a:spcAft>
+                <a:spcPts val="0"/>
+              </a:spcAft>
+              <a:buNone/>
+            </a:pPr>
+            <a:r>
+              <a:rPr b="1" lang="en" sz="2000" u="sng">
+                <a:solidFill>
+                  <a:schemeClr val="dk1"/>
+                </a:solidFill>
+              </a:rPr>
+              <a:t>Validation:</a:t>
+            </a:r>
+            <a:endParaRPr sz="2000">
+              <a:solidFill>
+                <a:schemeClr val="dk1"/>
+              </a:solidFill>
+            </a:endParaRPr>
+          </a:p>
+        </p:txBody>
+      </p:sp>
+      <p:pic>
+        <p:nvPicPr>
+          <p:cNvPr id="159" name="Google Shape;159;p26"/>
+          <p:cNvPicPr preferRelativeResize="0"/>
+          <p:nvPr/>
+        </p:nvPicPr>
+        <p:blipFill rotWithShape="1">
+          <a:blip r:embed="rId9">
+            <a:alphaModFix/>
+          </a:blip>
+          <a:srcRect b="0" l="0" r="12899" t="0"/>
+          <a:stretch/>
+        </p:blipFill>
+        <p:spPr>
+          <a:xfrm>
+            <a:off x="131475" y="4791350"/>
+            <a:ext cx="2612975" cy="1589750"/>
+          </a:xfrm>
+          <a:prstGeom prst="rect">
+            <a:avLst/>
+          </a:prstGeom>
+          <a:noFill/>
+          <a:ln>
+            <a:noFill/>
+          </a:ln>
+        </p:spPr>
+      </p:pic>
+      <p:pic>
+        <p:nvPicPr>
+          <p:cNvPr id="160" name="Google Shape;160;p26"/>
+          <p:cNvPicPr preferRelativeResize="0"/>
+          <p:nvPr/>
+        </p:nvPicPr>
+        <p:blipFill rotWithShape="1">
+          <a:blip r:embed="rId10">
+            <a:alphaModFix/>
+          </a:blip>
+          <a:srcRect b="0" l="0" r="22136" t="0"/>
+          <a:stretch/>
+        </p:blipFill>
+        <p:spPr>
+          <a:xfrm>
+            <a:off x="3001599" y="4765450"/>
+            <a:ext cx="2656551" cy="1641550"/>
+          </a:xfrm>
+          <a:prstGeom prst="rect">
+            <a:avLst/>
+          </a:prstGeom>
+          <a:noFill/>
+          <a:ln>
+            <a:noFill/>
+          </a:ln>
+        </p:spPr>
+      </p:pic>
+      <p:pic>
+        <p:nvPicPr>
+          <p:cNvPr id="161" name="Google Shape;161;p26"/>
+          <p:cNvPicPr preferRelativeResize="0"/>
+          <p:nvPr/>
+        </p:nvPicPr>
+        <p:blipFill>
+          <a:blip r:embed="rId11">
+            <a:alphaModFix/>
+          </a:blip>
+          <a:stretch>
+            <a:fillRect/>
+          </a:stretch>
+        </p:blipFill>
+        <p:spPr>
+          <a:xfrm>
+            <a:off x="5801756" y="4765450"/>
+            <a:ext cx="3061569" cy="1641550"/>
+          </a:xfrm>
+          <a:prstGeom prst="rect">
+            <a:avLst/>
+          </a:prstGeom>
+          <a:noFill/>
+          <a:ln>
+            <a:noFill/>
+          </a:ln>
+        </p:spPr>
+      </p:pic>
+      <p:pic>
+        <p:nvPicPr>
+          <p:cNvPr id="162" name="Google Shape;162;p26"/>
+          <p:cNvPicPr preferRelativeResize="0"/>
+          <p:nvPr/>
+        </p:nvPicPr>
+        <p:blipFill rotWithShape="1">
+          <a:blip r:embed="rId12">
+            <a:alphaModFix/>
+          </a:blip>
+          <a:srcRect b="0" l="0" r="0" t="0"/>
+          <a:stretch/>
+        </p:blipFill>
+        <p:spPr>
+          <a:xfrm>
+            <a:off x="6264425" y="3761000"/>
+            <a:ext cx="733425" cy="171450"/>
+          </a:xfrm>
+          <a:prstGeom prst="rect">
+            <a:avLst/>
+          </a:prstGeom>
+          <a:noFill/>
+          <a:ln>
+            <a:noFill/>
+          </a:ln>
+        </p:spPr>
+      </p:pic>
+      <p:pic>
+        <p:nvPicPr>
+          <p:cNvPr id="163" name="Google Shape;163;p26"/>
+          <p:cNvPicPr preferRelativeResize="0"/>
+          <p:nvPr/>
+        </p:nvPicPr>
+        <p:blipFill rotWithShape="1">
+          <a:blip r:embed="rId13">
+            <a:alphaModFix/>
+          </a:blip>
+          <a:srcRect b="0" l="0" r="-9529" t="0"/>
+          <a:stretch/>
+        </p:blipFill>
+        <p:spPr>
+          <a:xfrm>
+            <a:off x="6264425" y="3922925"/>
+            <a:ext cx="803275" cy="209550"/>
           </a:xfrm>
           <a:prstGeom prst="rect">
             <a:avLst/>
@@ -20486,7 +22465,7 @@
   <p:cSld>
     <p:spTree>
       <p:nvGrpSpPr>
-        <p:cNvPr id="147" name="Shape 147"/>
+        <p:cNvPr id="167" name="Shape 167"/>
         <p:cNvGrpSpPr/>
         <p:nvPr/>
       </p:nvGrpSpPr>
@@ -20500,7 +22479,448 @@
       </p:grpSpPr>
       <p:sp>
         <p:nvSpPr>
-          <p:cNvPr id="148" name="Google Shape;148;p27"/>
+          <p:cNvPr id="168" name="Google Shape;168;p27"/>
+          <p:cNvSpPr txBox="1"/>
+          <p:nvPr>
+            <p:ph type="title"/>
+          </p:nvPr>
+        </p:nvSpPr>
+        <p:spPr>
+          <a:xfrm>
+            <a:off x="457200" y="1049177"/>
+            <a:ext cx="8229600" cy="803700"/>
+          </a:xfrm>
+          <a:prstGeom prst="rect">
+            <a:avLst/>
+          </a:prstGeom>
+          <a:noFill/>
+          <a:ln>
+            <a:noFill/>
+          </a:ln>
+        </p:spPr>
+        <p:txBody>
+          <a:bodyPr anchorCtr="0" anchor="ctr" bIns="45700" lIns="91425" spcFirstLastPara="1" rIns="91425" wrap="square" tIns="45700">
+            <a:normAutofit/>
+          </a:bodyPr>
+          <a:lstStyle/>
+          <a:p>
+            <a:pPr indent="0" lvl="0" marL="0" rtl="0" algn="ctr">
+              <a:lnSpc>
+                <a:spcPct val="100000"/>
+              </a:lnSpc>
+              <a:spcBef>
+                <a:spcPts val="0"/>
+              </a:spcBef>
+              <a:spcAft>
+                <a:spcPts val="0"/>
+              </a:spcAft>
+              <a:buClr>
+                <a:schemeClr val="dk1"/>
+              </a:buClr>
+              <a:buSzPts val="3200"/>
+              <a:buFont typeface="Arial"/>
+              <a:buNone/>
+            </a:pPr>
+            <a:r>
+              <a:rPr lang="en"/>
+              <a:t>Mobile Application</a:t>
+            </a:r>
+            <a:endParaRPr/>
+          </a:p>
+        </p:txBody>
+      </p:sp>
+      <p:pic>
+        <p:nvPicPr>
+          <p:cNvPr id="169" name="Google Shape;169;p27"/>
+          <p:cNvPicPr preferRelativeResize="0"/>
+          <p:nvPr/>
+        </p:nvPicPr>
+        <p:blipFill>
+          <a:blip r:embed="rId3">
+            <a:alphaModFix/>
+          </a:blip>
+          <a:stretch>
+            <a:fillRect/>
+          </a:stretch>
+        </p:blipFill>
+        <p:spPr>
+          <a:xfrm>
+            <a:off x="1342250" y="1746300"/>
+            <a:ext cx="1168874" cy="2525375"/>
+          </a:xfrm>
+          <a:prstGeom prst="rect">
+            <a:avLst/>
+          </a:prstGeom>
+          <a:noFill/>
+          <a:ln>
+            <a:noFill/>
+          </a:ln>
+        </p:spPr>
+      </p:pic>
+      <p:pic>
+        <p:nvPicPr>
+          <p:cNvPr id="170" name="Google Shape;170;p27"/>
+          <p:cNvPicPr preferRelativeResize="0"/>
+          <p:nvPr/>
+        </p:nvPicPr>
+        <p:blipFill>
+          <a:blip r:embed="rId4">
+            <a:alphaModFix/>
+          </a:blip>
+          <a:stretch>
+            <a:fillRect/>
+          </a:stretch>
+        </p:blipFill>
+        <p:spPr>
+          <a:xfrm>
+            <a:off x="2579655" y="1747288"/>
+            <a:ext cx="1168875" cy="2546787"/>
+          </a:xfrm>
+          <a:prstGeom prst="rect">
+            <a:avLst/>
+          </a:prstGeom>
+          <a:noFill/>
+          <a:ln>
+            <a:noFill/>
+          </a:ln>
+        </p:spPr>
+      </p:pic>
+      <p:pic>
+        <p:nvPicPr>
+          <p:cNvPr id="171" name="Google Shape;171;p27"/>
+          <p:cNvPicPr preferRelativeResize="0"/>
+          <p:nvPr/>
+        </p:nvPicPr>
+        <p:blipFill>
+          <a:blip r:embed="rId5">
+            <a:alphaModFix/>
+          </a:blip>
+          <a:stretch>
+            <a:fillRect/>
+          </a:stretch>
+        </p:blipFill>
+        <p:spPr>
+          <a:xfrm>
+            <a:off x="104854" y="1749801"/>
+            <a:ext cx="1168875" cy="2541767"/>
+          </a:xfrm>
+          <a:prstGeom prst="rect">
+            <a:avLst/>
+          </a:prstGeom>
+          <a:noFill/>
+          <a:ln>
+            <a:noFill/>
+          </a:ln>
+        </p:spPr>
+      </p:pic>
+      <p:pic>
+        <p:nvPicPr>
+          <p:cNvPr id="172" name="Google Shape;172;p27"/>
+          <p:cNvPicPr preferRelativeResize="0"/>
+          <p:nvPr/>
+        </p:nvPicPr>
+        <p:blipFill>
+          <a:blip r:embed="rId6">
+            <a:alphaModFix/>
+          </a:blip>
+          <a:stretch>
+            <a:fillRect/>
+          </a:stretch>
+        </p:blipFill>
+        <p:spPr>
+          <a:xfrm>
+            <a:off x="3817045" y="1754688"/>
+            <a:ext cx="1168874" cy="2531984"/>
+          </a:xfrm>
+          <a:prstGeom prst="rect">
+            <a:avLst/>
+          </a:prstGeom>
+          <a:noFill/>
+          <a:ln>
+            <a:noFill/>
+          </a:ln>
+        </p:spPr>
+      </p:pic>
+      <p:pic>
+        <p:nvPicPr>
+          <p:cNvPr id="173" name="Google Shape;173;p27"/>
+          <p:cNvPicPr preferRelativeResize="0"/>
+          <p:nvPr/>
+        </p:nvPicPr>
+        <p:blipFill>
+          <a:blip r:embed="rId7">
+            <a:alphaModFix/>
+          </a:blip>
+          <a:stretch>
+            <a:fillRect/>
+          </a:stretch>
+        </p:blipFill>
+        <p:spPr>
+          <a:xfrm>
+            <a:off x="5054450" y="1754700"/>
+            <a:ext cx="1168874" cy="2522301"/>
+          </a:xfrm>
+          <a:prstGeom prst="rect">
+            <a:avLst/>
+          </a:prstGeom>
+          <a:noFill/>
+          <a:ln>
+            <a:noFill/>
+          </a:ln>
+        </p:spPr>
+      </p:pic>
+      <p:pic>
+        <p:nvPicPr>
+          <p:cNvPr id="174" name="Google Shape;174;p27"/>
+          <p:cNvPicPr preferRelativeResize="0"/>
+          <p:nvPr/>
+        </p:nvPicPr>
+        <p:blipFill>
+          <a:blip r:embed="rId8">
+            <a:alphaModFix/>
+          </a:blip>
+          <a:stretch>
+            <a:fillRect/>
+          </a:stretch>
+        </p:blipFill>
+        <p:spPr>
+          <a:xfrm>
+            <a:off x="6291851" y="1753426"/>
+            <a:ext cx="1168875" cy="2534497"/>
+          </a:xfrm>
+          <a:prstGeom prst="rect">
+            <a:avLst/>
+          </a:prstGeom>
+          <a:noFill/>
+          <a:ln>
+            <a:noFill/>
+          </a:ln>
+        </p:spPr>
+      </p:pic>
+      <p:pic>
+        <p:nvPicPr>
+          <p:cNvPr id="175" name="Google Shape;175;p27"/>
+          <p:cNvPicPr preferRelativeResize="0"/>
+          <p:nvPr/>
+        </p:nvPicPr>
+        <p:blipFill>
+          <a:blip r:embed="rId9">
+            <a:alphaModFix/>
+          </a:blip>
+          <a:stretch>
+            <a:fillRect/>
+          </a:stretch>
+        </p:blipFill>
+        <p:spPr>
+          <a:xfrm>
+            <a:off x="7529250" y="1754700"/>
+            <a:ext cx="1168876" cy="2525366"/>
+          </a:xfrm>
+          <a:prstGeom prst="rect">
+            <a:avLst/>
+          </a:prstGeom>
+          <a:noFill/>
+          <a:ln>
+            <a:noFill/>
+          </a:ln>
+        </p:spPr>
+      </p:pic>
+      <p:pic>
+        <p:nvPicPr>
+          <p:cNvPr id="176" name="Google Shape;176;p27"/>
+          <p:cNvPicPr preferRelativeResize="0"/>
+          <p:nvPr/>
+        </p:nvPicPr>
+        <p:blipFill>
+          <a:blip r:embed="rId10">
+            <a:alphaModFix/>
+          </a:blip>
+          <a:stretch>
+            <a:fillRect/>
+          </a:stretch>
+        </p:blipFill>
+        <p:spPr>
+          <a:xfrm>
+            <a:off x="104857" y="4305150"/>
+            <a:ext cx="1168875" cy="2536191"/>
+          </a:xfrm>
+          <a:prstGeom prst="rect">
+            <a:avLst/>
+          </a:prstGeom>
+          <a:noFill/>
+          <a:ln>
+            <a:noFill/>
+          </a:ln>
+        </p:spPr>
+      </p:pic>
+      <p:pic>
+        <p:nvPicPr>
+          <p:cNvPr id="177" name="Google Shape;177;p27"/>
+          <p:cNvPicPr preferRelativeResize="0"/>
+          <p:nvPr/>
+        </p:nvPicPr>
+        <p:blipFill>
+          <a:blip r:embed="rId11">
+            <a:alphaModFix/>
+          </a:blip>
+          <a:stretch>
+            <a:fillRect/>
+          </a:stretch>
+        </p:blipFill>
+        <p:spPr>
+          <a:xfrm>
+            <a:off x="1342247" y="4288675"/>
+            <a:ext cx="1168875" cy="2569155"/>
+          </a:xfrm>
+          <a:prstGeom prst="rect">
+            <a:avLst/>
+          </a:prstGeom>
+          <a:noFill/>
+          <a:ln>
+            <a:noFill/>
+          </a:ln>
+        </p:spPr>
+      </p:pic>
+      <p:pic>
+        <p:nvPicPr>
+          <p:cNvPr id="178" name="Google Shape;178;p27"/>
+          <p:cNvPicPr preferRelativeResize="0"/>
+          <p:nvPr/>
+        </p:nvPicPr>
+        <p:blipFill>
+          <a:blip r:embed="rId12">
+            <a:alphaModFix/>
+          </a:blip>
+          <a:stretch>
+            <a:fillRect/>
+          </a:stretch>
+        </p:blipFill>
+        <p:spPr>
+          <a:xfrm>
+            <a:off x="2579649" y="4312100"/>
+            <a:ext cx="1168875" cy="2522308"/>
+          </a:xfrm>
+          <a:prstGeom prst="rect">
+            <a:avLst/>
+          </a:prstGeom>
+          <a:noFill/>
+          <a:ln>
+            <a:noFill/>
+          </a:ln>
+        </p:spPr>
+      </p:pic>
+      <p:pic>
+        <p:nvPicPr>
+          <p:cNvPr id="179" name="Google Shape;179;p27"/>
+          <p:cNvPicPr preferRelativeResize="0"/>
+          <p:nvPr/>
+        </p:nvPicPr>
+        <p:blipFill>
+          <a:blip r:embed="rId13">
+            <a:alphaModFix/>
+          </a:blip>
+          <a:stretch>
+            <a:fillRect/>
+          </a:stretch>
+        </p:blipFill>
+        <p:spPr>
+          <a:xfrm>
+            <a:off x="3817056" y="4311525"/>
+            <a:ext cx="1168874" cy="2523457"/>
+          </a:xfrm>
+          <a:prstGeom prst="rect">
+            <a:avLst/>
+          </a:prstGeom>
+          <a:noFill/>
+          <a:ln>
+            <a:noFill/>
+          </a:ln>
+        </p:spPr>
+      </p:pic>
+      <p:pic>
+        <p:nvPicPr>
+          <p:cNvPr id="180" name="Google Shape;180;p27"/>
+          <p:cNvPicPr preferRelativeResize="0"/>
+          <p:nvPr/>
+        </p:nvPicPr>
+        <p:blipFill>
+          <a:blip r:embed="rId14">
+            <a:alphaModFix/>
+          </a:blip>
+          <a:stretch>
+            <a:fillRect/>
+          </a:stretch>
+        </p:blipFill>
+        <p:spPr>
+          <a:xfrm>
+            <a:off x="5054443" y="4305863"/>
+            <a:ext cx="1168876" cy="2534768"/>
+          </a:xfrm>
+          <a:prstGeom prst="rect">
+            <a:avLst/>
+          </a:prstGeom>
+          <a:noFill/>
+          <a:ln>
+            <a:noFill/>
+          </a:ln>
+        </p:spPr>
+      </p:pic>
+      <p:pic>
+        <p:nvPicPr>
+          <p:cNvPr id="181" name="Google Shape;181;p27"/>
+          <p:cNvPicPr preferRelativeResize="0"/>
+          <p:nvPr/>
+        </p:nvPicPr>
+        <p:blipFill>
+          <a:blip r:embed="rId15">
+            <a:alphaModFix/>
+          </a:blip>
+          <a:stretch>
+            <a:fillRect/>
+          </a:stretch>
+        </p:blipFill>
+        <p:spPr>
+          <a:xfrm>
+            <a:off x="6291857" y="4313050"/>
+            <a:ext cx="1168876" cy="2520404"/>
+          </a:xfrm>
+          <a:prstGeom prst="rect">
+            <a:avLst/>
+          </a:prstGeom>
+          <a:noFill/>
+          <a:ln>
+            <a:noFill/>
+          </a:ln>
+        </p:spPr>
+      </p:pic>
+    </p:spTree>
+  </p:cSld>
+  <p:clrMapOvr>
+    <a:masterClrMapping/>
+  </p:clrMapOvr>
+</p:sld>
+</file>
+
+<file path=ppt/slides/slide9.xml><?xml version="1.0" encoding="utf-8"?>
+<p:sld xmlns:a="http://schemas.openxmlformats.org/drawingml/2006/main" xmlns:r="http://schemas.openxmlformats.org/officeDocument/2006/relationships" xmlns:mc="http://schemas.openxmlformats.org/markup-compatibility/2006" xmlns:mv="urn:schemas-microsoft-com:mac:vml" xmlns:p="http://schemas.openxmlformats.org/presentationml/2006/main" xmlns:c="http://schemas.openxmlformats.org/drawingml/2006/chart" xmlns:dgm="http://schemas.openxmlformats.org/drawingml/2006/diagram" xmlns:o="urn:schemas-microsoft-com:office:office" xmlns:v="urn:schemas-microsoft-com:vml" xmlns:pvml="urn:schemas-microsoft-com:office:powerpoint" xmlns:com="http://schemas.openxmlformats.org/drawingml/2006/compatibility" xmlns:p14="http://schemas.microsoft.com/office/powerpoint/2010/main" xmlns:p15="http://schemas.microsoft.com/office/powerpoint/2012/main" xmlns:ahyp="http://schemas.microsoft.com/office/drawing/2018/hyperlinkcolor">
+  <p:cSld>
+    <p:spTree>
+      <p:nvGrpSpPr>
+        <p:cNvPr id="186" name="Shape 186"/>
+        <p:cNvGrpSpPr/>
+        <p:nvPr/>
+      </p:nvGrpSpPr>
+      <p:grpSpPr>
+        <a:xfrm>
+          <a:off x="0" y="0"/>
+          <a:ext cx="0" cy="0"/>
+          <a:chOff x="0" y="0"/>
+          <a:chExt cx="0" cy="0"/>
+        </a:xfrm>
+      </p:grpSpPr>
+      <p:sp>
+        <p:nvSpPr>
+          <p:cNvPr id="187" name="Google Shape;187;p28"/>
           <p:cNvSpPr txBox="1"/>
           <p:nvPr>
             <p:ph type="title"/>
@@ -20517,30 +22937,217 @@
         </p:spPr>
         <p:txBody>
           <a:bodyPr anchorCtr="0" anchor="ctr" bIns="45700" lIns="91425" spcFirstLastPara="1" rIns="91425" wrap="square" tIns="45700">
-            <a:normAutofit/>
+            <a:normAutofit fontScale="90000"/>
           </a:bodyPr>
           <a:lstStyle/>
           <a:p>
             <a:pPr indent="0" lvl="0" marL="0" rtl="0" algn="ctr">
-              <a:spcBef>
-                <a:spcPts val="0"/>
-              </a:spcBef>
-              <a:spcAft>
-                <a:spcPts val="0"/>
-              </a:spcAft>
+              <a:lnSpc>
+                <a:spcPct val="115000"/>
+              </a:lnSpc>
+              <a:spcBef>
+                <a:spcPts val="0"/>
+              </a:spcBef>
+              <a:spcAft>
+                <a:spcPts val="0"/>
+              </a:spcAft>
+              <a:buClr>
+                <a:schemeClr val="dk1"/>
+              </a:buClr>
+              <a:buSzPct val="34375"/>
+              <a:buFont typeface="Arial"/>
               <a:buNone/>
             </a:pPr>
             <a:r>
               <a:rPr lang="en"/>
-              <a:t>Lab 1</a:t>
+              <a:t>PCB and Power</a:t>
+            </a:r>
+            <a:endParaRPr/>
+          </a:p>
+          <a:p>
+            <a:pPr indent="0" lvl="0" marL="0" rtl="0" algn="ctr">
+              <a:lnSpc>
+                <a:spcPct val="115000"/>
+              </a:lnSpc>
+              <a:spcBef>
+                <a:spcPts val="0"/>
+              </a:spcBef>
+              <a:spcAft>
+                <a:spcPts val="0"/>
+              </a:spcAft>
+              <a:buClr>
+                <a:schemeClr val="dk1"/>
+              </a:buClr>
+              <a:buSzPct val="63953"/>
+              <a:buFont typeface="Arial"/>
+              <a:buNone/>
+            </a:pPr>
+            <a:r>
+              <a:rPr lang="en" sz="1720"/>
+              <a:t>Ryan Freed</a:t>
             </a:r>
             <a:endParaRPr/>
           </a:p>
         </p:txBody>
       </p:sp>
+      <p:sp>
+        <p:nvSpPr>
+          <p:cNvPr id="188" name="Google Shape;188;p28"/>
+          <p:cNvSpPr txBox="1"/>
+          <p:nvPr>
+            <p:ph idx="1" type="body"/>
+          </p:nvPr>
+        </p:nvSpPr>
+        <p:spPr>
+          <a:xfrm>
+            <a:off x="457200" y="2049270"/>
+            <a:ext cx="8229600" cy="4077300"/>
+          </a:xfrm>
+          <a:prstGeom prst="rect">
+            <a:avLst/>
+          </a:prstGeom>
+        </p:spPr>
+        <p:txBody>
+          <a:bodyPr anchorCtr="0" anchor="t" bIns="45700" lIns="91425" spcFirstLastPara="1" rIns="91425" wrap="square" tIns="45700">
+            <a:normAutofit/>
+          </a:bodyPr>
+          <a:lstStyle/>
+          <a:p>
+            <a:pPr indent="0" lvl="0" marL="0" rtl="0" algn="l">
+              <a:spcBef>
+                <a:spcPts val="360"/>
+              </a:spcBef>
+              <a:spcAft>
+                <a:spcPts val="0"/>
+              </a:spcAft>
+              <a:buNone/>
+            </a:pPr>
+            <a:r>
+              <a:rPr b="1" lang="en" sz="1700" u="sng"/>
+              <a:t>Accomplishments:</a:t>
+            </a:r>
+            <a:endParaRPr b="1" sz="1700" u="sng"/>
+          </a:p>
+          <a:p>
+            <a:pPr indent="-336550" lvl="0" marL="457200" rtl="0" algn="l">
+              <a:spcBef>
+                <a:spcPts val="360"/>
+              </a:spcBef>
+              <a:spcAft>
+                <a:spcPts val="0"/>
+              </a:spcAft>
+              <a:buSzPts val="1700"/>
+              <a:buChar char="●"/>
+            </a:pPr>
+            <a:r>
+              <a:rPr lang="en" sz="1700"/>
+              <a:t>Designed Buck Converters</a:t>
+            </a:r>
+            <a:endParaRPr sz="1700"/>
+          </a:p>
+          <a:p>
+            <a:pPr indent="0" lvl="0" marL="457200" rtl="0" algn="l">
+              <a:spcBef>
+                <a:spcPts val="360"/>
+              </a:spcBef>
+              <a:spcAft>
+                <a:spcPts val="0"/>
+              </a:spcAft>
+              <a:buNone/>
+            </a:pPr>
+            <a:r>
+              <a:rPr lang="en" sz="1700"/>
+              <a:t>(5, 3.3, and -5 V)</a:t>
+            </a:r>
+            <a:endParaRPr b="1" sz="1700" u="sng"/>
+          </a:p>
+          <a:p>
+            <a:pPr indent="-336550" lvl="0" marL="457200" rtl="0" algn="l">
+              <a:spcBef>
+                <a:spcPts val="360"/>
+              </a:spcBef>
+              <a:spcAft>
+                <a:spcPts val="0"/>
+              </a:spcAft>
+              <a:buSzPts val="1700"/>
+              <a:buChar char="●"/>
+            </a:pPr>
+            <a:r>
+              <a:rPr lang="en" sz="1700"/>
+              <a:t>Designed Power Supply</a:t>
+            </a:r>
+            <a:endParaRPr sz="1700"/>
+          </a:p>
+          <a:p>
+            <a:pPr indent="0" lvl="0" marL="0" rtl="0" algn="l">
+              <a:spcBef>
+                <a:spcPts val="360"/>
+              </a:spcBef>
+              <a:spcAft>
+                <a:spcPts val="0"/>
+              </a:spcAft>
+              <a:buNone/>
+            </a:pPr>
+            <a:r>
+              <a:rPr lang="en" sz="1700"/>
+              <a:t>        switching system (5 and -5 V)</a:t>
+            </a:r>
+            <a:endParaRPr b="1" sz="1700" u="sng"/>
+          </a:p>
+          <a:p>
+            <a:pPr indent="-336550" lvl="0" marL="457200" rtl="0" algn="l">
+              <a:spcBef>
+                <a:spcPts val="360"/>
+              </a:spcBef>
+              <a:spcAft>
+                <a:spcPts val="0"/>
+              </a:spcAft>
+              <a:buSzPts val="1700"/>
+              <a:buChar char="●"/>
+            </a:pPr>
+            <a:r>
+              <a:rPr lang="en" sz="1700"/>
+              <a:t>Designed PCB and case</a:t>
+            </a:r>
+            <a:endParaRPr sz="1700"/>
+          </a:p>
+          <a:p>
+            <a:pPr indent="-336550" lvl="0" marL="457200" rtl="0" algn="l">
+              <a:spcBef>
+                <a:spcPts val="0"/>
+              </a:spcBef>
+              <a:spcAft>
+                <a:spcPts val="0"/>
+              </a:spcAft>
+              <a:buSzPts val="1700"/>
+              <a:buChar char="●"/>
+            </a:pPr>
+            <a:r>
+              <a:rPr lang="en" sz="1700"/>
+              <a:t>Low price and size</a:t>
+            </a:r>
+            <a:endParaRPr sz="1700"/>
+          </a:p>
+          <a:p>
+            <a:pPr indent="0" lvl="0" marL="0" rtl="0" algn="l">
+              <a:spcBef>
+                <a:spcPts val="360"/>
+              </a:spcBef>
+              <a:spcAft>
+                <a:spcPts val="0"/>
+              </a:spcAft>
+              <a:buNone/>
+            </a:pPr>
+            <a:r>
+              <a:t/>
+            </a:r>
+            <a:endParaRPr sz="1700"/>
+          </a:p>
+        </p:txBody>
+      </p:sp>
       <p:pic>
         <p:nvPicPr>
-          <p:cNvPr id="149" name="Google Shape;149;p27"/>
+          <p:cNvPr id="189" name="Google Shape;189;p28"/>
           <p:cNvPicPr preferRelativeResize="0"/>
           <p:nvPr/>
         </p:nvPicPr>
@@ -20554,8 +23161,8 @@
         </p:blipFill>
         <p:spPr>
           <a:xfrm>
-            <a:off x="274525" y="2231950"/>
-            <a:ext cx="4806199" cy="3709575"/>
+            <a:off x="5635975" y="1614900"/>
+            <a:ext cx="2801776" cy="2505950"/>
           </a:xfrm>
           <a:prstGeom prst="rect">
             <a:avLst/>
@@ -20566,152 +23173,14 @@
           </a:ln>
         </p:spPr>
       </p:pic>
-      <p:sp>
-        <p:nvSpPr>
-          <p:cNvPr id="150" name="Google Shape;150;p27"/>
-          <p:cNvSpPr txBox="1"/>
-          <p:nvPr/>
-        </p:nvSpPr>
-        <p:spPr>
-          <a:xfrm>
-            <a:off x="5080725" y="3499450"/>
-            <a:ext cx="3601200" cy="861300"/>
-          </a:xfrm>
-          <a:prstGeom prst="rect">
-            <a:avLst/>
-          </a:prstGeom>
-          <a:noFill/>
-          <a:ln>
-            <a:noFill/>
-          </a:ln>
-        </p:spPr>
-        <p:txBody>
-          <a:bodyPr anchorCtr="0" anchor="t" bIns="91425" lIns="91425" spcFirstLastPara="1" rIns="91425" wrap="square" tIns="91425">
-            <a:noAutofit/>
-          </a:bodyPr>
-          <a:lstStyle/>
-          <a:p>
-            <a:pPr indent="-355600" lvl="0" marL="457200" rtl="0" algn="l">
-              <a:spcBef>
-                <a:spcPts val="0"/>
-              </a:spcBef>
-              <a:spcAft>
-                <a:spcPts val="0"/>
-              </a:spcAft>
-              <a:buClr>
-                <a:schemeClr val="dk1"/>
-              </a:buClr>
-              <a:buSzPts val="2000"/>
-              <a:buChar char="-"/>
-            </a:pPr>
-            <a:r>
-              <a:rPr lang="en" sz="2000">
-                <a:solidFill>
-                  <a:schemeClr val="dk1"/>
-                </a:solidFill>
-              </a:rPr>
-              <a:t>Measuring voltage and  current across resistors</a:t>
-            </a:r>
-            <a:endParaRPr sz="2000">
-              <a:solidFill>
-                <a:schemeClr val="dk1"/>
-              </a:solidFill>
-            </a:endParaRPr>
-          </a:p>
-          <a:p>
-            <a:pPr indent="0" lvl="0" marL="457200" rtl="0" algn="l">
-              <a:spcBef>
-                <a:spcPts val="0"/>
-              </a:spcBef>
-              <a:spcAft>
-                <a:spcPts val="0"/>
-              </a:spcAft>
-              <a:buNone/>
-            </a:pPr>
-            <a:r>
-              <a:t/>
-            </a:r>
-            <a:endParaRPr sz="2000">
-              <a:solidFill>
-                <a:schemeClr val="dk1"/>
-              </a:solidFill>
-            </a:endParaRPr>
-          </a:p>
-        </p:txBody>
-      </p:sp>
-    </p:spTree>
-  </p:cSld>
-  <p:clrMapOvr>
-    <a:masterClrMapping/>
-  </p:clrMapOvr>
-</p:sld>
-</file>
-
-<file path=ppt/slides/slide9.xml><?xml version="1.0" encoding="utf-8"?>
-<p:sld xmlns:a="http://schemas.openxmlformats.org/drawingml/2006/main" xmlns:r="http://schemas.openxmlformats.org/officeDocument/2006/relationships" xmlns:mc="http://schemas.openxmlformats.org/markup-compatibility/2006" xmlns:mv="urn:schemas-microsoft-com:mac:vml" xmlns:p="http://schemas.openxmlformats.org/presentationml/2006/main" xmlns:c="http://schemas.openxmlformats.org/drawingml/2006/chart" xmlns:dgm="http://schemas.openxmlformats.org/drawingml/2006/diagram" xmlns:o="urn:schemas-microsoft-com:office:office" xmlns:v="urn:schemas-microsoft-com:vml" xmlns:pvml="urn:schemas-microsoft-com:office:powerpoint" xmlns:com="http://schemas.openxmlformats.org/drawingml/2006/compatibility" xmlns:p14="http://schemas.microsoft.com/office/powerpoint/2010/main" xmlns:p15="http://schemas.microsoft.com/office/powerpoint/2012/main" xmlns:ahyp="http://schemas.microsoft.com/office/drawing/2018/hyperlinkcolor">
-  <p:cSld>
-    <p:spTree>
-      <p:nvGrpSpPr>
-        <p:cNvPr id="154" name="Shape 154"/>
-        <p:cNvGrpSpPr/>
-        <p:nvPr/>
-      </p:nvGrpSpPr>
-      <p:grpSpPr>
-        <a:xfrm>
-          <a:off x="0" y="0"/>
-          <a:ext cx="0" cy="0"/>
-          <a:chOff x="0" y="0"/>
-          <a:chExt cx="0" cy="0"/>
-        </a:xfrm>
-      </p:grpSpPr>
-      <p:sp>
-        <p:nvSpPr>
-          <p:cNvPr id="155" name="Google Shape;155;p28"/>
-          <p:cNvSpPr txBox="1"/>
-          <p:nvPr>
-            <p:ph type="title"/>
-          </p:nvPr>
-        </p:nvSpPr>
-        <p:spPr>
-          <a:xfrm>
-            <a:off x="457200" y="1049177"/>
-            <a:ext cx="8229600" cy="803700"/>
-          </a:xfrm>
-          <a:prstGeom prst="rect">
-            <a:avLst/>
-          </a:prstGeom>
-        </p:spPr>
-        <p:txBody>
-          <a:bodyPr anchorCtr="0" anchor="ctr" bIns="45700" lIns="91425" spcFirstLastPara="1" rIns="91425" wrap="square" tIns="45700">
-            <a:normAutofit/>
-          </a:bodyPr>
-          <a:lstStyle/>
-          <a:p>
-            <a:pPr indent="0" lvl="0" marL="0" rtl="0" algn="ctr">
-              <a:spcBef>
-                <a:spcPts val="0"/>
-              </a:spcBef>
-              <a:spcAft>
-                <a:spcPts val="0"/>
-              </a:spcAft>
-              <a:buNone/>
-            </a:pPr>
-            <a:r>
-              <a:rPr lang="en"/>
-              <a:t>Lab 7</a:t>
-            </a:r>
-            <a:endParaRPr/>
-          </a:p>
-        </p:txBody>
-      </p:sp>
       <p:pic>
         <p:nvPicPr>
-          <p:cNvPr id="156" name="Google Shape;156;p28"/>
+          <p:cNvPr id="190" name="Google Shape;190;p28"/>
           <p:cNvPicPr preferRelativeResize="0"/>
           <p:nvPr/>
         </p:nvPicPr>
         <p:blipFill>
-          <a:blip r:embed="rId3">
+          <a:blip r:embed="rId4">
             <a:alphaModFix/>
           </a:blip>
           <a:stretch>
@@ -20720,8 +23189,8 @@
         </p:blipFill>
         <p:spPr>
           <a:xfrm>
-            <a:off x="919150" y="2885800"/>
-            <a:ext cx="7305675" cy="2495550"/>
+            <a:off x="5635975" y="4120850"/>
+            <a:ext cx="2801775" cy="2434420"/>
           </a:xfrm>
           <a:prstGeom prst="rect">
             <a:avLst/>
@@ -21020,6 +23489,285 @@
 </file>
 
 <file path=ppt/theme/theme2.xml><?xml version="1.0" encoding="utf-8"?>
+<a:theme xmlns:a="http://schemas.openxmlformats.org/drawingml/2006/main" xmlns:r="http://schemas.openxmlformats.org/officeDocument/2006/relationships" name="Office Theme">
+  <a:themeElements>
+    <a:clrScheme name="Office">
+      <a:dk1>
+        <a:srgbClr val="000000"/>
+      </a:dk1>
+      <a:lt1>
+        <a:srgbClr val="FFFFFF"/>
+      </a:lt1>
+      <a:dk2>
+        <a:srgbClr val="1F497D"/>
+      </a:dk2>
+      <a:lt2>
+        <a:srgbClr val="EEECE1"/>
+      </a:lt2>
+      <a:accent1>
+        <a:srgbClr val="4F81BD"/>
+      </a:accent1>
+      <a:accent2>
+        <a:srgbClr val="C0504D"/>
+      </a:accent2>
+      <a:accent3>
+        <a:srgbClr val="9BBB59"/>
+      </a:accent3>
+      <a:accent4>
+        <a:srgbClr val="8064A2"/>
+      </a:accent4>
+      <a:accent5>
+        <a:srgbClr val="4BACC6"/>
+      </a:accent5>
+      <a:accent6>
+        <a:srgbClr val="F79646"/>
+      </a:accent6>
+      <a:hlink>
+        <a:srgbClr val="0000FF"/>
+      </a:hlink>
+      <a:folHlink>
+        <a:srgbClr val="800080"/>
+      </a:folHlink>
+    </a:clrScheme>
+    <a:fontScheme name="Office">
+      <a:majorFont>
+        <a:latin typeface="Arial"/>
+        <a:ea typeface=""/>
+        <a:cs typeface=""/>
+        <a:font script="Jpan" typeface="ＭＳ Ｐゴシック"/>
+        <a:font script="Hang" typeface="맑은 고딕"/>
+        <a:font script="Hans" typeface="宋体"/>
+        <a:font script="Hant" typeface="新細明體"/>
+        <a:font script="Arab" typeface="Times New Roman"/>
+        <a:font script="Hebr" typeface="Times New Roman"/>
+        <a:font script="Thai" typeface="Angsana New"/>
+        <a:font script="Ethi" typeface="Nyala"/>
+        <a:font script="Beng" typeface="Vrinda"/>
+        <a:font script="Gujr" typeface="Shruti"/>
+        <a:font script="Khmr" typeface="MoolBoran"/>
+        <a:font script="Knda" typeface="Tunga"/>
+        <a:font script="Guru" typeface="Raavi"/>
+        <a:font script="Cans" typeface="Euphemia"/>
+        <a:font script="Cher" typeface="Plantagenet Cherokee"/>
+        <a:font script="Yiii" typeface="Microsoft Yi Baiti"/>
+        <a:font script="Tibt" typeface="Microsoft Himalaya"/>
+        <a:font script="Thaa" typeface="MV Boli"/>
+        <a:font script="Deva" typeface="Mangal"/>
+        <a:font script="Telu" typeface="Gautami"/>
+        <a:font script="Taml" typeface="Latha"/>
+        <a:font script="Syrc" typeface="Estrangelo Edessa"/>
+        <a:font script="Orya" typeface="Kalinga"/>
+        <a:font script="Mlym" typeface="Kartika"/>
+        <a:font script="Laoo" typeface="DokChampa"/>
+        <a:font script="Sinh" typeface="Iskoola Pota"/>
+        <a:font script="Mong" typeface="Mongolian Baiti"/>
+        <a:font script="Viet" typeface="Times New Roman"/>
+        <a:font script="Uigh" typeface="Microsoft Uighur"/>
+        <a:font script="Geor" typeface="Sylfaen"/>
+      </a:majorFont>
+      <a:minorFont>
+        <a:latin typeface="Arial"/>
+        <a:ea typeface=""/>
+        <a:cs typeface=""/>
+        <a:font script="Jpan" typeface="ＭＳ Ｐゴシック"/>
+        <a:font script="Hang" typeface="맑은 고딕"/>
+        <a:font script="Hans" typeface="宋体"/>
+        <a:font script="Hant" typeface="新細明體"/>
+        <a:font script="Arab" typeface="Arial"/>
+        <a:font script="Hebr" typeface="Arial"/>
+        <a:font script="Thai" typeface="Cordia New"/>
+        <a:font script="Ethi" typeface="Nyala"/>
+        <a:font script="Beng" typeface="Vrinda"/>
+        <a:font script="Gujr" typeface="Shruti"/>
+        <a:font script="Khmr" typeface="DaunPenh"/>
+        <a:font script="Knda" typeface="Tunga"/>
+        <a:font script="Guru" typeface="Raavi"/>
+        <a:font script="Cans" typeface="Euphemia"/>
+        <a:font script="Cher" typeface="Plantagenet Cherokee"/>
+        <a:font script="Yiii" typeface="Microsoft Yi Baiti"/>
+        <a:font script="Tibt" typeface="Microsoft Himalaya"/>
+        <a:font script="Thaa" typeface="MV Boli"/>
+        <a:font script="Deva" typeface="Mangal"/>
+        <a:font script="Telu" typeface="Gautami"/>
+        <a:font script="Taml" typeface="Latha"/>
+        <a:font script="Syrc" typeface="Estrangelo Edessa"/>
+        <a:font script="Orya" typeface="Kalinga"/>
+        <a:font script="Mlym" typeface="Kartika"/>
+        <a:font script="Laoo" typeface="DokChampa"/>
+        <a:font script="Sinh" typeface="Iskoola Pota"/>
+        <a:font script="Mong" typeface="Mongolian Baiti"/>
+        <a:font script="Viet" typeface="Arial"/>
+        <a:font script="Uigh" typeface="Microsoft Uighur"/>
+        <a:font script="Geor" typeface="Sylfaen"/>
+      </a:minorFont>
+    </a:fontScheme>
+    <a:fmtScheme name="Office">
+      <a:fillStyleLst>
+        <a:solidFill>
+          <a:schemeClr val="phClr"/>
+        </a:solidFill>
+        <a:gradFill rotWithShape="1">
+          <a:gsLst>
+            <a:gs pos="0">
+              <a:schemeClr val="phClr">
+                <a:tint val="50000"/>
+                <a:satMod val="300000"/>
+              </a:schemeClr>
+            </a:gs>
+            <a:gs pos="35000">
+              <a:schemeClr val="phClr">
+                <a:tint val="37000"/>
+                <a:satMod val="300000"/>
+              </a:schemeClr>
+            </a:gs>
+            <a:gs pos="100000">
+              <a:schemeClr val="phClr">
+                <a:tint val="15000"/>
+                <a:satMod val="350000"/>
+              </a:schemeClr>
+            </a:gs>
+          </a:gsLst>
+          <a:lin ang="16200000" scaled="1"/>
+        </a:gradFill>
+        <a:gradFill rotWithShape="1">
+          <a:gsLst>
+            <a:gs pos="0">
+              <a:schemeClr val="phClr">
+                <a:tint val="100000"/>
+                <a:shade val="100000"/>
+                <a:satMod val="130000"/>
+              </a:schemeClr>
+            </a:gs>
+            <a:gs pos="100000">
+              <a:schemeClr val="phClr">
+                <a:tint val="50000"/>
+                <a:shade val="100000"/>
+                <a:satMod val="350000"/>
+              </a:schemeClr>
+            </a:gs>
+          </a:gsLst>
+          <a:lin ang="16200000" scaled="0"/>
+        </a:gradFill>
+      </a:fillStyleLst>
+      <a:lnStyleLst>
+        <a:ln w="9525" cap="flat" cmpd="sng" algn="ctr">
+          <a:solidFill>
+            <a:schemeClr val="phClr">
+              <a:shade val="95000"/>
+              <a:satMod val="105000"/>
+            </a:schemeClr>
+          </a:solidFill>
+          <a:prstDash val="solid"/>
+        </a:ln>
+        <a:ln w="25400" cap="flat" cmpd="sng" algn="ctr">
+          <a:solidFill>
+            <a:schemeClr val="phClr"/>
+          </a:solidFill>
+          <a:prstDash val="solid"/>
+        </a:ln>
+        <a:ln w="38100" cap="flat" cmpd="sng" algn="ctr">
+          <a:solidFill>
+            <a:schemeClr val="phClr"/>
+          </a:solidFill>
+          <a:prstDash val="solid"/>
+        </a:ln>
+      </a:lnStyleLst>
+      <a:effectStyleLst>
+        <a:effectStyle>
+          <a:effectLst>
+            <a:outerShdw blurRad="40000" dist="20000" dir="5400000" rotWithShape="0">
+              <a:srgbClr val="000000">
+                <a:alpha val="38000"/>
+              </a:srgbClr>
+            </a:outerShdw>
+          </a:effectLst>
+        </a:effectStyle>
+        <a:effectStyle>
+          <a:effectLst>
+            <a:outerShdw blurRad="40000" dist="23000" dir="5400000" rotWithShape="0">
+              <a:srgbClr val="000000">
+                <a:alpha val="35000"/>
+              </a:srgbClr>
+            </a:outerShdw>
+          </a:effectLst>
+        </a:effectStyle>
+        <a:effectStyle>
+          <a:effectLst>
+            <a:outerShdw blurRad="40000" dist="23000" dir="5400000" rotWithShape="0">
+              <a:srgbClr val="000000">
+                <a:alpha val="35000"/>
+              </a:srgbClr>
+            </a:outerShdw>
+          </a:effectLst>
+          <a:scene3d>
+            <a:camera prst="orthographicFront">
+              <a:rot lat="0" lon="0" rev="0"/>
+            </a:camera>
+            <a:lightRig rig="threePt" dir="t">
+              <a:rot lat="0" lon="0" rev="1200000"/>
+            </a:lightRig>
+          </a:scene3d>
+          <a:sp3d>
+            <a:bevelT w="63500" h="25400"/>
+          </a:sp3d>
+        </a:effectStyle>
+      </a:effectStyleLst>
+      <a:bgFillStyleLst>
+        <a:solidFill>
+          <a:schemeClr val="phClr"/>
+        </a:solidFill>
+        <a:gradFill rotWithShape="1">
+          <a:gsLst>
+            <a:gs pos="0">
+              <a:schemeClr val="phClr">
+                <a:tint val="40000"/>
+                <a:satMod val="350000"/>
+              </a:schemeClr>
+            </a:gs>
+            <a:gs pos="40000">
+              <a:schemeClr val="phClr">
+                <a:tint val="45000"/>
+                <a:shade val="99000"/>
+                <a:satMod val="350000"/>
+              </a:schemeClr>
+            </a:gs>
+            <a:gs pos="100000">
+              <a:schemeClr val="phClr">
+                <a:shade val="20000"/>
+                <a:satMod val="255000"/>
+              </a:schemeClr>
+            </a:gs>
+          </a:gsLst>
+          <a:path path="circle">
+            <a:fillToRect l="50000" t="-80000" r="50000" b="180000"/>
+          </a:path>
+        </a:gradFill>
+        <a:gradFill rotWithShape="1">
+          <a:gsLst>
+            <a:gs pos="0">
+              <a:schemeClr val="phClr">
+                <a:tint val="80000"/>
+                <a:satMod val="300000"/>
+              </a:schemeClr>
+            </a:gs>
+            <a:gs pos="100000">
+              <a:schemeClr val="phClr">
+                <a:shade val="30000"/>
+                <a:satMod val="200000"/>
+              </a:schemeClr>
+            </a:gs>
+          </a:gsLst>
+          <a:path path="circle">
+            <a:fillToRect l="50000" t="50000" r="50000" b="50000"/>
+          </a:path>
+        </a:gradFill>
+      </a:bgFillStyleLst>
+    </a:fmtScheme>
+  </a:themeElements>
+</a:theme>
+</file>
+
+<file path=ppt/theme/theme3.xml><?xml version="1.0" encoding="utf-8"?>
 <a:theme xmlns:a="http://schemas.openxmlformats.org/drawingml/2006/main" xmlns:r="http://schemas.openxmlformats.org/officeDocument/2006/relationships" name="Simple Light">
   <a:themeElements>
     <a:clrScheme name="Simple Light">
@@ -21296,283 +24044,4 @@
     </a:fmtScheme>
   </a:themeElements>
 </a:theme>
-</file>
-
-<file path=ppt/theme/theme3.xml><?xml version="1.0" encoding="utf-8"?>
-<a:theme xmlns:a="http://schemas.openxmlformats.org/drawingml/2006/main" xmlns:r="http://schemas.openxmlformats.org/officeDocument/2006/relationships" name="Office Theme">
-  <a:themeElements>
-    <a:clrScheme name="Office">
-      <a:dk1>
-        <a:srgbClr val="000000"/>
-      </a:dk1>
-      <a:lt1>
-        <a:srgbClr val="FFFFFF"/>
-      </a:lt1>
-      <a:dk2>
-        <a:srgbClr val="1F497D"/>
-      </a:dk2>
-      <a:lt2>
-        <a:srgbClr val="EEECE1"/>
-      </a:lt2>
-      <a:accent1>
-        <a:srgbClr val="4F81BD"/>
-      </a:accent1>
-      <a:accent2>
-        <a:srgbClr val="C0504D"/>
-      </a:accent2>
-      <a:accent3>
-        <a:srgbClr val="9BBB59"/>
-      </a:accent3>
-      <a:accent4>
-        <a:srgbClr val="8064A2"/>
-      </a:accent4>
-      <a:accent5>
-        <a:srgbClr val="4BACC6"/>
-      </a:accent5>
-      <a:accent6>
-        <a:srgbClr val="F79646"/>
-      </a:accent6>
-      <a:hlink>
-        <a:srgbClr val="0000FF"/>
-      </a:hlink>
-      <a:folHlink>
-        <a:srgbClr val="800080"/>
-      </a:folHlink>
-    </a:clrScheme>
-    <a:fontScheme name="Office">
-      <a:majorFont>
-        <a:latin typeface="Arial"/>
-        <a:ea typeface=""/>
-        <a:cs typeface=""/>
-        <a:font script="Jpan" typeface="ＭＳ Ｐゴシック"/>
-        <a:font script="Hang" typeface="맑은 고딕"/>
-        <a:font script="Hans" typeface="宋体"/>
-        <a:font script="Hant" typeface="新細明體"/>
-        <a:font script="Arab" typeface="Times New Roman"/>
-        <a:font script="Hebr" typeface="Times New Roman"/>
-        <a:font script="Thai" typeface="Angsana New"/>
-        <a:font script="Ethi" typeface="Nyala"/>
-        <a:font script="Beng" typeface="Vrinda"/>
-        <a:font script="Gujr" typeface="Shruti"/>
-        <a:font script="Khmr" typeface="MoolBoran"/>
-        <a:font script="Knda" typeface="Tunga"/>
-        <a:font script="Guru" typeface="Raavi"/>
-        <a:font script="Cans" typeface="Euphemia"/>
-        <a:font script="Cher" typeface="Plantagenet Cherokee"/>
-        <a:font script="Yiii" typeface="Microsoft Yi Baiti"/>
-        <a:font script="Tibt" typeface="Microsoft Himalaya"/>
-        <a:font script="Thaa" typeface="MV Boli"/>
-        <a:font script="Deva" typeface="Mangal"/>
-        <a:font script="Telu" typeface="Gautami"/>
-        <a:font script="Taml" typeface="Latha"/>
-        <a:font script="Syrc" typeface="Estrangelo Edessa"/>
-        <a:font script="Orya" typeface="Kalinga"/>
-        <a:font script="Mlym" typeface="Kartika"/>
-        <a:font script="Laoo" typeface="DokChampa"/>
-        <a:font script="Sinh" typeface="Iskoola Pota"/>
-        <a:font script="Mong" typeface="Mongolian Baiti"/>
-        <a:font script="Viet" typeface="Times New Roman"/>
-        <a:font script="Uigh" typeface="Microsoft Uighur"/>
-        <a:font script="Geor" typeface="Sylfaen"/>
-      </a:majorFont>
-      <a:minorFont>
-        <a:latin typeface="Arial"/>
-        <a:ea typeface=""/>
-        <a:cs typeface=""/>
-        <a:font script="Jpan" typeface="ＭＳ Ｐゴシック"/>
-        <a:font script="Hang" typeface="맑은 고딕"/>
-        <a:font script="Hans" typeface="宋体"/>
-        <a:font script="Hant" typeface="新細明體"/>
-        <a:font script="Arab" typeface="Arial"/>
-        <a:font script="Hebr" typeface="Arial"/>
-        <a:font script="Thai" typeface="Cordia New"/>
-        <a:font script="Ethi" typeface="Nyala"/>
-        <a:font script="Beng" typeface="Vrinda"/>
-        <a:font script="Gujr" typeface="Shruti"/>
-        <a:font script="Khmr" typeface="DaunPenh"/>
-        <a:font script="Knda" typeface="Tunga"/>
-        <a:font script="Guru" typeface="Raavi"/>
-        <a:font script="Cans" typeface="Euphemia"/>
-        <a:font script="Cher" typeface="Plantagenet Cherokee"/>
-        <a:font script="Yiii" typeface="Microsoft Yi Baiti"/>
-        <a:font script="Tibt" typeface="Microsoft Himalaya"/>
-        <a:font script="Thaa" typeface="MV Boli"/>
-        <a:font script="Deva" typeface="Mangal"/>
-        <a:font script="Telu" typeface="Gautami"/>
-        <a:font script="Taml" typeface="Latha"/>
-        <a:font script="Syrc" typeface="Estrangelo Edessa"/>
-        <a:font script="Orya" typeface="Kalinga"/>
-        <a:font script="Mlym" typeface="Kartika"/>
-        <a:font script="Laoo" typeface="DokChampa"/>
-        <a:font script="Sinh" typeface="Iskoola Pota"/>
-        <a:font script="Mong" typeface="Mongolian Baiti"/>
-        <a:font script="Viet" typeface="Arial"/>
-        <a:font script="Uigh" typeface="Microsoft Uighur"/>
-        <a:font script="Geor" typeface="Sylfaen"/>
-      </a:minorFont>
-    </a:fontScheme>
-    <a:fmtScheme name="Office">
-      <a:fillStyleLst>
-        <a:solidFill>
-          <a:schemeClr val="phClr"/>
-        </a:solidFill>
-        <a:gradFill rotWithShape="1">
-          <a:gsLst>
-            <a:gs pos="0">
-              <a:schemeClr val="phClr">
-                <a:tint val="50000"/>
-                <a:satMod val="300000"/>
-              </a:schemeClr>
-            </a:gs>
-            <a:gs pos="35000">
-              <a:schemeClr val="phClr">
-                <a:tint val="37000"/>
-                <a:satMod val="300000"/>
-              </a:schemeClr>
-            </a:gs>
-            <a:gs pos="100000">
-              <a:schemeClr val="phClr">
-                <a:tint val="15000"/>
-                <a:satMod val="350000"/>
-              </a:schemeClr>
-            </a:gs>
-          </a:gsLst>
-          <a:lin ang="16200000" scaled="1"/>
-        </a:gradFill>
-        <a:gradFill rotWithShape="1">
-          <a:gsLst>
-            <a:gs pos="0">
-              <a:schemeClr val="phClr">
-                <a:tint val="100000"/>
-                <a:shade val="100000"/>
-                <a:satMod val="130000"/>
-              </a:schemeClr>
-            </a:gs>
-            <a:gs pos="100000">
-              <a:schemeClr val="phClr">
-                <a:tint val="50000"/>
-                <a:shade val="100000"/>
-                <a:satMod val="350000"/>
-              </a:schemeClr>
-            </a:gs>
-          </a:gsLst>
-          <a:lin ang="16200000" scaled="0"/>
-        </a:gradFill>
-      </a:fillStyleLst>
-      <a:lnStyleLst>
-        <a:ln w="9525" cap="flat" cmpd="sng" algn="ctr">
-          <a:solidFill>
-            <a:schemeClr val="phClr">
-              <a:shade val="95000"/>
-              <a:satMod val="105000"/>
-            </a:schemeClr>
-          </a:solidFill>
-          <a:prstDash val="solid"/>
-        </a:ln>
-        <a:ln w="25400" cap="flat" cmpd="sng" algn="ctr">
-          <a:solidFill>
-            <a:schemeClr val="phClr"/>
-          </a:solidFill>
-          <a:prstDash val="solid"/>
-        </a:ln>
-        <a:ln w="38100" cap="flat" cmpd="sng" algn="ctr">
-          <a:solidFill>
-            <a:schemeClr val="phClr"/>
-          </a:solidFill>
-          <a:prstDash val="solid"/>
-        </a:ln>
-      </a:lnStyleLst>
-      <a:effectStyleLst>
-        <a:effectStyle>
-          <a:effectLst>
-            <a:outerShdw blurRad="40000" dist="20000" dir="5400000" rotWithShape="0">
-              <a:srgbClr val="000000">
-                <a:alpha val="38000"/>
-              </a:srgbClr>
-            </a:outerShdw>
-          </a:effectLst>
-        </a:effectStyle>
-        <a:effectStyle>
-          <a:effectLst>
-            <a:outerShdw blurRad="40000" dist="23000" dir="5400000" rotWithShape="0">
-              <a:srgbClr val="000000">
-                <a:alpha val="35000"/>
-              </a:srgbClr>
-            </a:outerShdw>
-          </a:effectLst>
-        </a:effectStyle>
-        <a:effectStyle>
-          <a:effectLst>
-            <a:outerShdw blurRad="40000" dist="23000" dir="5400000" rotWithShape="0">
-              <a:srgbClr val="000000">
-                <a:alpha val="35000"/>
-              </a:srgbClr>
-            </a:outerShdw>
-          </a:effectLst>
-          <a:scene3d>
-            <a:camera prst="orthographicFront">
-              <a:rot lat="0" lon="0" rev="0"/>
-            </a:camera>
-            <a:lightRig rig="threePt" dir="t">
-              <a:rot lat="0" lon="0" rev="1200000"/>
-            </a:lightRig>
-          </a:scene3d>
-          <a:sp3d>
-            <a:bevelT w="63500" h="25400"/>
-          </a:sp3d>
-        </a:effectStyle>
-      </a:effectStyleLst>
-      <a:bgFillStyleLst>
-        <a:solidFill>
-          <a:schemeClr val="phClr"/>
-        </a:solidFill>
-        <a:gradFill rotWithShape="1">
-          <a:gsLst>
-            <a:gs pos="0">
-              <a:schemeClr val="phClr">
-                <a:tint val="40000"/>
-                <a:satMod val="350000"/>
-              </a:schemeClr>
-            </a:gs>
-            <a:gs pos="40000">
-              <a:schemeClr val="phClr">
-                <a:tint val="45000"/>
-                <a:shade val="99000"/>
-                <a:satMod val="350000"/>
-              </a:schemeClr>
-            </a:gs>
-            <a:gs pos="100000">
-              <a:schemeClr val="phClr">
-                <a:shade val="20000"/>
-                <a:satMod val="255000"/>
-              </a:schemeClr>
-            </a:gs>
-          </a:gsLst>
-          <a:path path="circle">
-            <a:fillToRect l="50000" t="-80000" r="50000" b="180000"/>
-          </a:path>
-        </a:gradFill>
-        <a:gradFill rotWithShape="1">
-          <a:gsLst>
-            <a:gs pos="0">
-              <a:schemeClr val="phClr">
-                <a:tint val="80000"/>
-                <a:satMod val="300000"/>
-              </a:schemeClr>
-            </a:gs>
-            <a:gs pos="100000">
-              <a:schemeClr val="phClr">
-                <a:shade val="30000"/>
-                <a:satMod val="200000"/>
-              </a:schemeClr>
-            </a:gs>
-          </a:gsLst>
-          <a:path path="circle">
-            <a:fillToRect l="50000" t="50000" r="50000" b="50000"/>
-          </a:path>
-        </a:gradFill>
-      </a:bgFillStyleLst>
-    </a:fmtScheme>
-  </a:themeElements>
-</a:theme>
 </file>